--- a/figures/MIT-18.06.pptx
+++ b/figures/MIT-18.06.pptx
@@ -7,6 +7,9 @@
   <p:sldIdLst>
     <p:sldId id="256" r:id="rId2"/>
     <p:sldId id="257" r:id="rId3"/>
+    <p:sldId id="258" r:id="rId4"/>
+    <p:sldId id="259" r:id="rId5"/>
+    <p:sldId id="260" r:id="rId6"/>
   </p:sldIdLst>
   <p:sldSz cx="12192000" cy="6858000"/>
   <p:notesSz cx="6858000" cy="9144000"/>
@@ -271,7 +274,7 @@
           <a:p>
             <a:fld id="{E99580CA-37CF-4343-A9CD-2331FB018ECB}" type="datetimeFigureOut">
               <a:rPr lang="zh-CN" altLang="en-US" smtClean="0"/>
-              <a:t>2022/9/6</a:t>
+              <a:t>2022/9/9</a:t>
             </a:fld>
             <a:endParaRPr lang="zh-CN" altLang="en-US"/>
           </a:p>
@@ -469,7 +472,7 @@
           <a:p>
             <a:fld id="{E99580CA-37CF-4343-A9CD-2331FB018ECB}" type="datetimeFigureOut">
               <a:rPr lang="zh-CN" altLang="en-US" smtClean="0"/>
-              <a:t>2022/9/6</a:t>
+              <a:t>2022/9/9</a:t>
             </a:fld>
             <a:endParaRPr lang="zh-CN" altLang="en-US"/>
           </a:p>
@@ -677,7 +680,7 @@
           <a:p>
             <a:fld id="{E99580CA-37CF-4343-A9CD-2331FB018ECB}" type="datetimeFigureOut">
               <a:rPr lang="zh-CN" altLang="en-US" smtClean="0"/>
-              <a:t>2022/9/6</a:t>
+              <a:t>2022/9/9</a:t>
             </a:fld>
             <a:endParaRPr lang="zh-CN" altLang="en-US"/>
           </a:p>
@@ -875,7 +878,7 @@
           <a:p>
             <a:fld id="{E99580CA-37CF-4343-A9CD-2331FB018ECB}" type="datetimeFigureOut">
               <a:rPr lang="zh-CN" altLang="en-US" smtClean="0"/>
-              <a:t>2022/9/6</a:t>
+              <a:t>2022/9/9</a:t>
             </a:fld>
             <a:endParaRPr lang="zh-CN" altLang="en-US"/>
           </a:p>
@@ -1150,7 +1153,7 @@
           <a:p>
             <a:fld id="{E99580CA-37CF-4343-A9CD-2331FB018ECB}" type="datetimeFigureOut">
               <a:rPr lang="zh-CN" altLang="en-US" smtClean="0"/>
-              <a:t>2022/9/6</a:t>
+              <a:t>2022/9/9</a:t>
             </a:fld>
             <a:endParaRPr lang="zh-CN" altLang="en-US"/>
           </a:p>
@@ -1415,7 +1418,7 @@
           <a:p>
             <a:fld id="{E99580CA-37CF-4343-A9CD-2331FB018ECB}" type="datetimeFigureOut">
               <a:rPr lang="zh-CN" altLang="en-US" smtClean="0"/>
-              <a:t>2022/9/6</a:t>
+              <a:t>2022/9/9</a:t>
             </a:fld>
             <a:endParaRPr lang="zh-CN" altLang="en-US"/>
           </a:p>
@@ -1827,7 +1830,7 @@
           <a:p>
             <a:fld id="{E99580CA-37CF-4343-A9CD-2331FB018ECB}" type="datetimeFigureOut">
               <a:rPr lang="zh-CN" altLang="en-US" smtClean="0"/>
-              <a:t>2022/9/6</a:t>
+              <a:t>2022/9/9</a:t>
             </a:fld>
             <a:endParaRPr lang="zh-CN" altLang="en-US"/>
           </a:p>
@@ -1968,7 +1971,7 @@
           <a:p>
             <a:fld id="{E99580CA-37CF-4343-A9CD-2331FB018ECB}" type="datetimeFigureOut">
               <a:rPr lang="zh-CN" altLang="en-US" smtClean="0"/>
-              <a:t>2022/9/6</a:t>
+              <a:t>2022/9/9</a:t>
             </a:fld>
             <a:endParaRPr lang="zh-CN" altLang="en-US"/>
           </a:p>
@@ -2081,7 +2084,7 @@
           <a:p>
             <a:fld id="{E99580CA-37CF-4343-A9CD-2331FB018ECB}" type="datetimeFigureOut">
               <a:rPr lang="zh-CN" altLang="en-US" smtClean="0"/>
-              <a:t>2022/9/6</a:t>
+              <a:t>2022/9/9</a:t>
             </a:fld>
             <a:endParaRPr lang="zh-CN" altLang="en-US"/>
           </a:p>
@@ -2392,7 +2395,7 @@
           <a:p>
             <a:fld id="{E99580CA-37CF-4343-A9CD-2331FB018ECB}" type="datetimeFigureOut">
               <a:rPr lang="zh-CN" altLang="en-US" smtClean="0"/>
-              <a:t>2022/9/6</a:t>
+              <a:t>2022/9/9</a:t>
             </a:fld>
             <a:endParaRPr lang="zh-CN" altLang="en-US"/>
           </a:p>
@@ -2680,7 +2683,7 @@
           <a:p>
             <a:fld id="{E99580CA-37CF-4343-A9CD-2331FB018ECB}" type="datetimeFigureOut">
               <a:rPr lang="zh-CN" altLang="en-US" smtClean="0"/>
-              <a:t>2022/9/6</a:t>
+              <a:t>2022/9/9</a:t>
             </a:fld>
             <a:endParaRPr lang="zh-CN" altLang="en-US"/>
           </a:p>
@@ -2921,7 +2924,7 @@
           <a:p>
             <a:fld id="{E99580CA-37CF-4343-A9CD-2331FB018ECB}" type="datetimeFigureOut">
               <a:rPr lang="zh-CN" altLang="en-US" smtClean="0"/>
-              <a:t>2022/9/6</a:t>
+              <a:t>2022/9/9</a:t>
             </a:fld>
             <a:endParaRPr lang="zh-CN" altLang="en-US"/>
           </a:p>
@@ -3796,10 +3799,10 @@
       </p:grpSpPr>
       <p:grpSp>
         <p:nvGrpSpPr>
-          <p:cNvPr id="79" name="组合 78">
+          <p:cNvPr id="2" name="组合 1">
             <a:extLst>
               <a:ext uri="{FF2B5EF4-FFF2-40B4-BE49-F238E27FC236}">
-                <a16:creationId xmlns:a16="http://schemas.microsoft.com/office/drawing/2014/main" id="{3CD10EF4-21B6-4D6E-BAB7-B7063DA9307C}"/>
+                <a16:creationId xmlns:a16="http://schemas.microsoft.com/office/drawing/2014/main" id="{A16687D5-9A96-4943-AE50-4B7FC9AD29CA}"/>
               </a:ext>
             </a:extLst>
           </p:cNvPr>
@@ -3816,10 +3819,10 @@
         </p:grpSpPr>
         <p:grpSp>
           <p:nvGrpSpPr>
-            <p:cNvPr id="23" name="组合 22">
+            <p:cNvPr id="79" name="组合 78">
               <a:extLst>
                 <a:ext uri="{FF2B5EF4-FFF2-40B4-BE49-F238E27FC236}">
-                  <a16:creationId xmlns:a16="http://schemas.microsoft.com/office/drawing/2014/main" id="{583463ED-749F-499B-A58D-C58043D262B0}"/>
+                  <a16:creationId xmlns:a16="http://schemas.microsoft.com/office/drawing/2014/main" id="{3CD10EF4-21B6-4D6E-BAB7-B7063DA9307C}"/>
                 </a:ext>
               </a:extLst>
             </p:cNvPr>
@@ -3828,18 +3831,18 @@
           </p:nvGrpSpPr>
           <p:grpSpPr>
             <a:xfrm>
-              <a:off x="1795642" y="822524"/>
-              <a:ext cx="3200398" cy="4427726"/>
-              <a:chOff x="2444003" y="880286"/>
-              <a:chExt cx="3200398" cy="4427726"/>
+              <a:off x="1795642" y="683552"/>
+              <a:ext cx="8080512" cy="4566698"/>
+              <a:chOff x="1795642" y="683552"/>
+              <a:chExt cx="8080512" cy="4566698"/>
             </a:xfrm>
           </p:grpSpPr>
           <p:grpSp>
             <p:nvGrpSpPr>
-              <p:cNvPr id="7" name="组合 6">
+              <p:cNvPr id="23" name="组合 22">
                 <a:extLst>
                   <a:ext uri="{FF2B5EF4-FFF2-40B4-BE49-F238E27FC236}">
-                    <a16:creationId xmlns:a16="http://schemas.microsoft.com/office/drawing/2014/main" id="{873B501A-7B91-48BD-AAC4-36352BF28BCE}"/>
+                    <a16:creationId xmlns:a16="http://schemas.microsoft.com/office/drawing/2014/main" id="{583463ED-749F-499B-A58D-C58043D262B0}"/>
                   </a:ext>
                 </a:extLst>
               </p:cNvPr>
@@ -3847,213 +3850,1932 @@
               <p:nvPr/>
             </p:nvGrpSpPr>
             <p:grpSpPr>
-              <a:xfrm rot="20779010" flipH="1">
-                <a:off x="3484237" y="1230665"/>
-                <a:ext cx="2160164" cy="4077347"/>
-                <a:chOff x="1306502" y="974633"/>
-                <a:chExt cx="2160164" cy="4077347"/>
+              <a:xfrm>
+                <a:off x="1795642" y="822524"/>
+                <a:ext cx="3200398" cy="4427726"/>
+                <a:chOff x="2444003" y="880286"/>
+                <a:chExt cx="3200398" cy="4427726"/>
               </a:xfrm>
-              <a:noFill/>
             </p:grpSpPr>
-            <p:sp>
-              <p:nvSpPr>
-                <p:cNvPr id="8" name="矩形 7">
+            <p:grpSp>
+              <p:nvGrpSpPr>
+                <p:cNvPr id="7" name="组合 6">
                   <a:extLst>
                     <a:ext uri="{FF2B5EF4-FFF2-40B4-BE49-F238E27FC236}">
-                      <a16:creationId xmlns:a16="http://schemas.microsoft.com/office/drawing/2014/main" id="{C933E72D-C5A4-4F99-BF90-8D966327CEE9}"/>
+                      <a16:creationId xmlns:a16="http://schemas.microsoft.com/office/drawing/2014/main" id="{873B501A-7B91-48BD-AAC4-36352BF28BCE}"/>
                     </a:ext>
                   </a:extLst>
                 </p:cNvPr>
-                <p:cNvSpPr/>
+                <p:cNvGrpSpPr/>
+                <p:nvPr/>
+              </p:nvGrpSpPr>
+              <p:grpSpPr>
+                <a:xfrm rot="20779010" flipH="1">
+                  <a:off x="3484237" y="1230665"/>
+                  <a:ext cx="2160164" cy="4077347"/>
+                  <a:chOff x="1306502" y="974633"/>
+                  <a:chExt cx="2160164" cy="4077347"/>
+                </a:xfrm>
+                <a:noFill/>
+              </p:grpSpPr>
+              <p:sp>
+                <p:nvSpPr>
+                  <p:cNvPr id="8" name="矩形 7">
+                    <a:extLst>
+                      <a:ext uri="{FF2B5EF4-FFF2-40B4-BE49-F238E27FC236}">
+                        <a16:creationId xmlns:a16="http://schemas.microsoft.com/office/drawing/2014/main" id="{C933E72D-C5A4-4F99-BF90-8D966327CEE9}"/>
+                      </a:ext>
+                    </a:extLst>
+                  </p:cNvPr>
+                  <p:cNvSpPr/>
+                  <p:nvPr/>
+                </p:nvSpPr>
+                <p:spPr>
+                  <a:xfrm rot="1984938">
+                    <a:off x="1306502" y="974633"/>
+                    <a:ext cx="2160164" cy="1309158"/>
+                  </a:xfrm>
+                  <a:prstGeom prst="rect">
+                    <a:avLst/>
+                  </a:prstGeom>
+                  <a:grpFill/>
+                  <a:ln>
+                    <a:solidFill>
+                      <a:schemeClr val="tx1"/>
+                    </a:solidFill>
+                  </a:ln>
+                </p:spPr>
+                <p:style>
+                  <a:lnRef idx="2">
+                    <a:schemeClr val="accent1">
+                      <a:shade val="50000"/>
+                    </a:schemeClr>
+                  </a:lnRef>
+                  <a:fillRef idx="1">
+                    <a:schemeClr val="accent1"/>
+                  </a:fillRef>
+                  <a:effectRef idx="0">
+                    <a:schemeClr val="accent1"/>
+                  </a:effectRef>
+                  <a:fontRef idx="minor">
+                    <a:schemeClr val="lt1"/>
+                  </a:fontRef>
+                </p:style>
+                <p:txBody>
+                  <a:bodyPr rtlCol="0" anchor="ctr"/>
+                  <a:lstStyle/>
+                  <a:p>
+                    <a:pPr algn="ctr"/>
+                    <a:endParaRPr lang="zh-CN" altLang="en-US"/>
+                  </a:p>
+                </p:txBody>
+              </p:sp>
+              <p:sp>
+                <p:nvSpPr>
+                  <p:cNvPr id="9" name="矩形 8">
+                    <a:extLst>
+                      <a:ext uri="{FF2B5EF4-FFF2-40B4-BE49-F238E27FC236}">
+                        <a16:creationId xmlns:a16="http://schemas.microsoft.com/office/drawing/2014/main" id="{C2D35A4E-DCAF-4112-89DF-7E40A65271DA}"/>
+                      </a:ext>
+                    </a:extLst>
+                  </p:cNvPr>
+                  <p:cNvSpPr/>
+                  <p:nvPr/>
+                </p:nvSpPr>
+                <p:spPr>
+                  <a:xfrm rot="1993353">
+                    <a:off x="2252800" y="2891198"/>
+                    <a:ext cx="1085224" cy="2160782"/>
+                  </a:xfrm>
+                  <a:prstGeom prst="rect">
+                    <a:avLst/>
+                  </a:prstGeom>
+                  <a:grpFill/>
+                  <a:ln>
+                    <a:solidFill>
+                      <a:schemeClr val="tx1"/>
+                    </a:solidFill>
+                  </a:ln>
+                </p:spPr>
+                <p:style>
+                  <a:lnRef idx="2">
+                    <a:schemeClr val="accent1">
+                      <a:shade val="50000"/>
+                    </a:schemeClr>
+                  </a:lnRef>
+                  <a:fillRef idx="1">
+                    <a:schemeClr val="accent1"/>
+                  </a:fillRef>
+                  <a:effectRef idx="0">
+                    <a:schemeClr val="accent1"/>
+                  </a:effectRef>
+                  <a:fontRef idx="minor">
+                    <a:schemeClr val="lt1"/>
+                  </a:fontRef>
+                </p:style>
+                <p:txBody>
+                  <a:bodyPr rtlCol="0" anchor="ctr"/>
+                  <a:lstStyle/>
+                  <a:p>
+                    <a:pPr algn="ctr"/>
+                    <a:endParaRPr lang="zh-CN" altLang="en-US"/>
+                  </a:p>
+                </p:txBody>
+              </p:sp>
+            </p:grpSp>
+            <p:sp>
+              <p:nvSpPr>
+                <p:cNvPr id="10" name="文本框 9">
+                  <a:extLst>
+                    <a:ext uri="{FF2B5EF4-FFF2-40B4-BE49-F238E27FC236}">
+                      <a16:creationId xmlns:a16="http://schemas.microsoft.com/office/drawing/2014/main" id="{4FDDDEBD-A5BC-439C-9659-70F8464B33E2}"/>
+                    </a:ext>
+                  </a:extLst>
+                </p:cNvPr>
+                <p:cNvSpPr txBox="1"/>
                 <p:nvPr/>
               </p:nvSpPr>
               <p:spPr>
-                <a:xfrm rot="1984938">
-                  <a:off x="1306502" y="974633"/>
-                  <a:ext cx="2160164" cy="1309158"/>
+                <a:xfrm>
+                  <a:off x="3753172" y="1449693"/>
+                  <a:ext cx="1322832" cy="369332"/>
                 </a:xfrm>
                 <a:prstGeom prst="rect">
                   <a:avLst/>
                 </a:prstGeom>
-                <a:grpFill/>
-                <a:ln>
-                  <a:solidFill>
-                    <a:schemeClr val="tx1"/>
-                  </a:solidFill>
-                </a:ln>
+                <a:noFill/>
               </p:spPr>
-              <p:style>
-                <a:lnRef idx="2">
-                  <a:schemeClr val="accent1">
-                    <a:shade val="50000"/>
-                  </a:schemeClr>
-                </a:lnRef>
-                <a:fillRef idx="1">
-                  <a:schemeClr val="accent1"/>
-                </a:fillRef>
-                <a:effectRef idx="0">
-                  <a:schemeClr val="accent1"/>
-                </a:effectRef>
-                <a:fontRef idx="minor">
-                  <a:schemeClr val="lt1"/>
-                </a:fontRef>
-              </p:style>
               <p:txBody>
-                <a:bodyPr rtlCol="0" anchor="ctr"/>
+                <a:bodyPr wrap="square" rtlCol="0">
+                  <a:spAutoFit/>
+                </a:bodyPr>
                 <a:lstStyle/>
                 <a:p>
                   <a:pPr algn="ctr"/>
-                  <a:endParaRPr lang="zh-CN" altLang="en-US"/>
+                  <a:r>
+                    <a:rPr lang="en-US" altLang="zh-CN" dirty="0">
+                      <a:latin typeface="Times New Roman" panose="02020603050405020304" pitchFamily="18" charset="0"/>
+                      <a:cs typeface="Times New Roman" panose="02020603050405020304" pitchFamily="18" charset="0"/>
+                    </a:rPr>
+                    <a:t>Row Space</a:t>
+                  </a:r>
+                  <a:endParaRPr lang="zh-CN" altLang="en-US" dirty="0">
+                    <a:latin typeface="Times New Roman" panose="02020603050405020304" pitchFamily="18" charset="0"/>
+                    <a:cs typeface="Times New Roman" panose="02020603050405020304" pitchFamily="18" charset="0"/>
+                  </a:endParaRPr>
                 </a:p>
               </p:txBody>
             </p:sp>
             <p:sp>
               <p:nvSpPr>
-                <p:cNvPr id="9" name="矩形 8">
+                <p:cNvPr id="12" name="文本框 11">
                   <a:extLst>
                     <a:ext uri="{FF2B5EF4-FFF2-40B4-BE49-F238E27FC236}">
-                      <a16:creationId xmlns:a16="http://schemas.microsoft.com/office/drawing/2014/main" id="{C2D35A4E-DCAF-4112-89DF-7E40A65271DA}"/>
+                      <a16:creationId xmlns:a16="http://schemas.microsoft.com/office/drawing/2014/main" id="{B2A4EF26-B113-41DC-B08B-1D7D0881078F}"/>
                     </a:ext>
                   </a:extLst>
                 </p:cNvPr>
-                <p:cNvSpPr/>
+                <p:cNvSpPr txBox="1"/>
                 <p:nvPr/>
               </p:nvSpPr>
               <p:spPr>
-                <a:xfrm rot="1993353">
-                  <a:off x="2252800" y="2891198"/>
-                  <a:ext cx="1085224" cy="2160782"/>
+                <a:xfrm>
+                  <a:off x="3339497" y="3725970"/>
+                  <a:ext cx="1322832" cy="369332"/>
                 </a:xfrm>
                 <a:prstGeom prst="rect">
                   <a:avLst/>
                 </a:prstGeom>
-                <a:grpFill/>
-                <a:ln>
-                  <a:solidFill>
-                    <a:schemeClr val="tx1"/>
-                  </a:solidFill>
-                </a:ln>
+                <a:noFill/>
               </p:spPr>
-              <p:style>
-                <a:lnRef idx="2">
-                  <a:schemeClr val="accent1">
-                    <a:shade val="50000"/>
-                  </a:schemeClr>
-                </a:lnRef>
-                <a:fillRef idx="1">
-                  <a:schemeClr val="accent1"/>
-                </a:fillRef>
-                <a:effectRef idx="0">
-                  <a:schemeClr val="accent1"/>
-                </a:effectRef>
-                <a:fontRef idx="minor">
-                  <a:schemeClr val="lt1"/>
-                </a:fontRef>
-              </p:style>
               <p:txBody>
-                <a:bodyPr rtlCol="0" anchor="ctr"/>
+                <a:bodyPr wrap="square" rtlCol="0">
+                  <a:spAutoFit/>
+                </a:bodyPr>
                 <a:lstStyle/>
                 <a:p>
                   <a:pPr algn="ctr"/>
-                  <a:endParaRPr lang="zh-CN" altLang="en-US"/>
+                  <a:r>
+                    <a:rPr lang="en-US" altLang="zh-CN" dirty="0" err="1">
+                      <a:latin typeface="Times New Roman" panose="02020603050405020304" pitchFamily="18" charset="0"/>
+                      <a:cs typeface="Times New Roman" panose="02020603050405020304" pitchFamily="18" charset="0"/>
+                    </a:rPr>
+                    <a:t>Nullspace</a:t>
+                  </a:r>
+                  <a:endParaRPr lang="zh-CN" altLang="en-US" dirty="0">
+                    <a:latin typeface="Times New Roman" panose="02020603050405020304" pitchFamily="18" charset="0"/>
+                    <a:cs typeface="Times New Roman" panose="02020603050405020304" pitchFamily="18" charset="0"/>
+                  </a:endParaRPr>
                 </a:p>
               </p:txBody>
             </p:sp>
+            <mc:AlternateContent xmlns:mc="http://schemas.openxmlformats.org/markup-compatibility/2006" xmlns:a14="http://schemas.microsoft.com/office/drawing/2010/main">
+              <mc:Choice Requires="a14">
+                <p:sp>
+                  <p:nvSpPr>
+                    <p:cNvPr id="14" name="文本框 13">
+                      <a:extLst>
+                        <a:ext uri="{FF2B5EF4-FFF2-40B4-BE49-F238E27FC236}">
+                          <a16:creationId xmlns:a16="http://schemas.microsoft.com/office/drawing/2014/main" id="{0EF7E863-6159-4258-93E5-EAE4AB749F85}"/>
+                        </a:ext>
+                      </a:extLst>
+                    </p:cNvPr>
+                    <p:cNvSpPr txBox="1"/>
+                    <p:nvPr/>
+                  </p:nvSpPr>
+                  <p:spPr>
+                    <a:xfrm>
+                      <a:off x="3136076" y="1865802"/>
+                      <a:ext cx="1322832" cy="369332"/>
+                    </a:xfrm>
+                    <a:prstGeom prst="rect">
+                      <a:avLst/>
+                    </a:prstGeom>
+                    <a:noFill/>
+                  </p:spPr>
+                  <p:txBody>
+                    <a:bodyPr wrap="square" rtlCol="0">
+                      <a:spAutoFit/>
+                    </a:bodyPr>
+                    <a:lstStyle/>
+                    <a:p>
+                      <a:pPr/>
+                      <a14:m>
+                        <m:oMathPara xmlns:m="http://schemas.openxmlformats.org/officeDocument/2006/math">
+                          <m:oMathParaPr>
+                            <m:jc m:val="centerGroup"/>
+                          </m:oMathParaPr>
+                          <m:oMath xmlns:m="http://schemas.openxmlformats.org/officeDocument/2006/math">
+                            <m:sSup>
+                              <m:sSupPr>
+                                <m:ctrlPr>
+                                  <a:rPr lang="en-US" altLang="zh-CN" i="1" smtClean="0">
+                                    <a:latin typeface="Cambria Math" panose="02040503050406030204" pitchFamily="18" charset="0"/>
+                                    <a:cs typeface="Times New Roman" panose="02020603050405020304" pitchFamily="18" charset="0"/>
+                                  </a:rPr>
+                                </m:ctrlPr>
+                              </m:sSupPr>
+                              <m:e>
+                                <m:r>
+                                  <a:rPr lang="en-US" altLang="zh-CN" b="1" i="1" smtClean="0">
+                                    <a:latin typeface="Cambria Math" panose="02040503050406030204" pitchFamily="18" charset="0"/>
+                                    <a:cs typeface="Times New Roman" panose="02020603050405020304" pitchFamily="18" charset="0"/>
+                                  </a:rPr>
+                                  <m:t>𝑨</m:t>
+                                </m:r>
+                              </m:e>
+                              <m:sup>
+                                <m:r>
+                                  <a:rPr lang="en-US" altLang="zh-CN" b="0" i="1" smtClean="0">
+                                    <a:latin typeface="Cambria Math" panose="02040503050406030204" pitchFamily="18" charset="0"/>
+                                    <a:cs typeface="Times New Roman" panose="02020603050405020304" pitchFamily="18" charset="0"/>
+                                  </a:rPr>
+                                  <m:t>𝑇</m:t>
+                                </m:r>
+                              </m:sup>
+                            </m:sSup>
+                            <m:r>
+                              <a:rPr lang="en-US" altLang="zh-CN" b="1" i="1" smtClean="0">
+                                <a:latin typeface="Cambria Math" panose="02040503050406030204" pitchFamily="18" charset="0"/>
+                                <a:cs typeface="Times New Roman" panose="02020603050405020304" pitchFamily="18" charset="0"/>
+                              </a:rPr>
+                              <m:t>𝒚</m:t>
+                            </m:r>
+                          </m:oMath>
+                        </m:oMathPara>
+                      </a14:m>
+                      <a:endParaRPr lang="zh-CN" altLang="en-US" dirty="0">
+                        <a:latin typeface="Times New Roman" panose="02020603050405020304" pitchFamily="18" charset="0"/>
+                        <a:cs typeface="Times New Roman" panose="02020603050405020304" pitchFamily="18" charset="0"/>
+                      </a:endParaRPr>
+                    </a:p>
+                  </p:txBody>
+                </p:sp>
+              </mc:Choice>
+              <mc:Fallback xmlns="">
+                <p:sp>
+                  <p:nvSpPr>
+                    <p:cNvPr id="14" name="文本框 13">
+                      <a:extLst>
+                        <a:ext uri="{FF2B5EF4-FFF2-40B4-BE49-F238E27FC236}">
+                          <a16:creationId xmlns:a16="http://schemas.microsoft.com/office/drawing/2014/main" id="{0EF7E863-6159-4258-93E5-EAE4AB749F85}"/>
+                        </a:ext>
+                      </a:extLst>
+                    </p:cNvPr>
+                    <p:cNvSpPr txBox="1">
+                      <a:spLocks noRot="1" noChangeAspect="1" noMove="1" noResize="1" noEditPoints="1" noAdjustHandles="1" noChangeArrowheads="1" noChangeShapeType="1" noTextEdit="1"/>
+                    </p:cNvSpPr>
+                    <p:nvPr/>
+                  </p:nvSpPr>
+                  <p:spPr>
+                    <a:xfrm>
+                      <a:off x="3136076" y="1865802"/>
+                      <a:ext cx="1322832" cy="369332"/>
+                    </a:xfrm>
+                    <a:prstGeom prst="rect">
+                      <a:avLst/>
+                    </a:prstGeom>
+                    <a:blipFill>
+                      <a:blip r:embed="rId2"/>
+                      <a:stretch>
+                        <a:fillRect b="-8333"/>
+                      </a:stretch>
+                    </a:blipFill>
+                  </p:spPr>
+                  <p:txBody>
+                    <a:bodyPr/>
+                    <a:lstStyle/>
+                    <a:p>
+                      <a:r>
+                        <a:rPr lang="zh-CN" altLang="en-US">
+                          <a:noFill/>
+                        </a:rPr>
+                        <a:t> </a:t>
+                      </a:r>
+                    </a:p>
+                  </p:txBody>
+                </p:sp>
+              </mc:Fallback>
+            </mc:AlternateContent>
+            <mc:AlternateContent xmlns:mc="http://schemas.openxmlformats.org/markup-compatibility/2006" xmlns:a14="http://schemas.microsoft.com/office/drawing/2010/main">
+              <mc:Choice Requires="a14">
+                <p:sp>
+                  <p:nvSpPr>
+                    <p:cNvPr id="15" name="文本框 14">
+                      <a:extLst>
+                        <a:ext uri="{FF2B5EF4-FFF2-40B4-BE49-F238E27FC236}">
+                          <a16:creationId xmlns:a16="http://schemas.microsoft.com/office/drawing/2014/main" id="{BC7B9BC3-10EF-4F6E-BCC1-B54A2781B5CC}"/>
+                        </a:ext>
+                      </a:extLst>
+                    </p:cNvPr>
+                    <p:cNvSpPr txBox="1"/>
+                    <p:nvPr/>
+                  </p:nvSpPr>
+                  <p:spPr>
+                    <a:xfrm>
+                      <a:off x="3960420" y="4525149"/>
+                      <a:ext cx="1322832" cy="369332"/>
+                    </a:xfrm>
+                    <a:prstGeom prst="rect">
+                      <a:avLst/>
+                    </a:prstGeom>
+                    <a:noFill/>
+                  </p:spPr>
+                  <p:txBody>
+                    <a:bodyPr wrap="square" rtlCol="0">
+                      <a:spAutoFit/>
+                    </a:bodyPr>
+                    <a:lstStyle/>
+                    <a:p>
+                      <a:pPr/>
+                      <a14:m>
+                        <m:oMathPara xmlns:m="http://schemas.openxmlformats.org/officeDocument/2006/math">
+                          <m:oMathParaPr>
+                            <m:jc m:val="centerGroup"/>
+                          </m:oMathParaPr>
+                          <m:oMath xmlns:m="http://schemas.openxmlformats.org/officeDocument/2006/math">
+                            <m:r>
+                              <a:rPr lang="en-US" altLang="zh-CN" b="1" i="1" smtClean="0">
+                                <a:latin typeface="Cambria Math" panose="02040503050406030204" pitchFamily="18" charset="0"/>
+                                <a:cs typeface="Times New Roman" panose="02020603050405020304" pitchFamily="18" charset="0"/>
+                              </a:rPr>
+                              <m:t>𝑨𝒙</m:t>
+                            </m:r>
+                            <m:r>
+                              <a:rPr lang="en-US" altLang="zh-CN" b="0" i="1" smtClean="0">
+                                <a:latin typeface="Cambria Math" panose="02040503050406030204" pitchFamily="18" charset="0"/>
+                                <a:cs typeface="Times New Roman" panose="02020603050405020304" pitchFamily="18" charset="0"/>
+                              </a:rPr>
+                              <m:t>=</m:t>
+                            </m:r>
+                            <m:r>
+                              <a:rPr lang="en-US" altLang="zh-CN" b="1" i="1" smtClean="0">
+                                <a:latin typeface="Cambria Math" panose="02040503050406030204" pitchFamily="18" charset="0"/>
+                                <a:cs typeface="Times New Roman" panose="02020603050405020304" pitchFamily="18" charset="0"/>
+                              </a:rPr>
+                              <m:t>𝟎</m:t>
+                            </m:r>
+                          </m:oMath>
+                        </m:oMathPara>
+                      </a14:m>
+                      <a:endParaRPr lang="zh-CN" altLang="en-US" b="1" dirty="0">
+                        <a:latin typeface="Times New Roman" panose="02020603050405020304" pitchFamily="18" charset="0"/>
+                        <a:cs typeface="Times New Roman" panose="02020603050405020304" pitchFamily="18" charset="0"/>
+                      </a:endParaRPr>
+                    </a:p>
+                  </p:txBody>
+                </p:sp>
+              </mc:Choice>
+              <mc:Fallback xmlns="">
+                <p:sp>
+                  <p:nvSpPr>
+                    <p:cNvPr id="15" name="文本框 14">
+                      <a:extLst>
+                        <a:ext uri="{FF2B5EF4-FFF2-40B4-BE49-F238E27FC236}">
+                          <a16:creationId xmlns:a16="http://schemas.microsoft.com/office/drawing/2014/main" id="{BC7B9BC3-10EF-4F6E-BCC1-B54A2781B5CC}"/>
+                        </a:ext>
+                      </a:extLst>
+                    </p:cNvPr>
+                    <p:cNvSpPr txBox="1">
+                      <a:spLocks noRot="1" noChangeAspect="1" noMove="1" noResize="1" noEditPoints="1" noAdjustHandles="1" noChangeArrowheads="1" noChangeShapeType="1" noTextEdit="1"/>
+                    </p:cNvSpPr>
+                    <p:nvPr/>
+                  </p:nvSpPr>
+                  <p:spPr>
+                    <a:xfrm>
+                      <a:off x="3960420" y="4525149"/>
+                      <a:ext cx="1322832" cy="369332"/>
+                    </a:xfrm>
+                    <a:prstGeom prst="rect">
+                      <a:avLst/>
+                    </a:prstGeom>
+                    <a:blipFill>
+                      <a:blip r:embed="rId3"/>
+                      <a:stretch>
+                        <a:fillRect/>
+                      </a:stretch>
+                    </a:blipFill>
+                  </p:spPr>
+                  <p:txBody>
+                    <a:bodyPr/>
+                    <a:lstStyle/>
+                    <a:p>
+                      <a:r>
+                        <a:rPr lang="zh-CN" altLang="en-US">
+                          <a:noFill/>
+                        </a:rPr>
+                        <a:t> </a:t>
+                      </a:r>
+                    </a:p>
+                  </p:txBody>
+                </p:sp>
+              </mc:Fallback>
+            </mc:AlternateContent>
+            <mc:AlternateContent xmlns:mc="http://schemas.openxmlformats.org/markup-compatibility/2006" xmlns:a14="http://schemas.microsoft.com/office/drawing/2010/main">
+              <mc:Choice Requires="a14">
+                <p:sp>
+                  <p:nvSpPr>
+                    <p:cNvPr id="18" name="文本框 17">
+                      <a:extLst>
+                        <a:ext uri="{FF2B5EF4-FFF2-40B4-BE49-F238E27FC236}">
+                          <a16:creationId xmlns:a16="http://schemas.microsoft.com/office/drawing/2014/main" id="{40DA6490-3C4C-44D1-9495-66323E8BE152}"/>
+                        </a:ext>
+                      </a:extLst>
+                    </p:cNvPr>
+                    <p:cNvSpPr txBox="1"/>
+                    <p:nvPr/>
+                  </p:nvSpPr>
+                  <p:spPr>
+                    <a:xfrm>
+                      <a:off x="2519918" y="880286"/>
+                      <a:ext cx="1322832" cy="646331"/>
+                    </a:xfrm>
+                    <a:prstGeom prst="rect">
+                      <a:avLst/>
+                    </a:prstGeom>
+                    <a:noFill/>
+                  </p:spPr>
+                  <p:txBody>
+                    <a:bodyPr wrap="square" rtlCol="0">
+                      <a:spAutoFit/>
+                    </a:bodyPr>
+                    <a:lstStyle/>
+                    <a:p>
+                      <a:pPr/>
+                      <a14:m>
+                        <m:oMathPara xmlns:m="http://schemas.openxmlformats.org/officeDocument/2006/math">
+                          <m:oMathParaPr>
+                            <m:jc m:val="centerGroup"/>
+                          </m:oMathParaPr>
+                          <m:oMath xmlns:m="http://schemas.openxmlformats.org/officeDocument/2006/math">
+                            <m:r>
+                              <a:rPr lang="en-US" altLang="zh-CN" b="1" i="1" smtClean="0">
+                                <a:latin typeface="Cambria Math" panose="02040503050406030204" pitchFamily="18" charset="0"/>
+                                <a:cs typeface="Times New Roman" panose="02020603050405020304" pitchFamily="18" charset="0"/>
+                              </a:rPr>
+                              <m:t>𝑪</m:t>
+                            </m:r>
+                            <m:d>
+                              <m:dPr>
+                                <m:ctrlPr>
+                                  <a:rPr lang="en-US" altLang="zh-CN" b="0" i="1" smtClean="0">
+                                    <a:latin typeface="Cambria Math" panose="02040503050406030204" pitchFamily="18" charset="0"/>
+                                    <a:cs typeface="Times New Roman" panose="02020603050405020304" pitchFamily="18" charset="0"/>
+                                  </a:rPr>
+                                </m:ctrlPr>
+                              </m:dPr>
+                              <m:e>
+                                <m:sSup>
+                                  <m:sSupPr>
+                                    <m:ctrlPr>
+                                      <a:rPr lang="en-US" altLang="zh-CN" i="1" smtClean="0">
+                                        <a:latin typeface="Cambria Math" panose="02040503050406030204" pitchFamily="18" charset="0"/>
+                                        <a:cs typeface="Times New Roman" panose="02020603050405020304" pitchFamily="18" charset="0"/>
+                                      </a:rPr>
+                                    </m:ctrlPr>
+                                  </m:sSupPr>
+                                  <m:e>
+                                    <m:r>
+                                      <a:rPr lang="en-US" altLang="zh-CN" b="1" i="1" smtClean="0">
+                                        <a:latin typeface="Cambria Math" panose="02040503050406030204" pitchFamily="18" charset="0"/>
+                                        <a:cs typeface="Times New Roman" panose="02020603050405020304" pitchFamily="18" charset="0"/>
+                                      </a:rPr>
+                                      <m:t>𝑨</m:t>
+                                    </m:r>
+                                  </m:e>
+                                  <m:sup>
+                                    <m:r>
+                                      <a:rPr lang="en-US" altLang="zh-CN" b="0" i="1" smtClean="0">
+                                        <a:latin typeface="Cambria Math" panose="02040503050406030204" pitchFamily="18" charset="0"/>
+                                        <a:cs typeface="Times New Roman" panose="02020603050405020304" pitchFamily="18" charset="0"/>
+                                      </a:rPr>
+                                      <m:t>𝑇</m:t>
+                                    </m:r>
+                                  </m:sup>
+                                </m:sSup>
+                              </m:e>
+                            </m:d>
+                          </m:oMath>
+                        </m:oMathPara>
+                      </a14:m>
+                      <a:endParaRPr lang="en-US" altLang="zh-CN" b="0" dirty="0">
+                        <a:latin typeface="Times New Roman" panose="02020603050405020304" pitchFamily="18" charset="0"/>
+                        <a:cs typeface="Times New Roman" panose="02020603050405020304" pitchFamily="18" charset="0"/>
+                      </a:endParaRPr>
+                    </a:p>
+                    <a:p>
+                      <a:pPr/>
+                      <a14:m>
+                        <m:oMathPara xmlns:m="http://schemas.openxmlformats.org/officeDocument/2006/math">
+                          <m:oMathParaPr>
+                            <m:jc m:val="centerGroup"/>
+                          </m:oMathParaPr>
+                          <m:oMath xmlns:m="http://schemas.openxmlformats.org/officeDocument/2006/math">
+                            <m:r>
+                              <a:rPr lang="en-US" altLang="zh-CN" b="0" i="1" smtClean="0">
+                                <a:latin typeface="Cambria Math" panose="02040503050406030204" pitchFamily="18" charset="0"/>
+                                <a:cs typeface="Times New Roman" panose="02020603050405020304" pitchFamily="18" charset="0"/>
+                              </a:rPr>
+                              <m:t>𝑑𝑖𝑚</m:t>
+                            </m:r>
+                            <m:r>
+                              <a:rPr lang="en-US" altLang="zh-CN" i="1" dirty="0" smtClean="0">
+                                <a:latin typeface="Cambria Math" panose="02040503050406030204" pitchFamily="18" charset="0"/>
+                                <a:cs typeface="Times New Roman" panose="02020603050405020304" pitchFamily="18" charset="0"/>
+                              </a:rPr>
+                              <m:t>=</m:t>
+                            </m:r>
+                            <m:r>
+                              <a:rPr lang="en-US" altLang="zh-CN" i="1" dirty="0" smtClean="0">
+                                <a:latin typeface="Cambria Math" panose="02040503050406030204" pitchFamily="18" charset="0"/>
+                                <a:cs typeface="Times New Roman" panose="02020603050405020304" pitchFamily="18" charset="0"/>
+                              </a:rPr>
+                              <m:t>𝑟</m:t>
+                            </m:r>
+                          </m:oMath>
+                        </m:oMathPara>
+                      </a14:m>
+                      <a:endParaRPr lang="zh-CN" altLang="en-US" dirty="0">
+                        <a:latin typeface="Times New Roman" panose="02020603050405020304" pitchFamily="18" charset="0"/>
+                        <a:cs typeface="Times New Roman" panose="02020603050405020304" pitchFamily="18" charset="0"/>
+                      </a:endParaRPr>
+                    </a:p>
+                  </p:txBody>
+                </p:sp>
+              </mc:Choice>
+              <mc:Fallback xmlns="">
+                <p:sp>
+                  <p:nvSpPr>
+                    <p:cNvPr id="18" name="文本框 17">
+                      <a:extLst>
+                        <a:ext uri="{FF2B5EF4-FFF2-40B4-BE49-F238E27FC236}">
+                          <a16:creationId xmlns:a16="http://schemas.microsoft.com/office/drawing/2014/main" id="{40DA6490-3C4C-44D1-9495-66323E8BE152}"/>
+                        </a:ext>
+                      </a:extLst>
+                    </p:cNvPr>
+                    <p:cNvSpPr txBox="1">
+                      <a:spLocks noRot="1" noChangeAspect="1" noMove="1" noResize="1" noEditPoints="1" noAdjustHandles="1" noChangeArrowheads="1" noChangeShapeType="1" noTextEdit="1"/>
+                    </p:cNvSpPr>
+                    <p:nvPr/>
+                  </p:nvSpPr>
+                  <p:spPr>
+                    <a:xfrm>
+                      <a:off x="2519918" y="880286"/>
+                      <a:ext cx="1322832" cy="646331"/>
+                    </a:xfrm>
+                    <a:prstGeom prst="rect">
+                      <a:avLst/>
+                    </a:prstGeom>
+                    <a:blipFill>
+                      <a:blip r:embed="rId4"/>
+                      <a:stretch>
+                        <a:fillRect/>
+                      </a:stretch>
+                    </a:blipFill>
+                  </p:spPr>
+                  <p:txBody>
+                    <a:bodyPr/>
+                    <a:lstStyle/>
+                    <a:p>
+                      <a:r>
+                        <a:rPr lang="zh-CN" altLang="en-US">
+                          <a:noFill/>
+                        </a:rPr>
+                        <a:t> </a:t>
+                      </a:r>
+                    </a:p>
+                  </p:txBody>
+                </p:sp>
+              </mc:Fallback>
+            </mc:AlternateContent>
+            <mc:AlternateContent xmlns:mc="http://schemas.openxmlformats.org/markup-compatibility/2006" xmlns:a14="http://schemas.microsoft.com/office/drawing/2010/main">
+              <mc:Choice Requires="a14">
+                <p:sp>
+                  <p:nvSpPr>
+                    <p:cNvPr id="19" name="文本框 18">
+                      <a:extLst>
+                        <a:ext uri="{FF2B5EF4-FFF2-40B4-BE49-F238E27FC236}">
+                          <a16:creationId xmlns:a16="http://schemas.microsoft.com/office/drawing/2014/main" id="{C9BC2472-DC93-4B9E-B3EF-486C56D312DA}"/>
+                        </a:ext>
+                      </a:extLst>
+                    </p:cNvPr>
+                    <p:cNvSpPr txBox="1"/>
+                    <p:nvPr/>
+                  </p:nvSpPr>
+                  <p:spPr>
+                    <a:xfrm>
+                      <a:off x="2444003" y="4365281"/>
+                      <a:ext cx="1474661" cy="646331"/>
+                    </a:xfrm>
+                    <a:prstGeom prst="rect">
+                      <a:avLst/>
+                    </a:prstGeom>
+                    <a:noFill/>
+                  </p:spPr>
+                  <p:txBody>
+                    <a:bodyPr wrap="square" rtlCol="0">
+                      <a:spAutoFit/>
+                    </a:bodyPr>
+                    <a:lstStyle/>
+                    <a:p>
+                      <a:pPr/>
+                      <a14:m>
+                        <m:oMathPara xmlns:m="http://schemas.openxmlformats.org/officeDocument/2006/math">
+                          <m:oMathParaPr>
+                            <m:jc m:val="centerGroup"/>
+                          </m:oMathParaPr>
+                          <m:oMath xmlns:m="http://schemas.openxmlformats.org/officeDocument/2006/math">
+                            <m:r>
+                              <a:rPr lang="en-US" altLang="zh-CN" b="1" i="1" smtClean="0">
+                                <a:latin typeface="Cambria Math" panose="02040503050406030204" pitchFamily="18" charset="0"/>
+                                <a:cs typeface="Times New Roman" panose="02020603050405020304" pitchFamily="18" charset="0"/>
+                              </a:rPr>
+                              <m:t>𝑵</m:t>
+                            </m:r>
+                            <m:d>
+                              <m:dPr>
+                                <m:ctrlPr>
+                                  <a:rPr lang="en-US" altLang="zh-CN" b="0" i="1" smtClean="0">
+                                    <a:latin typeface="Cambria Math" panose="02040503050406030204" pitchFamily="18" charset="0"/>
+                                    <a:cs typeface="Times New Roman" panose="02020603050405020304" pitchFamily="18" charset="0"/>
+                                  </a:rPr>
+                                </m:ctrlPr>
+                              </m:dPr>
+                              <m:e>
+                                <m:r>
+                                  <a:rPr lang="en-US" altLang="zh-CN" b="1" i="1" smtClean="0">
+                                    <a:latin typeface="Cambria Math" panose="02040503050406030204" pitchFamily="18" charset="0"/>
+                                    <a:cs typeface="Times New Roman" panose="02020603050405020304" pitchFamily="18" charset="0"/>
+                                  </a:rPr>
+                                  <m:t>𝑨</m:t>
+                                </m:r>
+                              </m:e>
+                            </m:d>
+                          </m:oMath>
+                        </m:oMathPara>
+                      </a14:m>
+                      <a:endParaRPr lang="en-US" altLang="zh-CN" b="0" dirty="0">
+                        <a:latin typeface="Times New Roman" panose="02020603050405020304" pitchFamily="18" charset="0"/>
+                        <a:cs typeface="Times New Roman" panose="02020603050405020304" pitchFamily="18" charset="0"/>
+                      </a:endParaRPr>
+                    </a:p>
+                    <a:p>
+                      <a:pPr/>
+                      <a14:m>
+                        <m:oMathPara xmlns:m="http://schemas.openxmlformats.org/officeDocument/2006/math">
+                          <m:oMathParaPr>
+                            <m:jc m:val="centerGroup"/>
+                          </m:oMathParaPr>
+                          <m:oMath xmlns:m="http://schemas.openxmlformats.org/officeDocument/2006/math">
+                            <m:r>
+                              <a:rPr lang="en-US" altLang="zh-CN" b="0" i="1" smtClean="0">
+                                <a:latin typeface="Cambria Math" panose="02040503050406030204" pitchFamily="18" charset="0"/>
+                                <a:cs typeface="Times New Roman" panose="02020603050405020304" pitchFamily="18" charset="0"/>
+                              </a:rPr>
+                              <m:t>𝑑𝑖𝑚</m:t>
+                            </m:r>
+                            <m:r>
+                              <a:rPr lang="en-US" altLang="zh-CN" i="1" dirty="0" smtClean="0">
+                                <a:latin typeface="Cambria Math" panose="02040503050406030204" pitchFamily="18" charset="0"/>
+                                <a:cs typeface="Times New Roman" panose="02020603050405020304" pitchFamily="18" charset="0"/>
+                              </a:rPr>
+                              <m:t>=</m:t>
+                            </m:r>
+                            <m:r>
+                              <a:rPr lang="en-US" altLang="zh-CN" b="0" i="1" dirty="0" smtClean="0">
+                                <a:latin typeface="Cambria Math" panose="02040503050406030204" pitchFamily="18" charset="0"/>
+                                <a:cs typeface="Times New Roman" panose="02020603050405020304" pitchFamily="18" charset="0"/>
+                              </a:rPr>
+                              <m:t>𝑛</m:t>
+                            </m:r>
+                            <m:r>
+                              <a:rPr lang="en-US" altLang="zh-CN" b="0" i="1" dirty="0" smtClean="0">
+                                <a:latin typeface="Cambria Math" panose="02040503050406030204" pitchFamily="18" charset="0"/>
+                                <a:cs typeface="Times New Roman" panose="02020603050405020304" pitchFamily="18" charset="0"/>
+                              </a:rPr>
+                              <m:t>−</m:t>
+                            </m:r>
+                            <m:r>
+                              <a:rPr lang="en-US" altLang="zh-CN" i="1" dirty="0" smtClean="0">
+                                <a:latin typeface="Cambria Math" panose="02040503050406030204" pitchFamily="18" charset="0"/>
+                                <a:cs typeface="Times New Roman" panose="02020603050405020304" pitchFamily="18" charset="0"/>
+                              </a:rPr>
+                              <m:t>𝑟</m:t>
+                            </m:r>
+                          </m:oMath>
+                        </m:oMathPara>
+                      </a14:m>
+                      <a:endParaRPr lang="zh-CN" altLang="en-US" dirty="0">
+                        <a:latin typeface="Times New Roman" panose="02020603050405020304" pitchFamily="18" charset="0"/>
+                        <a:cs typeface="Times New Roman" panose="02020603050405020304" pitchFamily="18" charset="0"/>
+                      </a:endParaRPr>
+                    </a:p>
+                  </p:txBody>
+                </p:sp>
+              </mc:Choice>
+              <mc:Fallback xmlns="">
+                <p:sp>
+                  <p:nvSpPr>
+                    <p:cNvPr id="19" name="文本框 18">
+                      <a:extLst>
+                        <a:ext uri="{FF2B5EF4-FFF2-40B4-BE49-F238E27FC236}">
+                          <a16:creationId xmlns:a16="http://schemas.microsoft.com/office/drawing/2014/main" id="{C9BC2472-DC93-4B9E-B3EF-486C56D312DA}"/>
+                        </a:ext>
+                      </a:extLst>
+                    </p:cNvPr>
+                    <p:cNvSpPr txBox="1">
+                      <a:spLocks noRot="1" noChangeAspect="1" noMove="1" noResize="1" noEditPoints="1" noAdjustHandles="1" noChangeArrowheads="1" noChangeShapeType="1" noTextEdit="1"/>
+                    </p:cNvSpPr>
+                    <p:nvPr/>
+                  </p:nvSpPr>
+                  <p:spPr>
+                    <a:xfrm>
+                      <a:off x="2444003" y="4365281"/>
+                      <a:ext cx="1474661" cy="646331"/>
+                    </a:xfrm>
+                    <a:prstGeom prst="rect">
+                      <a:avLst/>
+                    </a:prstGeom>
+                    <a:blipFill>
+                      <a:blip r:embed="rId5"/>
+                      <a:stretch>
+                        <a:fillRect/>
+                      </a:stretch>
+                    </a:blipFill>
+                  </p:spPr>
+                  <p:txBody>
+                    <a:bodyPr/>
+                    <a:lstStyle/>
+                    <a:p>
+                      <a:r>
+                        <a:rPr lang="zh-CN" altLang="en-US">
+                          <a:noFill/>
+                        </a:rPr>
+                        <a:t> </a:t>
+                      </a:r>
+                    </a:p>
+                  </p:txBody>
+                </p:sp>
+              </mc:Fallback>
+            </mc:AlternateContent>
+            <mc:AlternateContent xmlns:mc="http://schemas.openxmlformats.org/markup-compatibility/2006" xmlns:a14="http://schemas.microsoft.com/office/drawing/2010/main">
+              <mc:Choice Requires="a14">
+                <p:sp>
+                  <p:nvSpPr>
+                    <p:cNvPr id="21" name="文本框 20">
+                      <a:extLst>
+                        <a:ext uri="{FF2B5EF4-FFF2-40B4-BE49-F238E27FC236}">
+                          <a16:creationId xmlns:a16="http://schemas.microsoft.com/office/drawing/2014/main" id="{142DE628-1538-49AA-8334-5E28419B8944}"/>
+                        </a:ext>
+                      </a:extLst>
+                    </p:cNvPr>
+                    <p:cNvSpPr txBox="1"/>
+                    <p:nvPr/>
+                  </p:nvSpPr>
+                  <p:spPr>
+                    <a:xfrm>
+                      <a:off x="2861293" y="2975882"/>
+                      <a:ext cx="640080" cy="369332"/>
+                    </a:xfrm>
+                    <a:prstGeom prst="rect">
+                      <a:avLst/>
+                    </a:prstGeom>
+                    <a:noFill/>
+                  </p:spPr>
+                  <p:txBody>
+                    <a:bodyPr wrap="square">
+                      <a:spAutoFit/>
+                    </a:bodyPr>
+                    <a:lstStyle/>
+                    <a:p>
+                      <a:pPr/>
+                      <a14:m>
+                        <m:oMathPara xmlns:m="http://schemas.openxmlformats.org/officeDocument/2006/math">
+                          <m:oMathParaPr>
+                            <m:jc m:val="centerGroup"/>
+                          </m:oMathParaPr>
+                          <m:oMath xmlns:m="http://schemas.openxmlformats.org/officeDocument/2006/math">
+                            <m:sSup>
+                              <m:sSupPr>
+                                <m:ctrlPr>
+                                  <a:rPr lang="en-US" altLang="zh-CN" i="1" smtClean="0">
+                                    <a:latin typeface="Cambria Math" panose="02040503050406030204" pitchFamily="18" charset="0"/>
+                                  </a:rPr>
+                                </m:ctrlPr>
+                              </m:sSupPr>
+                              <m:e>
+                                <m:r>
+                                  <a:rPr lang="en-US" altLang="zh-CN" i="1" smtClean="0">
+                                    <a:latin typeface="Cambria Math" panose="02040503050406030204" pitchFamily="18" charset="0"/>
+                                    <a:ea typeface="Cambria Math" panose="02040503050406030204" pitchFamily="18" charset="0"/>
+                                  </a:rPr>
+                                  <m:t>ℝ</m:t>
+                                </m:r>
+                              </m:e>
+                              <m:sup>
+                                <m:r>
+                                  <a:rPr lang="en-US" altLang="zh-CN" b="0" i="1" smtClean="0">
+                                    <a:latin typeface="Cambria Math" panose="02040503050406030204" pitchFamily="18" charset="0"/>
+                                  </a:rPr>
+                                  <m:t>𝑛</m:t>
+                                </m:r>
+                              </m:sup>
+                            </m:sSup>
+                          </m:oMath>
+                        </m:oMathPara>
+                      </a14:m>
+                      <a:endParaRPr lang="zh-CN" altLang="en-US" dirty="0"/>
+                    </a:p>
+                  </p:txBody>
+                </p:sp>
+              </mc:Choice>
+              <mc:Fallback xmlns="">
+                <p:sp>
+                  <p:nvSpPr>
+                    <p:cNvPr id="21" name="文本框 20">
+                      <a:extLst>
+                        <a:ext uri="{FF2B5EF4-FFF2-40B4-BE49-F238E27FC236}">
+                          <a16:creationId xmlns:a16="http://schemas.microsoft.com/office/drawing/2014/main" id="{142DE628-1538-49AA-8334-5E28419B8944}"/>
+                        </a:ext>
+                      </a:extLst>
+                    </p:cNvPr>
+                    <p:cNvSpPr txBox="1">
+                      <a:spLocks noRot="1" noChangeAspect="1" noMove="1" noResize="1" noEditPoints="1" noAdjustHandles="1" noChangeArrowheads="1" noChangeShapeType="1" noTextEdit="1"/>
+                    </p:cNvSpPr>
+                    <p:nvPr/>
+                  </p:nvSpPr>
+                  <p:spPr>
+                    <a:xfrm>
+                      <a:off x="2861293" y="2975882"/>
+                      <a:ext cx="640080" cy="369332"/>
+                    </a:xfrm>
+                    <a:prstGeom prst="rect">
+                      <a:avLst/>
+                    </a:prstGeom>
+                    <a:blipFill>
+                      <a:blip r:embed="rId6"/>
+                      <a:stretch>
+                        <a:fillRect/>
+                      </a:stretch>
+                    </a:blipFill>
+                  </p:spPr>
+                  <p:txBody>
+                    <a:bodyPr/>
+                    <a:lstStyle/>
+                    <a:p>
+                      <a:r>
+                        <a:rPr lang="zh-CN" altLang="en-US">
+                          <a:noFill/>
+                        </a:rPr>
+                        <a:t> </a:t>
+                      </a:r>
+                    </a:p>
+                  </p:txBody>
+                </p:sp>
+              </mc:Fallback>
+            </mc:AlternateContent>
           </p:grpSp>
-          <p:sp>
-            <p:nvSpPr>
-              <p:cNvPr id="10" name="文本框 9">
+          <p:grpSp>
+            <p:nvGrpSpPr>
+              <p:cNvPr id="26" name="组合 25">
                 <a:extLst>
                   <a:ext uri="{FF2B5EF4-FFF2-40B4-BE49-F238E27FC236}">
-                    <a16:creationId xmlns:a16="http://schemas.microsoft.com/office/drawing/2014/main" id="{4FDDDEBD-A5BC-439C-9659-70F8464B33E2}"/>
+                    <a16:creationId xmlns:a16="http://schemas.microsoft.com/office/drawing/2014/main" id="{8891BA5F-D91D-444B-80F0-1CDAE2E65C53}"/>
                   </a:ext>
                 </a:extLst>
               </p:cNvPr>
-              <p:cNvSpPr txBox="1"/>
+              <p:cNvGrpSpPr/>
               <p:nvPr/>
-            </p:nvSpPr>
-            <p:spPr>
+            </p:nvGrpSpPr>
+            <p:grpSpPr>
               <a:xfrm>
-                <a:off x="3753172" y="1449693"/>
-                <a:ext cx="1322832" cy="369332"/>
+                <a:off x="6658386" y="683552"/>
+                <a:ext cx="3217768" cy="4549441"/>
+                <a:chOff x="7737782" y="770763"/>
+                <a:chExt cx="3217768" cy="4549441"/>
               </a:xfrm>
-              <a:prstGeom prst="rect">
-                <a:avLst/>
-              </a:prstGeom>
-              <a:noFill/>
-            </p:spPr>
-            <p:txBody>
-              <a:bodyPr wrap="square" rtlCol="0">
-                <a:spAutoFit/>
-              </a:bodyPr>
-              <a:lstStyle/>
-              <a:p>
-                <a:pPr algn="ctr"/>
-                <a:r>
-                  <a:rPr lang="en-US" altLang="zh-CN" dirty="0">
+            </p:grpSpPr>
+            <p:grpSp>
+              <p:nvGrpSpPr>
+                <p:cNvPr id="6" name="组合 5">
+                  <a:extLst>
+                    <a:ext uri="{FF2B5EF4-FFF2-40B4-BE49-F238E27FC236}">
+                      <a16:creationId xmlns:a16="http://schemas.microsoft.com/office/drawing/2014/main" id="{F55CA479-8AA6-4DF4-9119-3C86B6536619}"/>
+                    </a:ext>
+                  </a:extLst>
+                </p:cNvPr>
+                <p:cNvGrpSpPr/>
+                <p:nvPr/>
+              </p:nvGrpSpPr>
+              <p:grpSpPr>
+                <a:xfrm>
+                  <a:off x="7737782" y="1242857"/>
+                  <a:ext cx="2160164" cy="4077347"/>
+                  <a:chOff x="1306502" y="974633"/>
+                  <a:chExt cx="2160164" cy="4077347"/>
+                </a:xfrm>
+                <a:noFill/>
+              </p:grpSpPr>
+              <p:sp>
+                <p:nvSpPr>
+                  <p:cNvPr id="4" name="矩形 3">
+                    <a:extLst>
+                      <a:ext uri="{FF2B5EF4-FFF2-40B4-BE49-F238E27FC236}">
+                        <a16:creationId xmlns:a16="http://schemas.microsoft.com/office/drawing/2014/main" id="{164D67CD-EA06-4B71-B6D0-B0204E30FA91}"/>
+                      </a:ext>
+                    </a:extLst>
+                  </p:cNvPr>
+                  <p:cNvSpPr/>
+                  <p:nvPr/>
+                </p:nvSpPr>
+                <p:spPr>
+                  <a:xfrm rot="1984938">
+                    <a:off x="1306502" y="974633"/>
+                    <a:ext cx="2160164" cy="1309158"/>
+                  </a:xfrm>
+                  <a:prstGeom prst="rect">
+                    <a:avLst/>
+                  </a:prstGeom>
+                  <a:grpFill/>
+                  <a:ln>
+                    <a:solidFill>
+                      <a:schemeClr val="tx1"/>
+                    </a:solidFill>
+                  </a:ln>
+                </p:spPr>
+                <p:style>
+                  <a:lnRef idx="2">
+                    <a:schemeClr val="accent1">
+                      <a:shade val="50000"/>
+                    </a:schemeClr>
+                  </a:lnRef>
+                  <a:fillRef idx="1">
+                    <a:schemeClr val="accent1"/>
+                  </a:fillRef>
+                  <a:effectRef idx="0">
+                    <a:schemeClr val="accent1"/>
+                  </a:effectRef>
+                  <a:fontRef idx="minor">
+                    <a:schemeClr val="lt1"/>
+                  </a:fontRef>
+                </p:style>
+                <p:txBody>
+                  <a:bodyPr rtlCol="0" anchor="ctr"/>
+                  <a:lstStyle/>
+                  <a:p>
+                    <a:pPr algn="ctr"/>
+                    <a:endParaRPr lang="zh-CN" altLang="en-US"/>
+                  </a:p>
+                </p:txBody>
+              </p:sp>
+              <p:sp>
+                <p:nvSpPr>
+                  <p:cNvPr id="5" name="矩形 4">
+                    <a:extLst>
+                      <a:ext uri="{FF2B5EF4-FFF2-40B4-BE49-F238E27FC236}">
+                        <a16:creationId xmlns:a16="http://schemas.microsoft.com/office/drawing/2014/main" id="{62B39971-FC4F-4481-AF93-2AFA3D929A19}"/>
+                      </a:ext>
+                    </a:extLst>
+                  </p:cNvPr>
+                  <p:cNvSpPr/>
+                  <p:nvPr/>
+                </p:nvSpPr>
+                <p:spPr>
+                  <a:xfrm rot="1993353">
+                    <a:off x="2252800" y="2891198"/>
+                    <a:ext cx="1085224" cy="2160782"/>
+                  </a:xfrm>
+                  <a:prstGeom prst="rect">
+                    <a:avLst/>
+                  </a:prstGeom>
+                  <a:grpFill/>
+                  <a:ln>
+                    <a:solidFill>
+                      <a:schemeClr val="tx1"/>
+                    </a:solidFill>
+                  </a:ln>
+                </p:spPr>
+                <p:style>
+                  <a:lnRef idx="2">
+                    <a:schemeClr val="accent1">
+                      <a:shade val="50000"/>
+                    </a:schemeClr>
+                  </a:lnRef>
+                  <a:fillRef idx="1">
+                    <a:schemeClr val="accent1"/>
+                  </a:fillRef>
+                  <a:effectRef idx="0">
+                    <a:schemeClr val="accent1"/>
+                  </a:effectRef>
+                  <a:fontRef idx="minor">
+                    <a:schemeClr val="lt1"/>
+                  </a:fontRef>
+                </p:style>
+                <p:txBody>
+                  <a:bodyPr rtlCol="0" anchor="ctr"/>
+                  <a:lstStyle/>
+                  <a:p>
+                    <a:pPr algn="ctr"/>
+                    <a:endParaRPr lang="zh-CN" altLang="en-US"/>
+                  </a:p>
+                </p:txBody>
+              </p:sp>
+            </p:grpSp>
+            <p:sp>
+              <p:nvSpPr>
+                <p:cNvPr id="11" name="文本框 10">
+                  <a:extLst>
+                    <a:ext uri="{FF2B5EF4-FFF2-40B4-BE49-F238E27FC236}">
+                      <a16:creationId xmlns:a16="http://schemas.microsoft.com/office/drawing/2014/main" id="{1AC3F992-E43E-4985-AE40-45E4965C85CD}"/>
+                    </a:ext>
+                  </a:extLst>
+                </p:cNvPr>
+                <p:cNvSpPr txBox="1"/>
+                <p:nvPr/>
+              </p:nvSpPr>
+              <p:spPr>
+                <a:xfrm>
+                  <a:off x="7802605" y="1500471"/>
+                  <a:ext cx="1612555" cy="369332"/>
+                </a:xfrm>
+                <a:prstGeom prst="rect">
+                  <a:avLst/>
+                </a:prstGeom>
+                <a:noFill/>
+              </p:spPr>
+              <p:txBody>
+                <a:bodyPr wrap="square" rtlCol="0">
+                  <a:spAutoFit/>
+                </a:bodyPr>
+                <a:lstStyle/>
+                <a:p>
+                  <a:pPr algn="ctr"/>
+                  <a:r>
+                    <a:rPr lang="en-US" altLang="zh-CN" dirty="0">
+                      <a:latin typeface="Times New Roman" panose="02020603050405020304" pitchFamily="18" charset="0"/>
+                      <a:cs typeface="Times New Roman" panose="02020603050405020304" pitchFamily="18" charset="0"/>
+                    </a:rPr>
+                    <a:t>Column Space</a:t>
+                  </a:r>
+                  <a:endParaRPr lang="zh-CN" altLang="en-US" dirty="0">
                     <a:latin typeface="Times New Roman" panose="02020603050405020304" pitchFamily="18" charset="0"/>
                     <a:cs typeface="Times New Roman" panose="02020603050405020304" pitchFamily="18" charset="0"/>
-                  </a:rPr>
-                  <a:t>Row Space</a:t>
-                </a:r>
-                <a:endParaRPr lang="zh-CN" altLang="en-US" dirty="0">
-                  <a:latin typeface="Times New Roman" panose="02020603050405020304" pitchFamily="18" charset="0"/>
-                  <a:cs typeface="Times New Roman" panose="02020603050405020304" pitchFamily="18" charset="0"/>
-                </a:endParaRPr>
-              </a:p>
-            </p:txBody>
-          </p:sp>
-          <p:sp>
-            <p:nvSpPr>
-              <p:cNvPr id="12" name="文本框 11">
+                  </a:endParaRPr>
+                </a:p>
+              </p:txBody>
+            </p:sp>
+            <p:sp>
+              <p:nvSpPr>
+                <p:cNvPr id="13" name="文本框 12">
+                  <a:extLst>
+                    <a:ext uri="{FF2B5EF4-FFF2-40B4-BE49-F238E27FC236}">
+                      <a16:creationId xmlns:a16="http://schemas.microsoft.com/office/drawing/2014/main" id="{7D220A4E-2DAD-4D57-A3EB-E41077E9F93F}"/>
+                    </a:ext>
+                  </a:extLst>
+                </p:cNvPr>
+                <p:cNvSpPr txBox="1"/>
+                <p:nvPr/>
+              </p:nvSpPr>
+              <p:spPr>
+                <a:xfrm>
+                  <a:off x="8511191" y="3547315"/>
+                  <a:ext cx="1761361" cy="646331"/>
+                </a:xfrm>
+                <a:prstGeom prst="rect">
+                  <a:avLst/>
+                </a:prstGeom>
+                <a:noFill/>
+              </p:spPr>
+              <p:txBody>
+                <a:bodyPr wrap="square" rtlCol="0">
+                  <a:spAutoFit/>
+                </a:bodyPr>
+                <a:lstStyle/>
+                <a:p>
+                  <a:pPr algn="ctr"/>
+                  <a:r>
+                    <a:rPr lang="en-US" altLang="zh-CN" dirty="0">
+                      <a:latin typeface="Times New Roman" panose="02020603050405020304" pitchFamily="18" charset="0"/>
+                      <a:cs typeface="Times New Roman" panose="02020603050405020304" pitchFamily="18" charset="0"/>
+                    </a:rPr>
+                    <a:t>Left</a:t>
+                  </a:r>
+                </a:p>
+                <a:p>
+                  <a:pPr algn="ctr"/>
+                  <a:r>
+                    <a:rPr lang="en-US" altLang="zh-CN" dirty="0" err="1">
+                      <a:latin typeface="Times New Roman" panose="02020603050405020304" pitchFamily="18" charset="0"/>
+                      <a:cs typeface="Times New Roman" panose="02020603050405020304" pitchFamily="18" charset="0"/>
+                    </a:rPr>
+                    <a:t>Nullspace</a:t>
+                  </a:r>
+                  <a:endParaRPr lang="zh-CN" altLang="en-US" dirty="0">
+                    <a:latin typeface="Times New Roman" panose="02020603050405020304" pitchFamily="18" charset="0"/>
+                    <a:cs typeface="Times New Roman" panose="02020603050405020304" pitchFamily="18" charset="0"/>
+                  </a:endParaRPr>
+                </a:p>
+              </p:txBody>
+            </p:sp>
+            <mc:AlternateContent xmlns:mc="http://schemas.openxmlformats.org/markup-compatibility/2006" xmlns:a14="http://schemas.microsoft.com/office/drawing/2010/main">
+              <mc:Choice Requires="a14">
+                <p:sp>
+                  <p:nvSpPr>
+                    <p:cNvPr id="16" name="文本框 15">
+                      <a:extLst>
+                        <a:ext uri="{FF2B5EF4-FFF2-40B4-BE49-F238E27FC236}">
+                          <a16:creationId xmlns:a16="http://schemas.microsoft.com/office/drawing/2014/main" id="{52A9FBD6-011C-46E0-A9EF-B53C3F9AD453}"/>
+                        </a:ext>
+                      </a:extLst>
+                    </p:cNvPr>
+                    <p:cNvSpPr txBox="1"/>
+                    <p:nvPr/>
+                  </p:nvSpPr>
+                  <p:spPr>
+                    <a:xfrm>
+                      <a:off x="8608883" y="2021733"/>
+                      <a:ext cx="1163576" cy="369332"/>
+                    </a:xfrm>
+                    <a:prstGeom prst="rect">
+                      <a:avLst/>
+                    </a:prstGeom>
+                    <a:noFill/>
+                  </p:spPr>
+                  <p:txBody>
+                    <a:bodyPr wrap="square" rtlCol="0">
+                      <a:spAutoFit/>
+                    </a:bodyPr>
+                    <a:lstStyle/>
+                    <a:p>
+                      <a:pPr/>
+                      <a14:m>
+                        <m:oMathPara xmlns:m="http://schemas.openxmlformats.org/officeDocument/2006/math">
+                          <m:oMathParaPr>
+                            <m:jc m:val="centerGroup"/>
+                          </m:oMathParaPr>
+                          <m:oMath xmlns:m="http://schemas.openxmlformats.org/officeDocument/2006/math">
+                            <m:r>
+                              <a:rPr lang="en-US" altLang="zh-CN" b="1" i="1" smtClean="0">
+                                <a:latin typeface="Cambria Math" panose="02040503050406030204" pitchFamily="18" charset="0"/>
+                                <a:cs typeface="Times New Roman" panose="02020603050405020304" pitchFamily="18" charset="0"/>
+                              </a:rPr>
+                              <m:t>𝑨𝒙</m:t>
+                            </m:r>
+                          </m:oMath>
+                        </m:oMathPara>
+                      </a14:m>
+                      <a:endParaRPr lang="zh-CN" altLang="en-US" b="1" dirty="0">
+                        <a:latin typeface="Times New Roman" panose="02020603050405020304" pitchFamily="18" charset="0"/>
+                        <a:cs typeface="Times New Roman" panose="02020603050405020304" pitchFamily="18" charset="0"/>
+                      </a:endParaRPr>
+                    </a:p>
+                  </p:txBody>
+                </p:sp>
+              </mc:Choice>
+              <mc:Fallback xmlns="">
+                <p:sp>
+                  <p:nvSpPr>
+                    <p:cNvPr id="16" name="文本框 15">
+                      <a:extLst>
+                        <a:ext uri="{FF2B5EF4-FFF2-40B4-BE49-F238E27FC236}">
+                          <a16:creationId xmlns:a16="http://schemas.microsoft.com/office/drawing/2014/main" id="{52A9FBD6-011C-46E0-A9EF-B53C3F9AD453}"/>
+                        </a:ext>
+                      </a:extLst>
+                    </p:cNvPr>
+                    <p:cNvSpPr txBox="1">
+                      <a:spLocks noRot="1" noChangeAspect="1" noMove="1" noResize="1" noEditPoints="1" noAdjustHandles="1" noChangeArrowheads="1" noChangeShapeType="1" noTextEdit="1"/>
+                    </p:cNvSpPr>
+                    <p:nvPr/>
+                  </p:nvSpPr>
+                  <p:spPr>
+                    <a:xfrm>
+                      <a:off x="8608883" y="2021733"/>
+                      <a:ext cx="1163576" cy="369332"/>
+                    </a:xfrm>
+                    <a:prstGeom prst="rect">
+                      <a:avLst/>
+                    </a:prstGeom>
+                    <a:blipFill>
+                      <a:blip r:embed="rId7"/>
+                      <a:stretch>
+                        <a:fillRect/>
+                      </a:stretch>
+                    </a:blipFill>
+                  </p:spPr>
+                  <p:txBody>
+                    <a:bodyPr/>
+                    <a:lstStyle/>
+                    <a:p>
+                      <a:r>
+                        <a:rPr lang="zh-CN" altLang="en-US">
+                          <a:noFill/>
+                        </a:rPr>
+                        <a:t> </a:t>
+                      </a:r>
+                    </a:p>
+                  </p:txBody>
+                </p:sp>
+              </mc:Fallback>
+            </mc:AlternateContent>
+            <mc:AlternateContent xmlns:mc="http://schemas.openxmlformats.org/markup-compatibility/2006" xmlns:a14="http://schemas.microsoft.com/office/drawing/2010/main">
+              <mc:Choice Requires="a14">
+                <p:sp>
+                  <p:nvSpPr>
+                    <p:cNvPr id="17" name="文本框 16">
+                      <a:extLst>
+                        <a:ext uri="{FF2B5EF4-FFF2-40B4-BE49-F238E27FC236}">
+                          <a16:creationId xmlns:a16="http://schemas.microsoft.com/office/drawing/2014/main" id="{D761B6BA-3D1C-4C07-B304-69DDEBB0280E}"/>
+                        </a:ext>
+                      </a:extLst>
+                    </p:cNvPr>
+                    <p:cNvSpPr txBox="1"/>
+                    <p:nvPr/>
+                  </p:nvSpPr>
+                  <p:spPr>
+                    <a:xfrm>
+                      <a:off x="8352091" y="4369932"/>
+                      <a:ext cx="1322832" cy="369332"/>
+                    </a:xfrm>
+                    <a:prstGeom prst="rect">
+                      <a:avLst/>
+                    </a:prstGeom>
+                    <a:noFill/>
+                  </p:spPr>
+                  <p:txBody>
+                    <a:bodyPr wrap="square" rtlCol="0">
+                      <a:spAutoFit/>
+                    </a:bodyPr>
+                    <a:lstStyle/>
+                    <a:p>
+                      <a:pPr/>
+                      <a14:m>
+                        <m:oMathPara xmlns:m="http://schemas.openxmlformats.org/officeDocument/2006/math">
+                          <m:oMathParaPr>
+                            <m:jc m:val="centerGroup"/>
+                          </m:oMathParaPr>
+                          <m:oMath xmlns:m="http://schemas.openxmlformats.org/officeDocument/2006/math">
+                            <m:sSup>
+                              <m:sSupPr>
+                                <m:ctrlPr>
+                                  <a:rPr lang="en-US" altLang="zh-CN" i="1" smtClean="0">
+                                    <a:latin typeface="Cambria Math" panose="02040503050406030204" pitchFamily="18" charset="0"/>
+                                    <a:cs typeface="Times New Roman" panose="02020603050405020304" pitchFamily="18" charset="0"/>
+                                  </a:rPr>
+                                </m:ctrlPr>
+                              </m:sSupPr>
+                              <m:e>
+                                <m:r>
+                                  <a:rPr lang="en-US" altLang="zh-CN" b="1" i="1" smtClean="0">
+                                    <a:latin typeface="Cambria Math" panose="02040503050406030204" pitchFamily="18" charset="0"/>
+                                    <a:cs typeface="Times New Roman" panose="02020603050405020304" pitchFamily="18" charset="0"/>
+                                  </a:rPr>
+                                  <m:t>𝑨</m:t>
+                                </m:r>
+                              </m:e>
+                              <m:sup>
+                                <m:r>
+                                  <a:rPr lang="en-US" altLang="zh-CN" b="0" i="1" smtClean="0">
+                                    <a:latin typeface="Cambria Math" panose="02040503050406030204" pitchFamily="18" charset="0"/>
+                                    <a:cs typeface="Times New Roman" panose="02020603050405020304" pitchFamily="18" charset="0"/>
+                                  </a:rPr>
+                                  <m:t>𝑇</m:t>
+                                </m:r>
+                              </m:sup>
+                            </m:sSup>
+                            <m:r>
+                              <a:rPr lang="en-US" altLang="zh-CN" b="1" i="1" smtClean="0">
+                                <a:latin typeface="Cambria Math" panose="02040503050406030204" pitchFamily="18" charset="0"/>
+                                <a:cs typeface="Times New Roman" panose="02020603050405020304" pitchFamily="18" charset="0"/>
+                              </a:rPr>
+                              <m:t>𝒚</m:t>
+                            </m:r>
+                            <m:r>
+                              <a:rPr lang="en-US" altLang="zh-CN" b="1" i="1" smtClean="0">
+                                <a:latin typeface="Cambria Math" panose="02040503050406030204" pitchFamily="18" charset="0"/>
+                                <a:cs typeface="Times New Roman" panose="02020603050405020304" pitchFamily="18" charset="0"/>
+                              </a:rPr>
+                              <m:t>=</m:t>
+                            </m:r>
+                            <m:r>
+                              <a:rPr lang="en-US" altLang="zh-CN" b="1" i="1" smtClean="0">
+                                <a:latin typeface="Cambria Math" panose="02040503050406030204" pitchFamily="18" charset="0"/>
+                                <a:cs typeface="Times New Roman" panose="02020603050405020304" pitchFamily="18" charset="0"/>
+                              </a:rPr>
+                              <m:t>𝟎</m:t>
+                            </m:r>
+                          </m:oMath>
+                        </m:oMathPara>
+                      </a14:m>
+                      <a:endParaRPr lang="zh-CN" altLang="en-US" dirty="0">
+                        <a:latin typeface="Times New Roman" panose="02020603050405020304" pitchFamily="18" charset="0"/>
+                        <a:cs typeface="Times New Roman" panose="02020603050405020304" pitchFamily="18" charset="0"/>
+                      </a:endParaRPr>
+                    </a:p>
+                  </p:txBody>
+                </p:sp>
+              </mc:Choice>
+              <mc:Fallback xmlns="">
+                <p:sp>
+                  <p:nvSpPr>
+                    <p:cNvPr id="17" name="文本框 16">
+                      <a:extLst>
+                        <a:ext uri="{FF2B5EF4-FFF2-40B4-BE49-F238E27FC236}">
+                          <a16:creationId xmlns:a16="http://schemas.microsoft.com/office/drawing/2014/main" id="{D761B6BA-3D1C-4C07-B304-69DDEBB0280E}"/>
+                        </a:ext>
+                      </a:extLst>
+                    </p:cNvPr>
+                    <p:cNvSpPr txBox="1">
+                      <a:spLocks noRot="1" noChangeAspect="1" noMove="1" noResize="1" noEditPoints="1" noAdjustHandles="1" noChangeArrowheads="1" noChangeShapeType="1" noTextEdit="1"/>
+                    </p:cNvSpPr>
+                    <p:nvPr/>
+                  </p:nvSpPr>
+                  <p:spPr>
+                    <a:xfrm>
+                      <a:off x="8352091" y="4369932"/>
+                      <a:ext cx="1322832" cy="369332"/>
+                    </a:xfrm>
+                    <a:prstGeom prst="rect">
+                      <a:avLst/>
+                    </a:prstGeom>
+                    <a:blipFill>
+                      <a:blip r:embed="rId8"/>
+                      <a:stretch>
+                        <a:fillRect b="-8333"/>
+                      </a:stretch>
+                    </a:blipFill>
+                  </p:spPr>
+                  <p:txBody>
+                    <a:bodyPr/>
+                    <a:lstStyle/>
+                    <a:p>
+                      <a:r>
+                        <a:rPr lang="zh-CN" altLang="en-US">
+                          <a:noFill/>
+                        </a:rPr>
+                        <a:t> </a:t>
+                      </a:r>
+                    </a:p>
+                  </p:txBody>
+                </p:sp>
+              </mc:Fallback>
+            </mc:AlternateContent>
+            <mc:AlternateContent xmlns:mc="http://schemas.openxmlformats.org/markup-compatibility/2006" xmlns:a14="http://schemas.microsoft.com/office/drawing/2010/main">
+              <mc:Choice Requires="a14">
+                <p:sp>
+                  <p:nvSpPr>
+                    <p:cNvPr id="22" name="文本框 21">
+                      <a:extLst>
+                        <a:ext uri="{FF2B5EF4-FFF2-40B4-BE49-F238E27FC236}">
+                          <a16:creationId xmlns:a16="http://schemas.microsoft.com/office/drawing/2014/main" id="{AC548336-5769-4D87-9185-59A48B6B4A06}"/>
+                        </a:ext>
+                      </a:extLst>
+                    </p:cNvPr>
+                    <p:cNvSpPr txBox="1"/>
+                    <p:nvPr/>
+                  </p:nvSpPr>
+                  <p:spPr>
+                    <a:xfrm>
+                      <a:off x="9632472" y="2754266"/>
+                      <a:ext cx="640080" cy="369332"/>
+                    </a:xfrm>
+                    <a:prstGeom prst="rect">
+                      <a:avLst/>
+                    </a:prstGeom>
+                    <a:noFill/>
+                  </p:spPr>
+                  <p:txBody>
+                    <a:bodyPr wrap="square">
+                      <a:spAutoFit/>
+                    </a:bodyPr>
+                    <a:lstStyle/>
+                    <a:p>
+                      <a:pPr/>
+                      <a14:m>
+                        <m:oMathPara xmlns:m="http://schemas.openxmlformats.org/officeDocument/2006/math">
+                          <m:oMathParaPr>
+                            <m:jc m:val="centerGroup"/>
+                          </m:oMathParaPr>
+                          <m:oMath xmlns:m="http://schemas.openxmlformats.org/officeDocument/2006/math">
+                            <m:sSup>
+                              <m:sSupPr>
+                                <m:ctrlPr>
+                                  <a:rPr lang="en-US" altLang="zh-CN" i="1" smtClean="0">
+                                    <a:latin typeface="Cambria Math" panose="02040503050406030204" pitchFamily="18" charset="0"/>
+                                  </a:rPr>
+                                </m:ctrlPr>
+                              </m:sSupPr>
+                              <m:e>
+                                <m:r>
+                                  <a:rPr lang="en-US" altLang="zh-CN" i="1" smtClean="0">
+                                    <a:latin typeface="Cambria Math" panose="02040503050406030204" pitchFamily="18" charset="0"/>
+                                    <a:ea typeface="Cambria Math" panose="02040503050406030204" pitchFamily="18" charset="0"/>
+                                  </a:rPr>
+                                  <m:t>ℝ</m:t>
+                                </m:r>
+                              </m:e>
+                              <m:sup>
+                                <m:r>
+                                  <a:rPr lang="en-US" altLang="zh-CN" b="0" i="1" smtClean="0">
+                                    <a:latin typeface="Cambria Math" panose="02040503050406030204" pitchFamily="18" charset="0"/>
+                                  </a:rPr>
+                                  <m:t>𝑚</m:t>
+                                </m:r>
+                              </m:sup>
+                            </m:sSup>
+                          </m:oMath>
+                        </m:oMathPara>
+                      </a14:m>
+                      <a:endParaRPr lang="zh-CN" altLang="en-US" dirty="0"/>
+                    </a:p>
+                  </p:txBody>
+                </p:sp>
+              </mc:Choice>
+              <mc:Fallback xmlns="">
+                <p:sp>
+                  <p:nvSpPr>
+                    <p:cNvPr id="22" name="文本框 21">
+                      <a:extLst>
+                        <a:ext uri="{FF2B5EF4-FFF2-40B4-BE49-F238E27FC236}">
+                          <a16:creationId xmlns:a16="http://schemas.microsoft.com/office/drawing/2014/main" id="{AC548336-5769-4D87-9185-59A48B6B4A06}"/>
+                        </a:ext>
+                      </a:extLst>
+                    </p:cNvPr>
+                    <p:cNvSpPr txBox="1">
+                      <a:spLocks noRot="1" noChangeAspect="1" noMove="1" noResize="1" noEditPoints="1" noAdjustHandles="1" noChangeArrowheads="1" noChangeShapeType="1" noTextEdit="1"/>
+                    </p:cNvSpPr>
+                    <p:nvPr/>
+                  </p:nvSpPr>
+                  <p:spPr>
+                    <a:xfrm>
+                      <a:off x="9632472" y="2754266"/>
+                      <a:ext cx="640080" cy="369332"/>
+                    </a:xfrm>
+                    <a:prstGeom prst="rect">
+                      <a:avLst/>
+                    </a:prstGeom>
+                    <a:blipFill>
+                      <a:blip r:embed="rId9"/>
+                      <a:stretch>
+                        <a:fillRect/>
+                      </a:stretch>
+                    </a:blipFill>
+                  </p:spPr>
+                  <p:txBody>
+                    <a:bodyPr/>
+                    <a:lstStyle/>
+                    <a:p>
+                      <a:r>
+                        <a:rPr lang="zh-CN" altLang="en-US">
+                          <a:noFill/>
+                        </a:rPr>
+                        <a:t> </a:t>
+                      </a:r>
+                    </a:p>
+                  </p:txBody>
+                </p:sp>
+              </mc:Fallback>
+            </mc:AlternateContent>
+            <mc:AlternateContent xmlns:mc="http://schemas.openxmlformats.org/markup-compatibility/2006" xmlns:a14="http://schemas.microsoft.com/office/drawing/2010/main">
+              <mc:Choice Requires="a14">
+                <p:sp>
+                  <p:nvSpPr>
+                    <p:cNvPr id="24" name="文本框 23">
+                      <a:extLst>
+                        <a:ext uri="{FF2B5EF4-FFF2-40B4-BE49-F238E27FC236}">
+                          <a16:creationId xmlns:a16="http://schemas.microsoft.com/office/drawing/2014/main" id="{88309453-6B5D-427E-849C-EE7B9EB5C06C}"/>
+                        </a:ext>
+                      </a:extLst>
+                    </p:cNvPr>
+                    <p:cNvSpPr txBox="1"/>
+                    <p:nvPr/>
+                  </p:nvSpPr>
+                  <p:spPr>
+                    <a:xfrm>
+                      <a:off x="9226692" y="770763"/>
+                      <a:ext cx="1322832" cy="646331"/>
+                    </a:xfrm>
+                    <a:prstGeom prst="rect">
+                      <a:avLst/>
+                    </a:prstGeom>
+                    <a:noFill/>
+                  </p:spPr>
+                  <p:txBody>
+                    <a:bodyPr wrap="square" rtlCol="0">
+                      <a:spAutoFit/>
+                    </a:bodyPr>
+                    <a:lstStyle/>
+                    <a:p>
+                      <a:pPr/>
+                      <a14:m>
+                        <m:oMathPara xmlns:m="http://schemas.openxmlformats.org/officeDocument/2006/math">
+                          <m:oMathParaPr>
+                            <m:jc m:val="centerGroup"/>
+                          </m:oMathParaPr>
+                          <m:oMath xmlns:m="http://schemas.openxmlformats.org/officeDocument/2006/math">
+                            <m:r>
+                              <a:rPr lang="en-US" altLang="zh-CN" b="1" i="1" smtClean="0">
+                                <a:latin typeface="Cambria Math" panose="02040503050406030204" pitchFamily="18" charset="0"/>
+                                <a:cs typeface="Times New Roman" panose="02020603050405020304" pitchFamily="18" charset="0"/>
+                              </a:rPr>
+                              <m:t>𝑪</m:t>
+                            </m:r>
+                            <m:d>
+                              <m:dPr>
+                                <m:ctrlPr>
+                                  <a:rPr lang="en-US" altLang="zh-CN" b="0" i="1" smtClean="0">
+                                    <a:latin typeface="Cambria Math" panose="02040503050406030204" pitchFamily="18" charset="0"/>
+                                    <a:cs typeface="Times New Roman" panose="02020603050405020304" pitchFamily="18" charset="0"/>
+                                  </a:rPr>
+                                </m:ctrlPr>
+                              </m:dPr>
+                              <m:e>
+                                <m:r>
+                                  <a:rPr lang="en-US" altLang="zh-CN" b="1" i="1" smtClean="0">
+                                    <a:latin typeface="Cambria Math" panose="02040503050406030204" pitchFamily="18" charset="0"/>
+                                    <a:cs typeface="Times New Roman" panose="02020603050405020304" pitchFamily="18" charset="0"/>
+                                  </a:rPr>
+                                  <m:t>𝑨</m:t>
+                                </m:r>
+                              </m:e>
+                            </m:d>
+                          </m:oMath>
+                        </m:oMathPara>
+                      </a14:m>
+                      <a:endParaRPr lang="en-US" altLang="zh-CN" b="0" dirty="0">
+                        <a:latin typeface="Times New Roman" panose="02020603050405020304" pitchFamily="18" charset="0"/>
+                        <a:cs typeface="Times New Roman" panose="02020603050405020304" pitchFamily="18" charset="0"/>
+                      </a:endParaRPr>
+                    </a:p>
+                    <a:p>
+                      <a:pPr/>
+                      <a14:m>
+                        <m:oMathPara xmlns:m="http://schemas.openxmlformats.org/officeDocument/2006/math">
+                          <m:oMathParaPr>
+                            <m:jc m:val="centerGroup"/>
+                          </m:oMathParaPr>
+                          <m:oMath xmlns:m="http://schemas.openxmlformats.org/officeDocument/2006/math">
+                            <m:r>
+                              <a:rPr lang="en-US" altLang="zh-CN" b="0" i="1" smtClean="0">
+                                <a:latin typeface="Cambria Math" panose="02040503050406030204" pitchFamily="18" charset="0"/>
+                                <a:cs typeface="Times New Roman" panose="02020603050405020304" pitchFamily="18" charset="0"/>
+                              </a:rPr>
+                              <m:t>𝑑𝑖𝑚</m:t>
+                            </m:r>
+                            <m:r>
+                              <a:rPr lang="en-US" altLang="zh-CN" i="1" dirty="0" smtClean="0">
+                                <a:latin typeface="Cambria Math" panose="02040503050406030204" pitchFamily="18" charset="0"/>
+                                <a:cs typeface="Times New Roman" panose="02020603050405020304" pitchFamily="18" charset="0"/>
+                              </a:rPr>
+                              <m:t>=</m:t>
+                            </m:r>
+                            <m:r>
+                              <a:rPr lang="en-US" altLang="zh-CN" i="1" dirty="0" smtClean="0">
+                                <a:latin typeface="Cambria Math" panose="02040503050406030204" pitchFamily="18" charset="0"/>
+                                <a:cs typeface="Times New Roman" panose="02020603050405020304" pitchFamily="18" charset="0"/>
+                              </a:rPr>
+                              <m:t>𝑟</m:t>
+                            </m:r>
+                          </m:oMath>
+                        </m:oMathPara>
+                      </a14:m>
+                      <a:endParaRPr lang="zh-CN" altLang="en-US" dirty="0">
+                        <a:latin typeface="Times New Roman" panose="02020603050405020304" pitchFamily="18" charset="0"/>
+                        <a:cs typeface="Times New Roman" panose="02020603050405020304" pitchFamily="18" charset="0"/>
+                      </a:endParaRPr>
+                    </a:p>
+                  </p:txBody>
+                </p:sp>
+              </mc:Choice>
+              <mc:Fallback xmlns="">
+                <p:sp>
+                  <p:nvSpPr>
+                    <p:cNvPr id="24" name="文本框 23">
+                      <a:extLst>
+                        <a:ext uri="{FF2B5EF4-FFF2-40B4-BE49-F238E27FC236}">
+                          <a16:creationId xmlns:a16="http://schemas.microsoft.com/office/drawing/2014/main" id="{88309453-6B5D-427E-849C-EE7B9EB5C06C}"/>
+                        </a:ext>
+                      </a:extLst>
+                    </p:cNvPr>
+                    <p:cNvSpPr txBox="1">
+                      <a:spLocks noRot="1" noChangeAspect="1" noMove="1" noResize="1" noEditPoints="1" noAdjustHandles="1" noChangeArrowheads="1" noChangeShapeType="1" noTextEdit="1"/>
+                    </p:cNvSpPr>
+                    <p:nvPr/>
+                  </p:nvSpPr>
+                  <p:spPr>
+                    <a:xfrm>
+                      <a:off x="9226692" y="770763"/>
+                      <a:ext cx="1322832" cy="646331"/>
+                    </a:xfrm>
+                    <a:prstGeom prst="rect">
+                      <a:avLst/>
+                    </a:prstGeom>
+                    <a:blipFill>
+                      <a:blip r:embed="rId10"/>
+                      <a:stretch>
+                        <a:fillRect/>
+                      </a:stretch>
+                    </a:blipFill>
+                  </p:spPr>
+                  <p:txBody>
+                    <a:bodyPr/>
+                    <a:lstStyle/>
+                    <a:p>
+                      <a:r>
+                        <a:rPr lang="zh-CN" altLang="en-US">
+                          <a:noFill/>
+                        </a:rPr>
+                        <a:t> </a:t>
+                      </a:r>
+                    </a:p>
+                  </p:txBody>
+                </p:sp>
+              </mc:Fallback>
+            </mc:AlternateContent>
+            <mc:AlternateContent xmlns:mc="http://schemas.openxmlformats.org/markup-compatibility/2006" xmlns:a14="http://schemas.microsoft.com/office/drawing/2010/main">
+              <mc:Choice Requires="a14">
+                <p:sp>
+                  <p:nvSpPr>
+                    <p:cNvPr id="25" name="文本框 24">
+                      <a:extLst>
+                        <a:ext uri="{FF2B5EF4-FFF2-40B4-BE49-F238E27FC236}">
+                          <a16:creationId xmlns:a16="http://schemas.microsoft.com/office/drawing/2014/main" id="{49394427-74F6-4E33-8FCD-FF3CC97BEE7A}"/>
+                        </a:ext>
+                      </a:extLst>
+                    </p:cNvPr>
+                    <p:cNvSpPr txBox="1"/>
+                    <p:nvPr/>
+                  </p:nvSpPr>
+                  <p:spPr>
+                    <a:xfrm>
+                      <a:off x="9480889" y="4612712"/>
+                      <a:ext cx="1474661" cy="646331"/>
+                    </a:xfrm>
+                    <a:prstGeom prst="rect">
+                      <a:avLst/>
+                    </a:prstGeom>
+                    <a:noFill/>
+                  </p:spPr>
+                  <p:txBody>
+                    <a:bodyPr wrap="square" rtlCol="0">
+                      <a:spAutoFit/>
+                    </a:bodyPr>
+                    <a:lstStyle/>
+                    <a:p>
+                      <a:pPr/>
+                      <a14:m>
+                        <m:oMathPara xmlns:m="http://schemas.openxmlformats.org/officeDocument/2006/math">
+                          <m:oMathParaPr>
+                            <m:jc m:val="centerGroup"/>
+                          </m:oMathParaPr>
+                          <m:oMath xmlns:m="http://schemas.openxmlformats.org/officeDocument/2006/math">
+                            <m:r>
+                              <a:rPr lang="en-US" altLang="zh-CN" b="1" i="1" smtClean="0">
+                                <a:latin typeface="Cambria Math" panose="02040503050406030204" pitchFamily="18" charset="0"/>
+                                <a:cs typeface="Times New Roman" panose="02020603050405020304" pitchFamily="18" charset="0"/>
+                              </a:rPr>
+                              <m:t>𝑵</m:t>
+                            </m:r>
+                            <m:d>
+                              <m:dPr>
+                                <m:ctrlPr>
+                                  <a:rPr lang="en-US" altLang="zh-CN" b="0" i="1" smtClean="0">
+                                    <a:latin typeface="Cambria Math" panose="02040503050406030204" pitchFamily="18" charset="0"/>
+                                    <a:cs typeface="Times New Roman" panose="02020603050405020304" pitchFamily="18" charset="0"/>
+                                  </a:rPr>
+                                </m:ctrlPr>
+                              </m:dPr>
+                              <m:e>
+                                <m:sSup>
+                                  <m:sSupPr>
+                                    <m:ctrlPr>
+                                      <a:rPr lang="en-US" altLang="zh-CN" i="1" smtClean="0">
+                                        <a:latin typeface="Cambria Math" panose="02040503050406030204" pitchFamily="18" charset="0"/>
+                                        <a:cs typeface="Times New Roman" panose="02020603050405020304" pitchFamily="18" charset="0"/>
+                                      </a:rPr>
+                                    </m:ctrlPr>
+                                  </m:sSupPr>
+                                  <m:e>
+                                    <m:r>
+                                      <a:rPr lang="en-US" altLang="zh-CN" b="1" i="1" smtClean="0">
+                                        <a:latin typeface="Cambria Math" panose="02040503050406030204" pitchFamily="18" charset="0"/>
+                                        <a:cs typeface="Times New Roman" panose="02020603050405020304" pitchFamily="18" charset="0"/>
+                                      </a:rPr>
+                                      <m:t>𝑨</m:t>
+                                    </m:r>
+                                  </m:e>
+                                  <m:sup>
+                                    <m:r>
+                                      <a:rPr lang="en-US" altLang="zh-CN" b="0" i="1" smtClean="0">
+                                        <a:latin typeface="Cambria Math" panose="02040503050406030204" pitchFamily="18" charset="0"/>
+                                        <a:cs typeface="Times New Roman" panose="02020603050405020304" pitchFamily="18" charset="0"/>
+                                      </a:rPr>
+                                      <m:t>𝑇</m:t>
+                                    </m:r>
+                                  </m:sup>
+                                </m:sSup>
+                              </m:e>
+                            </m:d>
+                          </m:oMath>
+                        </m:oMathPara>
+                      </a14:m>
+                      <a:endParaRPr lang="en-US" altLang="zh-CN" b="0" dirty="0">
+                        <a:latin typeface="Times New Roman" panose="02020603050405020304" pitchFamily="18" charset="0"/>
+                        <a:cs typeface="Times New Roman" panose="02020603050405020304" pitchFamily="18" charset="0"/>
+                      </a:endParaRPr>
+                    </a:p>
+                    <a:p>
+                      <a:pPr/>
+                      <a14:m>
+                        <m:oMathPara xmlns:m="http://schemas.openxmlformats.org/officeDocument/2006/math">
+                          <m:oMathParaPr>
+                            <m:jc m:val="centerGroup"/>
+                          </m:oMathParaPr>
+                          <m:oMath xmlns:m="http://schemas.openxmlformats.org/officeDocument/2006/math">
+                            <m:r>
+                              <a:rPr lang="en-US" altLang="zh-CN" b="0" i="1" smtClean="0">
+                                <a:latin typeface="Cambria Math" panose="02040503050406030204" pitchFamily="18" charset="0"/>
+                                <a:cs typeface="Times New Roman" panose="02020603050405020304" pitchFamily="18" charset="0"/>
+                              </a:rPr>
+                              <m:t>𝑑𝑖𝑚</m:t>
+                            </m:r>
+                            <m:r>
+                              <a:rPr lang="en-US" altLang="zh-CN" i="1" dirty="0" smtClean="0">
+                                <a:latin typeface="Cambria Math" panose="02040503050406030204" pitchFamily="18" charset="0"/>
+                                <a:cs typeface="Times New Roman" panose="02020603050405020304" pitchFamily="18" charset="0"/>
+                              </a:rPr>
+                              <m:t>=</m:t>
+                            </m:r>
+                            <m:r>
+                              <a:rPr lang="en-US" altLang="zh-CN" b="0" i="1" dirty="0" smtClean="0">
+                                <a:latin typeface="Cambria Math" panose="02040503050406030204" pitchFamily="18" charset="0"/>
+                                <a:cs typeface="Times New Roman" panose="02020603050405020304" pitchFamily="18" charset="0"/>
+                              </a:rPr>
+                              <m:t>𝑚</m:t>
+                            </m:r>
+                            <m:r>
+                              <a:rPr lang="en-US" altLang="zh-CN" b="0" i="1" dirty="0" smtClean="0">
+                                <a:latin typeface="Cambria Math" panose="02040503050406030204" pitchFamily="18" charset="0"/>
+                                <a:cs typeface="Times New Roman" panose="02020603050405020304" pitchFamily="18" charset="0"/>
+                              </a:rPr>
+                              <m:t>−</m:t>
+                            </m:r>
+                            <m:r>
+                              <a:rPr lang="en-US" altLang="zh-CN" i="1" dirty="0" smtClean="0">
+                                <a:latin typeface="Cambria Math" panose="02040503050406030204" pitchFamily="18" charset="0"/>
+                                <a:cs typeface="Times New Roman" panose="02020603050405020304" pitchFamily="18" charset="0"/>
+                              </a:rPr>
+                              <m:t>𝑟</m:t>
+                            </m:r>
+                          </m:oMath>
+                        </m:oMathPara>
+                      </a14:m>
+                      <a:endParaRPr lang="zh-CN" altLang="en-US" dirty="0">
+                        <a:latin typeface="Times New Roman" panose="02020603050405020304" pitchFamily="18" charset="0"/>
+                        <a:cs typeface="Times New Roman" panose="02020603050405020304" pitchFamily="18" charset="0"/>
+                      </a:endParaRPr>
+                    </a:p>
+                  </p:txBody>
+                </p:sp>
+              </mc:Choice>
+              <mc:Fallback xmlns="">
+                <p:sp>
+                  <p:nvSpPr>
+                    <p:cNvPr id="25" name="文本框 24">
+                      <a:extLst>
+                        <a:ext uri="{FF2B5EF4-FFF2-40B4-BE49-F238E27FC236}">
+                          <a16:creationId xmlns:a16="http://schemas.microsoft.com/office/drawing/2014/main" id="{49394427-74F6-4E33-8FCD-FF3CC97BEE7A}"/>
+                        </a:ext>
+                      </a:extLst>
+                    </p:cNvPr>
+                    <p:cNvSpPr txBox="1">
+                      <a:spLocks noRot="1" noChangeAspect="1" noMove="1" noResize="1" noEditPoints="1" noAdjustHandles="1" noChangeArrowheads="1" noChangeShapeType="1" noTextEdit="1"/>
+                    </p:cNvSpPr>
+                    <p:nvPr/>
+                  </p:nvSpPr>
+                  <p:spPr>
+                    <a:xfrm>
+                      <a:off x="9480889" y="4612712"/>
+                      <a:ext cx="1474661" cy="646331"/>
+                    </a:xfrm>
+                    <a:prstGeom prst="rect">
+                      <a:avLst/>
+                    </a:prstGeom>
+                    <a:blipFill>
+                      <a:blip r:embed="rId11"/>
+                      <a:stretch>
+                        <a:fillRect/>
+                      </a:stretch>
+                    </a:blipFill>
+                  </p:spPr>
+                  <p:txBody>
+                    <a:bodyPr/>
+                    <a:lstStyle/>
+                    <a:p>
+                      <a:r>
+                        <a:rPr lang="zh-CN" altLang="en-US">
+                          <a:noFill/>
+                        </a:rPr>
+                        <a:t> </a:t>
+                      </a:r>
+                    </a:p>
+                  </p:txBody>
+                </p:sp>
+              </mc:Fallback>
+            </mc:AlternateContent>
+          </p:grpSp>
+          <p:cxnSp>
+            <p:nvCxnSpPr>
+              <p:cNvPr id="28" name="直接箭头连接符 27">
                 <a:extLst>
                   <a:ext uri="{FF2B5EF4-FFF2-40B4-BE49-F238E27FC236}">
-                    <a16:creationId xmlns:a16="http://schemas.microsoft.com/office/drawing/2014/main" id="{B2A4EF26-B113-41DC-B08B-1D7D0881078F}"/>
+                    <a16:creationId xmlns:a16="http://schemas.microsoft.com/office/drawing/2014/main" id="{116EBE5A-23A1-4341-89EE-D84B55A61A62}"/>
                   </a:ext>
                 </a:extLst>
               </p:cNvPr>
-              <p:cNvSpPr txBox="1"/>
+              <p:cNvCxnSpPr>
+                <a:cxnSpLocks/>
+                <a:endCxn id="16" idx="1"/>
+              </p:cNvCxnSpPr>
               <p:nvPr/>
-            </p:nvSpPr>
+            </p:nvCxnSpPr>
             <p:spPr>
-              <a:xfrm>
-                <a:off x="3339497" y="3725970"/>
-                <a:ext cx="1322832" cy="369332"/>
+              <a:xfrm flipV="1">
+                <a:off x="4612883" y="2119188"/>
+                <a:ext cx="2916604" cy="888258"/>
               </a:xfrm>
-              <a:prstGeom prst="rect">
+              <a:prstGeom prst="straightConnector1">
                 <a:avLst/>
               </a:prstGeom>
-              <a:noFill/>
+              <a:ln w="19050">
+                <a:solidFill>
+                  <a:srgbClr val="C00000"/>
+                </a:solidFill>
+                <a:tailEnd type="triangle" w="lg" len="lg"/>
+              </a:ln>
             </p:spPr>
-            <p:txBody>
-              <a:bodyPr wrap="square" rtlCol="0">
-                <a:spAutoFit/>
-              </a:bodyPr>
-              <a:lstStyle/>
-              <a:p>
-                <a:pPr algn="ctr"/>
-                <a:r>
-                  <a:rPr lang="en-US" altLang="zh-CN" dirty="0" err="1">
-                    <a:latin typeface="Times New Roman" panose="02020603050405020304" pitchFamily="18" charset="0"/>
-                    <a:cs typeface="Times New Roman" panose="02020603050405020304" pitchFamily="18" charset="0"/>
-                  </a:rPr>
-                  <a:t>Nullspace</a:t>
-                </a:r>
-                <a:endParaRPr lang="zh-CN" altLang="en-US" dirty="0">
-                  <a:latin typeface="Times New Roman" panose="02020603050405020304" pitchFamily="18" charset="0"/>
-                  <a:cs typeface="Times New Roman" panose="02020603050405020304" pitchFamily="18" charset="0"/>
-                </a:endParaRPr>
-              </a:p>
-            </p:txBody>
-          </p:sp>
-          <mc:AlternateContent xmlns:mc="http://schemas.openxmlformats.org/markup-compatibility/2006">
-            <mc:Choice xmlns:a14="http://schemas.microsoft.com/office/drawing/2010/main" Requires="a14">
+            <p:style>
+              <a:lnRef idx="1">
+                <a:schemeClr val="accent1"/>
+              </a:lnRef>
+              <a:fillRef idx="0">
+                <a:schemeClr val="accent1"/>
+              </a:fillRef>
+              <a:effectRef idx="0">
+                <a:schemeClr val="accent1"/>
+              </a:effectRef>
+              <a:fontRef idx="minor">
+                <a:schemeClr val="tx1"/>
+              </a:fontRef>
+            </p:style>
+          </p:cxnSp>
+          <mc:AlternateContent xmlns:mc="http://schemas.openxmlformats.org/markup-compatibility/2006" xmlns:a14="http://schemas.microsoft.com/office/drawing/2010/main">
+            <mc:Choice Requires="a14">
               <p:sp>
                 <p:nvSpPr>
-                  <p:cNvPr id="14" name="文本框 13">
+                  <p:cNvPr id="30" name="文本框 29">
                     <a:extLst>
                       <a:ext uri="{FF2B5EF4-FFF2-40B4-BE49-F238E27FC236}">
-                        <a16:creationId xmlns:a16="http://schemas.microsoft.com/office/drawing/2014/main" id="{0EF7E863-6159-4258-93E5-EAE4AB749F85}"/>
+                        <a16:creationId xmlns:a16="http://schemas.microsoft.com/office/drawing/2014/main" id="{D7F9CD67-AC56-44E5-85D2-0C15DC8451A7}"/>
                       </a:ext>
                     </a:extLst>
                   </p:cNvPr>
@@ -4062,8 +5784,8 @@
                 </p:nvSpPr>
                 <p:spPr>
                   <a:xfrm>
-                    <a:off x="3136076" y="1865802"/>
-                    <a:ext cx="1322832" cy="369332"/>
+                    <a:off x="4720978" y="2957532"/>
+                    <a:ext cx="1437191" cy="369332"/>
                   </a:xfrm>
                   <a:prstGeom prst="rect">
                     <a:avLst/>
@@ -4083,45 +5805,87 @@
                           <m:jc m:val="centerGroup"/>
                         </m:oMathParaPr>
                         <m:oMath xmlns:m="http://schemas.openxmlformats.org/officeDocument/2006/math">
-                          <m:sSup>
-                            <m:sSupPr>
+                          <m:r>
+                            <a:rPr lang="en-US" altLang="zh-CN" b="1" i="1" smtClean="0">
+                              <a:latin typeface="Cambria Math" panose="02040503050406030204" pitchFamily="18" charset="0"/>
+                              <a:cs typeface="Times New Roman" panose="02020603050405020304" pitchFamily="18" charset="0"/>
+                            </a:rPr>
+                            <m:t>𝒙</m:t>
+                          </m:r>
+                          <m:r>
+                            <a:rPr lang="en-US" altLang="zh-CN" b="1" i="1" smtClean="0">
+                              <a:latin typeface="Cambria Math" panose="02040503050406030204" pitchFamily="18" charset="0"/>
+                              <a:cs typeface="Times New Roman" panose="02020603050405020304" pitchFamily="18" charset="0"/>
+                            </a:rPr>
+                            <m:t>=</m:t>
+                          </m:r>
+                          <m:sSub>
+                            <m:sSubPr>
                               <m:ctrlPr>
-                                <a:rPr lang="en-US" altLang="zh-CN" i="1" smtClean="0">
+                                <a:rPr lang="en-US" altLang="zh-CN" b="1" i="1" smtClean="0">
                                   <a:latin typeface="Cambria Math" panose="02040503050406030204" pitchFamily="18" charset="0"/>
                                   <a:cs typeface="Times New Roman" panose="02020603050405020304" pitchFamily="18" charset="0"/>
                                 </a:rPr>
                               </m:ctrlPr>
-                            </m:sSupPr>
+                            </m:sSubPr>
+                            <m:e>
+                              <m:r>
+                                <a:rPr lang="en-US" altLang="zh-CN" b="1" i="1">
+                                  <a:latin typeface="Cambria Math" panose="02040503050406030204" pitchFamily="18" charset="0"/>
+                                  <a:cs typeface="Times New Roman" panose="02020603050405020304" pitchFamily="18" charset="0"/>
+                                </a:rPr>
+                                <m:t>𝒙</m:t>
+                              </m:r>
+                            </m:e>
+                            <m:sub>
+                              <m:r>
+                                <a:rPr lang="en-US" altLang="zh-CN" i="1">
+                                  <a:latin typeface="Cambria Math" panose="02040503050406030204" pitchFamily="18" charset="0"/>
+                                  <a:cs typeface="Times New Roman" panose="02020603050405020304" pitchFamily="18" charset="0"/>
+                                </a:rPr>
+                                <m:t>𝑟</m:t>
+                              </m:r>
+                            </m:sub>
+                          </m:sSub>
+                          <m:r>
+                            <a:rPr lang="en-US" altLang="zh-CN" b="1" i="1" smtClean="0">
+                              <a:latin typeface="Cambria Math" panose="02040503050406030204" pitchFamily="18" charset="0"/>
+                              <a:cs typeface="Times New Roman" panose="02020603050405020304" pitchFamily="18" charset="0"/>
+                            </a:rPr>
+                            <m:t>+</m:t>
+                          </m:r>
+                          <m:sSub>
+                            <m:sSubPr>
+                              <m:ctrlPr>
+                                <a:rPr lang="en-US" altLang="zh-CN" b="1" i="1" smtClean="0">
+                                  <a:latin typeface="Cambria Math" panose="02040503050406030204" pitchFamily="18" charset="0"/>
+                                  <a:cs typeface="Times New Roman" panose="02020603050405020304" pitchFamily="18" charset="0"/>
+                                </a:rPr>
+                              </m:ctrlPr>
+                            </m:sSubPr>
                             <m:e>
                               <m:r>
                                 <a:rPr lang="en-US" altLang="zh-CN" b="1" i="1" smtClean="0">
                                   <a:latin typeface="Cambria Math" panose="02040503050406030204" pitchFamily="18" charset="0"/>
                                   <a:cs typeface="Times New Roman" panose="02020603050405020304" pitchFamily="18" charset="0"/>
                                 </a:rPr>
-                                <m:t>𝑨</m:t>
+                                <m:t>𝒙</m:t>
                               </m:r>
                             </m:e>
-                            <m:sup>
+                            <m:sub>
                               <m:r>
                                 <a:rPr lang="en-US" altLang="zh-CN" b="0" i="1" smtClean="0">
                                   <a:latin typeface="Cambria Math" panose="02040503050406030204" pitchFamily="18" charset="0"/>
                                   <a:cs typeface="Times New Roman" panose="02020603050405020304" pitchFamily="18" charset="0"/>
                                 </a:rPr>
-                                <m:t>𝑇</m:t>
+                                <m:t>𝑛</m:t>
                               </m:r>
-                            </m:sup>
-                          </m:sSup>
-                          <m:r>
-                            <a:rPr lang="en-US" altLang="zh-CN" b="1" i="1" smtClean="0">
-                              <a:latin typeface="Cambria Math" panose="02040503050406030204" pitchFamily="18" charset="0"/>
-                              <a:cs typeface="Times New Roman" panose="02020603050405020304" pitchFamily="18" charset="0"/>
-                            </a:rPr>
-                            <m:t>𝒚</m:t>
-                          </m:r>
+                            </m:sub>
+                          </m:sSub>
                         </m:oMath>
                       </m:oMathPara>
                     </a14:m>
-                    <a:endParaRPr lang="zh-CN" altLang="en-US" dirty="0">
+                    <a:endParaRPr lang="zh-CN" altLang="en-US" b="1" dirty="0">
                       <a:latin typeface="Times New Roman" panose="02020603050405020304" pitchFamily="18" charset="0"/>
                       <a:cs typeface="Times New Roman" panose="02020603050405020304" pitchFamily="18" charset="0"/>
                     </a:endParaRPr>
@@ -4129,13 +5893,13 @@
                 </p:txBody>
               </p:sp>
             </mc:Choice>
-            <mc:Fallback>
+            <mc:Fallback xmlns="">
               <p:sp>
                 <p:nvSpPr>
-                  <p:cNvPr id="14" name="文本框 13">
+                  <p:cNvPr id="30" name="文本框 29">
                     <a:extLst>
                       <a:ext uri="{FF2B5EF4-FFF2-40B4-BE49-F238E27FC236}">
-                        <a16:creationId xmlns:a16="http://schemas.microsoft.com/office/drawing/2014/main" id="{0EF7E863-6159-4258-93E5-EAE4AB749F85}"/>
+                        <a16:creationId xmlns:a16="http://schemas.microsoft.com/office/drawing/2014/main" id="{D7F9CD67-AC56-44E5-85D2-0C15DC8451A7}"/>
                       </a:ext>
                     </a:extLst>
                   </p:cNvPr>
@@ -4146,16 +5910,16 @@
                 </p:nvSpPr>
                 <p:spPr>
                   <a:xfrm>
-                    <a:off x="3136076" y="1865802"/>
-                    <a:ext cx="1322832" cy="369332"/>
+                    <a:off x="4720978" y="2957532"/>
+                    <a:ext cx="1437191" cy="369332"/>
                   </a:xfrm>
                   <a:prstGeom prst="rect">
                     <a:avLst/>
                   </a:prstGeom>
                   <a:blipFill>
-                    <a:blip r:embed="rId2"/>
+                    <a:blip r:embed="rId12"/>
                     <a:stretch>
-                      <a:fillRect b="-8333"/>
+                      <a:fillRect/>
                     </a:stretch>
                   </a:blipFill>
                 </p:spPr>
@@ -4174,14 +5938,59 @@
               </p:sp>
             </mc:Fallback>
           </mc:AlternateContent>
-          <mc:AlternateContent xmlns:mc="http://schemas.openxmlformats.org/markup-compatibility/2006">
-            <mc:Choice xmlns:a14="http://schemas.microsoft.com/office/drawing/2010/main" Requires="a14">
+          <p:cxnSp>
+            <p:nvCxnSpPr>
+              <p:cNvPr id="3" name="直接箭头连接符 2">
+                <a:extLst>
+                  <a:ext uri="{FF2B5EF4-FFF2-40B4-BE49-F238E27FC236}">
+                    <a16:creationId xmlns:a16="http://schemas.microsoft.com/office/drawing/2014/main" id="{6C081B57-D65C-4EEF-8315-AB16D0179DFE}"/>
+                  </a:ext>
+                </a:extLst>
+              </p:cNvPr>
+              <p:cNvCxnSpPr>
+                <a:cxnSpLocks/>
+                <a:endCxn id="16" idx="1"/>
+              </p:cNvCxnSpPr>
+              <p:nvPr/>
+            </p:nvCxnSpPr>
+            <p:spPr>
+              <a:xfrm flipV="1">
+                <a:off x="3849882" y="2119188"/>
+                <a:ext cx="3679605" cy="74323"/>
+              </a:xfrm>
+              <a:prstGeom prst="straightConnector1">
+                <a:avLst/>
+              </a:prstGeom>
+              <a:ln w="19050">
+                <a:solidFill>
+                  <a:srgbClr val="C00000"/>
+                </a:solidFill>
+                <a:tailEnd type="triangle" w="lg" len="lg"/>
+              </a:ln>
+            </p:spPr>
+            <p:style>
+              <a:lnRef idx="1">
+                <a:schemeClr val="accent1"/>
+              </a:lnRef>
+              <a:fillRef idx="0">
+                <a:schemeClr val="accent1"/>
+              </a:fillRef>
+              <a:effectRef idx="0">
+                <a:schemeClr val="accent1"/>
+              </a:effectRef>
+              <a:fontRef idx="minor">
+                <a:schemeClr val="tx1"/>
+              </a:fontRef>
+            </p:style>
+          </p:cxnSp>
+          <mc:AlternateContent xmlns:mc="http://schemas.openxmlformats.org/markup-compatibility/2006" xmlns:a14="http://schemas.microsoft.com/office/drawing/2010/main">
+            <mc:Choice Requires="a14">
               <p:sp>
                 <p:nvSpPr>
-                  <p:cNvPr id="15" name="文本框 14">
+                  <p:cNvPr id="29" name="文本框 28">
                     <a:extLst>
                       <a:ext uri="{FF2B5EF4-FFF2-40B4-BE49-F238E27FC236}">
-                        <a16:creationId xmlns:a16="http://schemas.microsoft.com/office/drawing/2014/main" id="{BC7B9BC3-10EF-4F6E-BCC1-B54A2781B5CC}"/>
+                        <a16:creationId xmlns:a16="http://schemas.microsoft.com/office/drawing/2014/main" id="{C366A0DC-9E2B-4261-A3BC-51F7A25314C5}"/>
                       </a:ext>
                     </a:extLst>
                   </p:cNvPr>
@@ -4190,7 +5999,7 @@
                 </p:nvSpPr>
                 <p:spPr>
                   <a:xfrm>
-                    <a:off x="3960420" y="4525149"/>
+                    <a:off x="5022900" y="1764580"/>
                     <a:ext cx="1322832" cy="369332"/>
                   </a:xfrm>
                   <a:prstGeom prst="rect">
@@ -4216,10 +6025,38 @@
                               <a:latin typeface="Cambria Math" panose="02040503050406030204" pitchFamily="18" charset="0"/>
                               <a:cs typeface="Times New Roman" panose="02020603050405020304" pitchFamily="18" charset="0"/>
                             </a:rPr>
-                            <m:t>𝑨𝒙</m:t>
+                            <m:t>𝑨</m:t>
                           </m:r>
+                          <m:sSub>
+                            <m:sSubPr>
+                              <m:ctrlPr>
+                                <a:rPr lang="en-US" altLang="zh-CN" b="1" i="1" smtClean="0">
+                                  <a:latin typeface="Cambria Math" panose="02040503050406030204" pitchFamily="18" charset="0"/>
+                                  <a:cs typeface="Times New Roman" panose="02020603050405020304" pitchFamily="18" charset="0"/>
+                                </a:rPr>
+                              </m:ctrlPr>
+                            </m:sSubPr>
+                            <m:e>
+                              <m:r>
+                                <a:rPr lang="en-US" altLang="zh-CN" b="1" i="1" smtClean="0">
+                                  <a:latin typeface="Cambria Math" panose="02040503050406030204" pitchFamily="18" charset="0"/>
+                                  <a:cs typeface="Times New Roman" panose="02020603050405020304" pitchFamily="18" charset="0"/>
+                                </a:rPr>
+                                <m:t>𝒙</m:t>
+                              </m:r>
+                            </m:e>
+                            <m:sub>
+                              <m:r>
+                                <a:rPr lang="en-US" altLang="zh-CN" b="0" i="1" smtClean="0">
+                                  <a:latin typeface="Cambria Math" panose="02040503050406030204" pitchFamily="18" charset="0"/>
+                                  <a:cs typeface="Times New Roman" panose="02020603050405020304" pitchFamily="18" charset="0"/>
+                                </a:rPr>
+                                <m:t>𝑟</m:t>
+                              </m:r>
+                            </m:sub>
+                          </m:sSub>
                           <m:r>
-                            <a:rPr lang="en-US" altLang="zh-CN" b="0" i="1" smtClean="0">
+                            <a:rPr lang="en-US" altLang="zh-CN" b="1" i="1" smtClean="0">
                               <a:latin typeface="Cambria Math" panose="02040503050406030204" pitchFamily="18" charset="0"/>
                               <a:cs typeface="Times New Roman" panose="02020603050405020304" pitchFamily="18" charset="0"/>
                             </a:rPr>
@@ -4230,7 +6067,7 @@
                               <a:latin typeface="Cambria Math" panose="02040503050406030204" pitchFamily="18" charset="0"/>
                               <a:cs typeface="Times New Roman" panose="02020603050405020304" pitchFamily="18" charset="0"/>
                             </a:rPr>
-                            <m:t>𝟎</m:t>
+                            <m:t>𝒃</m:t>
                           </m:r>
                         </m:oMath>
                       </m:oMathPara>
@@ -4243,13 +6080,13 @@
                 </p:txBody>
               </p:sp>
             </mc:Choice>
-            <mc:Fallback>
+            <mc:Fallback xmlns="">
               <p:sp>
                 <p:nvSpPr>
-                  <p:cNvPr id="15" name="文本框 14">
+                  <p:cNvPr id="29" name="文本框 28">
                     <a:extLst>
                       <a:ext uri="{FF2B5EF4-FFF2-40B4-BE49-F238E27FC236}">
-                        <a16:creationId xmlns:a16="http://schemas.microsoft.com/office/drawing/2014/main" id="{BC7B9BC3-10EF-4F6E-BCC1-B54A2781B5CC}"/>
+                        <a16:creationId xmlns:a16="http://schemas.microsoft.com/office/drawing/2014/main" id="{C366A0DC-9E2B-4261-A3BC-51F7A25314C5}"/>
                       </a:ext>
                     </a:extLst>
                   </p:cNvPr>
@@ -4260,14 +6097,14 @@
                 </p:nvSpPr>
                 <p:spPr>
                   <a:xfrm>
-                    <a:off x="3960420" y="4525149"/>
+                    <a:off x="5022900" y="1764580"/>
                     <a:ext cx="1322832" cy="369332"/>
                   </a:xfrm>
                   <a:prstGeom prst="rect">
                     <a:avLst/>
                   </a:prstGeom>
                   <a:blipFill>
-                    <a:blip r:embed="rId3"/>
+                    <a:blip r:embed="rId13"/>
                     <a:stretch>
                       <a:fillRect/>
                     </a:stretch>
@@ -4292,10 +6129,10 @@
             <mc:Choice Requires="a14">
               <p:sp>
                 <p:nvSpPr>
-                  <p:cNvPr id="18" name="文本框 17">
+                  <p:cNvPr id="32" name="文本框 31">
                     <a:extLst>
                       <a:ext uri="{FF2B5EF4-FFF2-40B4-BE49-F238E27FC236}">
-                        <a16:creationId xmlns:a16="http://schemas.microsoft.com/office/drawing/2014/main" id="{40DA6490-3C4C-44D1-9495-66323E8BE152}"/>
+                        <a16:creationId xmlns:a16="http://schemas.microsoft.com/office/drawing/2014/main" id="{6888B957-D61D-4613-9071-CFECD45579DE}"/>
                       </a:ext>
                     </a:extLst>
                   </p:cNvPr>
@@ -4304,8 +6141,477 @@
                 </p:nvSpPr>
                 <p:spPr>
                   <a:xfrm>
-                    <a:off x="2519918" y="880286"/>
-                    <a:ext cx="1322832" cy="646331"/>
+                    <a:off x="3426499" y="2011818"/>
+                    <a:ext cx="384048" cy="369332"/>
+                  </a:xfrm>
+                  <a:prstGeom prst="rect">
+                    <a:avLst/>
+                  </a:prstGeom>
+                  <a:noFill/>
+                </p:spPr>
+                <p:txBody>
+                  <a:bodyPr wrap="square">
+                    <a:spAutoFit/>
+                  </a:bodyPr>
+                  <a:lstStyle/>
+                  <a:p>
+                    <a:pPr/>
+                    <a14:m>
+                      <m:oMathPara xmlns:m="http://schemas.openxmlformats.org/officeDocument/2006/math">
+                        <m:oMathParaPr>
+                          <m:jc m:val="centerGroup"/>
+                        </m:oMathParaPr>
+                        <m:oMath xmlns:m="http://schemas.openxmlformats.org/officeDocument/2006/math">
+                          <m:sSub>
+                            <m:sSubPr>
+                              <m:ctrlPr>
+                                <a:rPr lang="en-US" altLang="zh-CN" b="1" i="1" smtClean="0">
+                                  <a:latin typeface="Cambria Math" panose="02040503050406030204" pitchFamily="18" charset="0"/>
+                                  <a:cs typeface="Times New Roman" panose="02020603050405020304" pitchFamily="18" charset="0"/>
+                                </a:rPr>
+                              </m:ctrlPr>
+                            </m:sSubPr>
+                            <m:e>
+                              <m:r>
+                                <a:rPr lang="en-US" altLang="zh-CN" b="1" i="1" smtClean="0">
+                                  <a:latin typeface="Cambria Math" panose="02040503050406030204" pitchFamily="18" charset="0"/>
+                                  <a:cs typeface="Times New Roman" panose="02020603050405020304" pitchFamily="18" charset="0"/>
+                                </a:rPr>
+                                <m:t>𝒙</m:t>
+                              </m:r>
+                            </m:e>
+                            <m:sub>
+                              <m:r>
+                                <a:rPr lang="en-US" altLang="zh-CN" b="0" i="1" smtClean="0">
+                                  <a:latin typeface="Cambria Math" panose="02040503050406030204" pitchFamily="18" charset="0"/>
+                                  <a:cs typeface="Times New Roman" panose="02020603050405020304" pitchFamily="18" charset="0"/>
+                                </a:rPr>
+                                <m:t>𝑟</m:t>
+                              </m:r>
+                            </m:sub>
+                          </m:sSub>
+                        </m:oMath>
+                      </m:oMathPara>
+                    </a14:m>
+                    <a:endParaRPr lang="zh-CN" altLang="en-US" dirty="0"/>
+                  </a:p>
+                </p:txBody>
+              </p:sp>
+            </mc:Choice>
+            <mc:Fallback xmlns="">
+              <p:sp>
+                <p:nvSpPr>
+                  <p:cNvPr id="32" name="文本框 31">
+                    <a:extLst>
+                      <a:ext uri="{FF2B5EF4-FFF2-40B4-BE49-F238E27FC236}">
+                        <a16:creationId xmlns:a16="http://schemas.microsoft.com/office/drawing/2014/main" id="{6888B957-D61D-4613-9071-CFECD45579DE}"/>
+                      </a:ext>
+                    </a:extLst>
+                  </p:cNvPr>
+                  <p:cNvSpPr txBox="1">
+                    <a:spLocks noRot="1" noChangeAspect="1" noMove="1" noResize="1" noEditPoints="1" noAdjustHandles="1" noChangeArrowheads="1" noChangeShapeType="1" noTextEdit="1"/>
+                  </p:cNvSpPr>
+                  <p:nvPr/>
+                </p:nvSpPr>
+                <p:spPr>
+                  <a:xfrm>
+                    <a:off x="3426499" y="2011818"/>
+                    <a:ext cx="384048" cy="369332"/>
+                  </a:xfrm>
+                  <a:prstGeom prst="rect">
+                    <a:avLst/>
+                  </a:prstGeom>
+                  <a:blipFill>
+                    <a:blip r:embed="rId14"/>
+                    <a:stretch>
+                      <a:fillRect/>
+                    </a:stretch>
+                  </a:blipFill>
+                </p:spPr>
+                <p:txBody>
+                  <a:bodyPr/>
+                  <a:lstStyle/>
+                  <a:p>
+                    <a:r>
+                      <a:rPr lang="zh-CN" altLang="en-US">
+                        <a:noFill/>
+                      </a:rPr>
+                      <a:t> </a:t>
+                    </a:r>
+                  </a:p>
+                </p:txBody>
+              </p:sp>
+            </mc:Fallback>
+          </mc:AlternateContent>
+          <mc:AlternateContent xmlns:mc="http://schemas.openxmlformats.org/markup-compatibility/2006" xmlns:a14="http://schemas.microsoft.com/office/drawing/2010/main">
+            <mc:Choice Requires="a14">
+              <p:sp>
+                <p:nvSpPr>
+                  <p:cNvPr id="34" name="文本框 33">
+                    <a:extLst>
+                      <a:ext uri="{FF2B5EF4-FFF2-40B4-BE49-F238E27FC236}">
+                        <a16:creationId xmlns:a16="http://schemas.microsoft.com/office/drawing/2014/main" id="{F23C545C-E17B-4548-953B-24C8CF01ABF9}"/>
+                      </a:ext>
+                    </a:extLst>
+                  </p:cNvPr>
+                  <p:cNvSpPr txBox="1"/>
+                  <p:nvPr/>
+                </p:nvSpPr>
+                <p:spPr>
+                  <a:xfrm>
+                    <a:off x="7467914" y="1867430"/>
+                    <a:ext cx="384048" cy="369332"/>
+                  </a:xfrm>
+                  <a:prstGeom prst="rect">
+                    <a:avLst/>
+                  </a:prstGeom>
+                  <a:noFill/>
+                </p:spPr>
+                <p:txBody>
+                  <a:bodyPr wrap="square">
+                    <a:spAutoFit/>
+                  </a:bodyPr>
+                  <a:lstStyle/>
+                  <a:p>
+                    <a:pPr/>
+                    <a14:m>
+                      <m:oMathPara xmlns:m="http://schemas.openxmlformats.org/officeDocument/2006/math">
+                        <m:oMathParaPr>
+                          <m:jc m:val="centerGroup"/>
+                        </m:oMathParaPr>
+                        <m:oMath xmlns:m="http://schemas.openxmlformats.org/officeDocument/2006/math">
+                          <m:r>
+                            <a:rPr lang="en-US" altLang="zh-CN" b="0" i="1" smtClean="0">
+                              <a:latin typeface="Cambria Math" panose="02040503050406030204" pitchFamily="18" charset="0"/>
+                              <a:cs typeface="Times New Roman" panose="02020603050405020304" pitchFamily="18" charset="0"/>
+                            </a:rPr>
+                            <m:t>𝑏</m:t>
+                          </m:r>
+                        </m:oMath>
+                      </m:oMathPara>
+                    </a14:m>
+                    <a:endParaRPr lang="zh-CN" altLang="en-US" dirty="0"/>
+                  </a:p>
+                </p:txBody>
+              </p:sp>
+            </mc:Choice>
+            <mc:Fallback xmlns="">
+              <p:sp>
+                <p:nvSpPr>
+                  <p:cNvPr id="34" name="文本框 33">
+                    <a:extLst>
+                      <a:ext uri="{FF2B5EF4-FFF2-40B4-BE49-F238E27FC236}">
+                        <a16:creationId xmlns:a16="http://schemas.microsoft.com/office/drawing/2014/main" id="{F23C545C-E17B-4548-953B-24C8CF01ABF9}"/>
+                      </a:ext>
+                    </a:extLst>
+                  </p:cNvPr>
+                  <p:cNvSpPr txBox="1">
+                    <a:spLocks noRot="1" noChangeAspect="1" noMove="1" noResize="1" noEditPoints="1" noAdjustHandles="1" noChangeArrowheads="1" noChangeShapeType="1" noTextEdit="1"/>
+                  </p:cNvSpPr>
+                  <p:nvPr/>
+                </p:nvSpPr>
+                <p:spPr>
+                  <a:xfrm>
+                    <a:off x="7467914" y="1867430"/>
+                    <a:ext cx="384048" cy="369332"/>
+                  </a:xfrm>
+                  <a:prstGeom prst="rect">
+                    <a:avLst/>
+                  </a:prstGeom>
+                  <a:blipFill>
+                    <a:blip r:embed="rId15"/>
+                    <a:stretch>
+                      <a:fillRect/>
+                    </a:stretch>
+                  </a:blipFill>
+                </p:spPr>
+                <p:txBody>
+                  <a:bodyPr/>
+                  <a:lstStyle/>
+                  <a:p>
+                    <a:r>
+                      <a:rPr lang="zh-CN" altLang="en-US">
+                        <a:noFill/>
+                      </a:rPr>
+                      <a:t> </a:t>
+                    </a:r>
+                  </a:p>
+                </p:txBody>
+              </p:sp>
+            </mc:Fallback>
+          </mc:AlternateContent>
+          <p:cxnSp>
+            <p:nvCxnSpPr>
+              <p:cNvPr id="40" name="直接箭头连接符 39">
+                <a:extLst>
+                  <a:ext uri="{FF2B5EF4-FFF2-40B4-BE49-F238E27FC236}">
+                    <a16:creationId xmlns:a16="http://schemas.microsoft.com/office/drawing/2014/main" id="{06F25198-FAD5-421E-9FAC-63EDC702E4FB}"/>
+                  </a:ext>
+                </a:extLst>
+              </p:cNvPr>
+              <p:cNvCxnSpPr>
+                <a:cxnSpLocks/>
+              </p:cNvCxnSpPr>
+              <p:nvPr/>
+            </p:nvCxnSpPr>
+            <p:spPr>
+              <a:xfrm>
+                <a:off x="3818893" y="2196484"/>
+                <a:ext cx="793990" cy="813817"/>
+              </a:xfrm>
+              <a:prstGeom prst="straightConnector1">
+                <a:avLst/>
+              </a:prstGeom>
+              <a:ln w="19050">
+                <a:solidFill>
+                  <a:srgbClr val="C00000"/>
+                </a:solidFill>
+                <a:prstDash val="dash"/>
+                <a:tailEnd type="triangle" w="lg" len="lg"/>
+              </a:ln>
+            </p:spPr>
+            <p:style>
+              <a:lnRef idx="1">
+                <a:schemeClr val="accent1"/>
+              </a:lnRef>
+              <a:fillRef idx="0">
+                <a:schemeClr val="accent1"/>
+              </a:fillRef>
+              <a:effectRef idx="0">
+                <a:schemeClr val="accent1"/>
+              </a:effectRef>
+              <a:fontRef idx="minor">
+                <a:schemeClr val="tx1"/>
+              </a:fontRef>
+            </p:style>
+          </p:cxnSp>
+          <p:cxnSp>
+            <p:nvCxnSpPr>
+              <p:cNvPr id="43" name="直接箭头连接符 42">
+                <a:extLst>
+                  <a:ext uri="{FF2B5EF4-FFF2-40B4-BE49-F238E27FC236}">
+                    <a16:creationId xmlns:a16="http://schemas.microsoft.com/office/drawing/2014/main" id="{C4D40FF7-D15F-423B-8684-94240646B667}"/>
+                  </a:ext>
+                </a:extLst>
+              </p:cNvPr>
+              <p:cNvCxnSpPr>
+                <a:cxnSpLocks/>
+                <a:stCxn id="46" idx="0"/>
+              </p:cNvCxnSpPr>
+              <p:nvPr/>
+            </p:nvCxnSpPr>
+            <p:spPr>
+              <a:xfrm flipV="1">
+                <a:off x="4159742" y="3018410"/>
+                <a:ext cx="453141" cy="994807"/>
+              </a:xfrm>
+              <a:prstGeom prst="straightConnector1">
+                <a:avLst/>
+              </a:prstGeom>
+              <a:ln w="19050">
+                <a:solidFill>
+                  <a:srgbClr val="C00000"/>
+                </a:solidFill>
+                <a:prstDash val="dash"/>
+                <a:tailEnd type="triangle" w="lg" len="lg"/>
+              </a:ln>
+            </p:spPr>
+            <p:style>
+              <a:lnRef idx="1">
+                <a:schemeClr val="accent1"/>
+              </a:lnRef>
+              <a:fillRef idx="0">
+                <a:schemeClr val="accent1"/>
+              </a:fillRef>
+              <a:effectRef idx="0">
+                <a:schemeClr val="accent1"/>
+              </a:effectRef>
+              <a:fontRef idx="minor">
+                <a:schemeClr val="tx1"/>
+              </a:fontRef>
+            </p:style>
+          </p:cxnSp>
+          <mc:AlternateContent xmlns:mc="http://schemas.openxmlformats.org/markup-compatibility/2006" xmlns:a14="http://schemas.microsoft.com/office/drawing/2010/main">
+            <mc:Choice Requires="a14">
+              <p:sp>
+                <p:nvSpPr>
+                  <p:cNvPr id="46" name="文本框 45">
+                    <a:extLst>
+                      <a:ext uri="{FF2B5EF4-FFF2-40B4-BE49-F238E27FC236}">
+                        <a16:creationId xmlns:a16="http://schemas.microsoft.com/office/drawing/2014/main" id="{00ABE643-4E10-4EB2-BF02-A88AEB4C7F97}"/>
+                      </a:ext>
+                    </a:extLst>
+                  </p:cNvPr>
+                  <p:cNvSpPr txBox="1"/>
+                  <p:nvPr/>
+                </p:nvSpPr>
+                <p:spPr>
+                  <a:xfrm>
+                    <a:off x="3947782" y="4013217"/>
+                    <a:ext cx="423919" cy="369332"/>
+                  </a:xfrm>
+                  <a:prstGeom prst="rect">
+                    <a:avLst/>
+                  </a:prstGeom>
+                  <a:noFill/>
+                </p:spPr>
+                <p:txBody>
+                  <a:bodyPr wrap="square">
+                    <a:spAutoFit/>
+                  </a:bodyPr>
+                  <a:lstStyle/>
+                  <a:p>
+                    <a:pPr/>
+                    <a14:m>
+                      <m:oMathPara xmlns:m="http://schemas.openxmlformats.org/officeDocument/2006/math">
+                        <m:oMathParaPr>
+                          <m:jc m:val="centerGroup"/>
+                        </m:oMathParaPr>
+                        <m:oMath xmlns:m="http://schemas.openxmlformats.org/officeDocument/2006/math">
+                          <m:sSub>
+                            <m:sSubPr>
+                              <m:ctrlPr>
+                                <a:rPr lang="en-US" altLang="zh-CN" b="1" i="1" smtClean="0">
+                                  <a:latin typeface="Cambria Math" panose="02040503050406030204" pitchFamily="18" charset="0"/>
+                                  <a:cs typeface="Times New Roman" panose="02020603050405020304" pitchFamily="18" charset="0"/>
+                                </a:rPr>
+                              </m:ctrlPr>
+                            </m:sSubPr>
+                            <m:e>
+                              <m:r>
+                                <a:rPr lang="en-US" altLang="zh-CN" b="1" i="1" smtClean="0">
+                                  <a:latin typeface="Cambria Math" panose="02040503050406030204" pitchFamily="18" charset="0"/>
+                                  <a:cs typeface="Times New Roman" panose="02020603050405020304" pitchFamily="18" charset="0"/>
+                                </a:rPr>
+                                <m:t>𝒙</m:t>
+                              </m:r>
+                            </m:e>
+                            <m:sub>
+                              <m:r>
+                                <a:rPr lang="en-US" altLang="zh-CN" b="0" i="1" smtClean="0">
+                                  <a:latin typeface="Cambria Math" panose="02040503050406030204" pitchFamily="18" charset="0"/>
+                                  <a:cs typeface="Times New Roman" panose="02020603050405020304" pitchFamily="18" charset="0"/>
+                                </a:rPr>
+                                <m:t>𝑛</m:t>
+                              </m:r>
+                            </m:sub>
+                          </m:sSub>
+                        </m:oMath>
+                      </m:oMathPara>
+                    </a14:m>
+                    <a:endParaRPr lang="zh-CN" altLang="en-US" dirty="0"/>
+                  </a:p>
+                </p:txBody>
+              </p:sp>
+            </mc:Choice>
+            <mc:Fallback xmlns="">
+              <p:sp>
+                <p:nvSpPr>
+                  <p:cNvPr id="46" name="文本框 45">
+                    <a:extLst>
+                      <a:ext uri="{FF2B5EF4-FFF2-40B4-BE49-F238E27FC236}">
+                        <a16:creationId xmlns:a16="http://schemas.microsoft.com/office/drawing/2014/main" id="{00ABE643-4E10-4EB2-BF02-A88AEB4C7F97}"/>
+                      </a:ext>
+                    </a:extLst>
+                  </p:cNvPr>
+                  <p:cNvSpPr txBox="1">
+                    <a:spLocks noRot="1" noChangeAspect="1" noMove="1" noResize="1" noEditPoints="1" noAdjustHandles="1" noChangeArrowheads="1" noChangeShapeType="1" noTextEdit="1"/>
+                  </p:cNvSpPr>
+                  <p:nvPr/>
+                </p:nvSpPr>
+                <p:spPr>
+                  <a:xfrm>
+                    <a:off x="3947782" y="4013217"/>
+                    <a:ext cx="423919" cy="369332"/>
+                  </a:xfrm>
+                  <a:prstGeom prst="rect">
+                    <a:avLst/>
+                  </a:prstGeom>
+                  <a:blipFill>
+                    <a:blip r:embed="rId16"/>
+                    <a:stretch>
+                      <a:fillRect/>
+                    </a:stretch>
+                  </a:blipFill>
+                </p:spPr>
+                <p:txBody>
+                  <a:bodyPr/>
+                  <a:lstStyle/>
+                  <a:p>
+                    <a:r>
+                      <a:rPr lang="zh-CN" altLang="en-US">
+                        <a:noFill/>
+                      </a:rPr>
+                      <a:t> </a:t>
+                    </a:r>
+                  </a:p>
+                </p:txBody>
+              </p:sp>
+            </mc:Fallback>
+          </mc:AlternateContent>
+          <p:cxnSp>
+            <p:nvCxnSpPr>
+              <p:cNvPr id="48" name="直接箭头连接符 47">
+                <a:extLst>
+                  <a:ext uri="{FF2B5EF4-FFF2-40B4-BE49-F238E27FC236}">
+                    <a16:creationId xmlns:a16="http://schemas.microsoft.com/office/drawing/2014/main" id="{187740DE-02D1-4FDB-BFBC-939421E2BD09}"/>
+                  </a:ext>
+                </a:extLst>
+              </p:cNvPr>
+              <p:cNvCxnSpPr>
+                <a:cxnSpLocks/>
+                <a:stCxn id="46" idx="0"/>
+              </p:cNvCxnSpPr>
+              <p:nvPr/>
+            </p:nvCxnSpPr>
+            <p:spPr>
+              <a:xfrm flipV="1">
+                <a:off x="4159742" y="2962473"/>
+                <a:ext cx="4090564" cy="1050744"/>
+              </a:xfrm>
+              <a:prstGeom prst="straightConnector1">
+                <a:avLst/>
+              </a:prstGeom>
+              <a:ln w="19050">
+                <a:solidFill>
+                  <a:srgbClr val="C00000"/>
+                </a:solidFill>
+                <a:tailEnd type="triangle" w="lg" len="lg"/>
+              </a:ln>
+            </p:spPr>
+            <p:style>
+              <a:lnRef idx="1">
+                <a:schemeClr val="accent1"/>
+              </a:lnRef>
+              <a:fillRef idx="0">
+                <a:schemeClr val="accent1"/>
+              </a:fillRef>
+              <a:effectRef idx="0">
+                <a:schemeClr val="accent1"/>
+              </a:effectRef>
+              <a:fontRef idx="minor">
+                <a:schemeClr val="tx1"/>
+              </a:fontRef>
+            </p:style>
+          </p:cxnSp>
+          <mc:AlternateContent xmlns:mc="http://schemas.openxmlformats.org/markup-compatibility/2006" xmlns:a14="http://schemas.microsoft.com/office/drawing/2010/main">
+            <mc:Choice Requires="a14">
+              <p:sp>
+                <p:nvSpPr>
+                  <p:cNvPr id="78" name="文本框 77">
+                    <a:extLst>
+                      <a:ext uri="{FF2B5EF4-FFF2-40B4-BE49-F238E27FC236}">
+                        <a16:creationId xmlns:a16="http://schemas.microsoft.com/office/drawing/2014/main" id="{C6C42422-C072-4CCC-894F-49B5AE6B01A7}"/>
+                      </a:ext>
+                    </a:extLst>
+                  </p:cNvPr>
+                  <p:cNvSpPr txBox="1"/>
+                  <p:nvPr/>
+                </p:nvSpPr>
+                <p:spPr>
+                  <a:xfrm>
+                    <a:off x="5235424" y="3682624"/>
+                    <a:ext cx="1322832" cy="369332"/>
                   </a:xfrm>
                   <a:prstGeom prst="rect">
                     <a:avLst/>
@@ -4330,89 +6636,54 @@
                               <a:latin typeface="Cambria Math" panose="02040503050406030204" pitchFamily="18" charset="0"/>
                               <a:cs typeface="Times New Roman" panose="02020603050405020304" pitchFamily="18" charset="0"/>
                             </a:rPr>
-                            <m:t>𝑪</m:t>
+                            <m:t>𝑨</m:t>
                           </m:r>
-                          <m:d>
-                            <m:dPr>
+                          <m:sSub>
+                            <m:sSubPr>
                               <m:ctrlPr>
+                                <a:rPr lang="en-US" altLang="zh-CN" b="1" i="1" smtClean="0">
+                                  <a:latin typeface="Cambria Math" panose="02040503050406030204" pitchFamily="18" charset="0"/>
+                                  <a:cs typeface="Times New Roman" panose="02020603050405020304" pitchFamily="18" charset="0"/>
+                                </a:rPr>
+                              </m:ctrlPr>
+                            </m:sSubPr>
+                            <m:e>
+                              <m:r>
+                                <a:rPr lang="en-US" altLang="zh-CN" b="1" i="1" smtClean="0">
+                                  <a:latin typeface="Cambria Math" panose="02040503050406030204" pitchFamily="18" charset="0"/>
+                                  <a:cs typeface="Times New Roman" panose="02020603050405020304" pitchFamily="18" charset="0"/>
+                                </a:rPr>
+                                <m:t>𝒙</m:t>
+                              </m:r>
+                            </m:e>
+                            <m:sub>
+                              <m:r>
                                 <a:rPr lang="en-US" altLang="zh-CN" b="0" i="1" smtClean="0">
                                   <a:latin typeface="Cambria Math" panose="02040503050406030204" pitchFamily="18" charset="0"/>
                                   <a:cs typeface="Times New Roman" panose="02020603050405020304" pitchFamily="18" charset="0"/>
                                 </a:rPr>
-                              </m:ctrlPr>
-                            </m:dPr>
-                            <m:e>
-                              <m:sSup>
-                                <m:sSupPr>
-                                  <m:ctrlPr>
-                                    <a:rPr lang="en-US" altLang="zh-CN" i="1" smtClean="0">
-                                      <a:latin typeface="Cambria Math" panose="02040503050406030204" pitchFamily="18" charset="0"/>
-                                      <a:cs typeface="Times New Roman" panose="02020603050405020304" pitchFamily="18" charset="0"/>
-                                    </a:rPr>
-                                  </m:ctrlPr>
-                                </m:sSupPr>
-                                <m:e>
-                                  <m:r>
-                                    <a:rPr lang="en-US" altLang="zh-CN" b="1" i="1" smtClean="0">
-                                      <a:latin typeface="Cambria Math" panose="02040503050406030204" pitchFamily="18" charset="0"/>
-                                      <a:cs typeface="Times New Roman" panose="02020603050405020304" pitchFamily="18" charset="0"/>
-                                    </a:rPr>
-                                    <m:t>𝑨</m:t>
-                                  </m:r>
-                                </m:e>
-                                <m:sup>
-                                  <m:r>
-                                    <a:rPr lang="en-US" altLang="zh-CN" b="0" i="1" smtClean="0">
-                                      <a:latin typeface="Cambria Math" panose="02040503050406030204" pitchFamily="18" charset="0"/>
-                                      <a:cs typeface="Times New Roman" panose="02020603050405020304" pitchFamily="18" charset="0"/>
-                                    </a:rPr>
-                                    <m:t>𝑇</m:t>
-                                  </m:r>
-                                </m:sup>
-                              </m:sSup>
-                            </m:e>
-                          </m:d>
-                        </m:oMath>
-                      </m:oMathPara>
-                    </a14:m>
-                    <a:endParaRPr lang="en-US" altLang="zh-CN" b="0" dirty="0">
-                      <a:latin typeface="Times New Roman" panose="02020603050405020304" pitchFamily="18" charset="0"/>
-                      <a:cs typeface="Times New Roman" panose="02020603050405020304" pitchFamily="18" charset="0"/>
-                    </a:endParaRPr>
-                  </a:p>
-                  <a:p>
-                    <a:pPr/>
-                    <a14:m>
-                      <m:oMathPara xmlns:m="http://schemas.openxmlformats.org/officeDocument/2006/math">
-                        <m:oMathParaPr>
-                          <m:jc m:val="centerGroup"/>
-                        </m:oMathParaPr>
-                        <m:oMath xmlns:m="http://schemas.openxmlformats.org/officeDocument/2006/math">
+                                <m:t>𝑛</m:t>
+                              </m:r>
+                            </m:sub>
+                          </m:sSub>
                           <m:r>
-                            <a:rPr lang="en-US" altLang="zh-CN" b="0" i="1" smtClean="0">
-                              <a:latin typeface="Cambria Math" panose="02040503050406030204" pitchFamily="18" charset="0"/>
-                              <a:cs typeface="Times New Roman" panose="02020603050405020304" pitchFamily="18" charset="0"/>
-                            </a:rPr>
-                            <m:t>𝑑𝑖𝑚</m:t>
-                          </m:r>
-                          <m:r>
-                            <a:rPr lang="en-US" altLang="zh-CN" i="1" dirty="0" smtClean="0">
+                            <a:rPr lang="en-US" altLang="zh-CN" b="1" i="1" smtClean="0">
                               <a:latin typeface="Cambria Math" panose="02040503050406030204" pitchFamily="18" charset="0"/>
                               <a:cs typeface="Times New Roman" panose="02020603050405020304" pitchFamily="18" charset="0"/>
                             </a:rPr>
                             <m:t>=</m:t>
                           </m:r>
                           <m:r>
-                            <a:rPr lang="en-US" altLang="zh-CN" i="1" dirty="0" smtClean="0">
+                            <a:rPr lang="en-US" altLang="zh-CN" b="1" i="1" smtClean="0">
                               <a:latin typeface="Cambria Math" panose="02040503050406030204" pitchFamily="18" charset="0"/>
                               <a:cs typeface="Times New Roman" panose="02020603050405020304" pitchFamily="18" charset="0"/>
                             </a:rPr>
-                            <m:t>𝑟</m:t>
+                            <m:t>𝟎</m:t>
                           </m:r>
                         </m:oMath>
                       </m:oMathPara>
                     </a14:m>
-                    <a:endParaRPr lang="zh-CN" altLang="en-US" dirty="0">
+                    <a:endParaRPr lang="zh-CN" altLang="en-US" b="1" dirty="0">
                       <a:latin typeface="Times New Roman" panose="02020603050405020304" pitchFamily="18" charset="0"/>
                       <a:cs typeface="Times New Roman" panose="02020603050405020304" pitchFamily="18" charset="0"/>
                     </a:endParaRPr>
@@ -4423,10 +6694,10 @@
             <mc:Fallback xmlns="">
               <p:sp>
                 <p:nvSpPr>
-                  <p:cNvPr id="18" name="文本框 17">
+                  <p:cNvPr id="78" name="文本框 77">
                     <a:extLst>
                       <a:ext uri="{FF2B5EF4-FFF2-40B4-BE49-F238E27FC236}">
-                        <a16:creationId xmlns:a16="http://schemas.microsoft.com/office/drawing/2014/main" id="{40DA6490-3C4C-44D1-9495-66323E8BE152}"/>
+                        <a16:creationId xmlns:a16="http://schemas.microsoft.com/office/drawing/2014/main" id="{C6C42422-C072-4CCC-894F-49B5AE6B01A7}"/>
                       </a:ext>
                     </a:extLst>
                   </p:cNvPr>
@@ -4437,300 +6708,14 @@
                 </p:nvSpPr>
                 <p:spPr>
                   <a:xfrm>
-                    <a:off x="2519918" y="880286"/>
-                    <a:ext cx="1322832" cy="646331"/>
+                    <a:off x="5235424" y="3682624"/>
+                    <a:ext cx="1322832" cy="369332"/>
                   </a:xfrm>
                   <a:prstGeom prst="rect">
                     <a:avLst/>
                   </a:prstGeom>
                   <a:blipFill>
-                    <a:blip r:embed="rId4"/>
-                    <a:stretch>
-                      <a:fillRect/>
-                    </a:stretch>
-                  </a:blipFill>
-                </p:spPr>
-                <p:txBody>
-                  <a:bodyPr/>
-                  <a:lstStyle/>
-                  <a:p>
-                    <a:r>
-                      <a:rPr lang="zh-CN" altLang="en-US">
-                        <a:noFill/>
-                      </a:rPr>
-                      <a:t> </a:t>
-                    </a:r>
-                  </a:p>
-                </p:txBody>
-              </p:sp>
-            </mc:Fallback>
-          </mc:AlternateContent>
-          <mc:AlternateContent xmlns:mc="http://schemas.openxmlformats.org/markup-compatibility/2006" xmlns:a14="http://schemas.microsoft.com/office/drawing/2010/main">
-            <mc:Choice Requires="a14">
-              <p:sp>
-                <p:nvSpPr>
-                  <p:cNvPr id="19" name="文本框 18">
-                    <a:extLst>
-                      <a:ext uri="{FF2B5EF4-FFF2-40B4-BE49-F238E27FC236}">
-                        <a16:creationId xmlns:a16="http://schemas.microsoft.com/office/drawing/2014/main" id="{C9BC2472-DC93-4B9E-B3EF-486C56D312DA}"/>
-                      </a:ext>
-                    </a:extLst>
-                  </p:cNvPr>
-                  <p:cNvSpPr txBox="1"/>
-                  <p:nvPr/>
-                </p:nvSpPr>
-                <p:spPr>
-                  <a:xfrm>
-                    <a:off x="2444003" y="4365281"/>
-                    <a:ext cx="1474661" cy="646331"/>
-                  </a:xfrm>
-                  <a:prstGeom prst="rect">
-                    <a:avLst/>
-                  </a:prstGeom>
-                  <a:noFill/>
-                </p:spPr>
-                <p:txBody>
-                  <a:bodyPr wrap="square" rtlCol="0">
-                    <a:spAutoFit/>
-                  </a:bodyPr>
-                  <a:lstStyle/>
-                  <a:p>
-                    <a:pPr/>
-                    <a14:m>
-                      <m:oMathPara xmlns:m="http://schemas.openxmlformats.org/officeDocument/2006/math">
-                        <m:oMathParaPr>
-                          <m:jc m:val="centerGroup"/>
-                        </m:oMathParaPr>
-                        <m:oMath xmlns:m="http://schemas.openxmlformats.org/officeDocument/2006/math">
-                          <m:r>
-                            <a:rPr lang="en-US" altLang="zh-CN" b="1" i="1" smtClean="0">
-                              <a:latin typeface="Cambria Math" panose="02040503050406030204" pitchFamily="18" charset="0"/>
-                              <a:cs typeface="Times New Roman" panose="02020603050405020304" pitchFamily="18" charset="0"/>
-                            </a:rPr>
-                            <m:t>𝑵</m:t>
-                          </m:r>
-                          <m:d>
-                            <m:dPr>
-                              <m:ctrlPr>
-                                <a:rPr lang="en-US" altLang="zh-CN" b="0" i="1" smtClean="0">
-                                  <a:latin typeface="Cambria Math" panose="02040503050406030204" pitchFamily="18" charset="0"/>
-                                  <a:cs typeface="Times New Roman" panose="02020603050405020304" pitchFamily="18" charset="0"/>
-                                </a:rPr>
-                              </m:ctrlPr>
-                            </m:dPr>
-                            <m:e>
-                              <m:r>
-                                <a:rPr lang="en-US" altLang="zh-CN" b="1" i="1" smtClean="0">
-                                  <a:latin typeface="Cambria Math" panose="02040503050406030204" pitchFamily="18" charset="0"/>
-                                  <a:cs typeface="Times New Roman" panose="02020603050405020304" pitchFamily="18" charset="0"/>
-                                </a:rPr>
-                                <m:t>𝑨</m:t>
-                              </m:r>
-                            </m:e>
-                          </m:d>
-                        </m:oMath>
-                      </m:oMathPara>
-                    </a14:m>
-                    <a:endParaRPr lang="en-US" altLang="zh-CN" b="0" dirty="0">
-                      <a:latin typeface="Times New Roman" panose="02020603050405020304" pitchFamily="18" charset="0"/>
-                      <a:cs typeface="Times New Roman" panose="02020603050405020304" pitchFamily="18" charset="0"/>
-                    </a:endParaRPr>
-                  </a:p>
-                  <a:p>
-                    <a:pPr/>
-                    <a14:m>
-                      <m:oMathPara xmlns:m="http://schemas.openxmlformats.org/officeDocument/2006/math">
-                        <m:oMathParaPr>
-                          <m:jc m:val="centerGroup"/>
-                        </m:oMathParaPr>
-                        <m:oMath xmlns:m="http://schemas.openxmlformats.org/officeDocument/2006/math">
-                          <m:r>
-                            <a:rPr lang="en-US" altLang="zh-CN" b="0" i="1" smtClean="0">
-                              <a:latin typeface="Cambria Math" panose="02040503050406030204" pitchFamily="18" charset="0"/>
-                              <a:cs typeface="Times New Roman" panose="02020603050405020304" pitchFamily="18" charset="0"/>
-                            </a:rPr>
-                            <m:t>𝑑𝑖𝑚</m:t>
-                          </m:r>
-                          <m:r>
-                            <a:rPr lang="en-US" altLang="zh-CN" i="1" dirty="0" smtClean="0">
-                              <a:latin typeface="Cambria Math" panose="02040503050406030204" pitchFamily="18" charset="0"/>
-                              <a:cs typeface="Times New Roman" panose="02020603050405020304" pitchFamily="18" charset="0"/>
-                            </a:rPr>
-                            <m:t>=</m:t>
-                          </m:r>
-                          <m:r>
-                            <a:rPr lang="en-US" altLang="zh-CN" b="0" i="1" dirty="0" smtClean="0">
-                              <a:latin typeface="Cambria Math" panose="02040503050406030204" pitchFamily="18" charset="0"/>
-                              <a:cs typeface="Times New Roman" panose="02020603050405020304" pitchFamily="18" charset="0"/>
-                            </a:rPr>
-                            <m:t>𝑛</m:t>
-                          </m:r>
-                          <m:r>
-                            <a:rPr lang="en-US" altLang="zh-CN" b="0" i="1" dirty="0" smtClean="0">
-                              <a:latin typeface="Cambria Math" panose="02040503050406030204" pitchFamily="18" charset="0"/>
-                              <a:cs typeface="Times New Roman" panose="02020603050405020304" pitchFamily="18" charset="0"/>
-                            </a:rPr>
-                            <m:t>−</m:t>
-                          </m:r>
-                          <m:r>
-                            <a:rPr lang="en-US" altLang="zh-CN" i="1" dirty="0" smtClean="0">
-                              <a:latin typeface="Cambria Math" panose="02040503050406030204" pitchFamily="18" charset="0"/>
-                              <a:cs typeface="Times New Roman" panose="02020603050405020304" pitchFamily="18" charset="0"/>
-                            </a:rPr>
-                            <m:t>𝑟</m:t>
-                          </m:r>
-                        </m:oMath>
-                      </m:oMathPara>
-                    </a14:m>
-                    <a:endParaRPr lang="zh-CN" altLang="en-US" dirty="0">
-                      <a:latin typeface="Times New Roman" panose="02020603050405020304" pitchFamily="18" charset="0"/>
-                      <a:cs typeface="Times New Roman" panose="02020603050405020304" pitchFamily="18" charset="0"/>
-                    </a:endParaRPr>
-                  </a:p>
-                </p:txBody>
-              </p:sp>
-            </mc:Choice>
-            <mc:Fallback xmlns="">
-              <p:sp>
-                <p:nvSpPr>
-                  <p:cNvPr id="19" name="文本框 18">
-                    <a:extLst>
-                      <a:ext uri="{FF2B5EF4-FFF2-40B4-BE49-F238E27FC236}">
-                        <a16:creationId xmlns:a16="http://schemas.microsoft.com/office/drawing/2014/main" id="{C9BC2472-DC93-4B9E-B3EF-486C56D312DA}"/>
-                      </a:ext>
-                    </a:extLst>
-                  </p:cNvPr>
-                  <p:cNvSpPr txBox="1">
-                    <a:spLocks noRot="1" noChangeAspect="1" noMove="1" noResize="1" noEditPoints="1" noAdjustHandles="1" noChangeArrowheads="1" noChangeShapeType="1" noTextEdit="1"/>
-                  </p:cNvSpPr>
-                  <p:nvPr/>
-                </p:nvSpPr>
-                <p:spPr>
-                  <a:xfrm>
-                    <a:off x="2444003" y="4365281"/>
-                    <a:ext cx="1474661" cy="646331"/>
-                  </a:xfrm>
-                  <a:prstGeom prst="rect">
-                    <a:avLst/>
-                  </a:prstGeom>
-                  <a:blipFill>
-                    <a:blip r:embed="rId5"/>
-                    <a:stretch>
-                      <a:fillRect/>
-                    </a:stretch>
-                  </a:blipFill>
-                </p:spPr>
-                <p:txBody>
-                  <a:bodyPr/>
-                  <a:lstStyle/>
-                  <a:p>
-                    <a:r>
-                      <a:rPr lang="zh-CN" altLang="en-US">
-                        <a:noFill/>
-                      </a:rPr>
-                      <a:t> </a:t>
-                    </a:r>
-                  </a:p>
-                </p:txBody>
-              </p:sp>
-            </mc:Fallback>
-          </mc:AlternateContent>
-          <mc:AlternateContent xmlns:mc="http://schemas.openxmlformats.org/markup-compatibility/2006" xmlns:a14="http://schemas.microsoft.com/office/drawing/2010/main">
-            <mc:Choice Requires="a14">
-              <p:sp>
-                <p:nvSpPr>
-                  <p:cNvPr id="21" name="文本框 20">
-                    <a:extLst>
-                      <a:ext uri="{FF2B5EF4-FFF2-40B4-BE49-F238E27FC236}">
-                        <a16:creationId xmlns:a16="http://schemas.microsoft.com/office/drawing/2014/main" id="{142DE628-1538-49AA-8334-5E28419B8944}"/>
-                      </a:ext>
-                    </a:extLst>
-                  </p:cNvPr>
-                  <p:cNvSpPr txBox="1"/>
-                  <p:nvPr/>
-                </p:nvSpPr>
-                <p:spPr>
-                  <a:xfrm>
-                    <a:off x="2861293" y="2975882"/>
-                    <a:ext cx="640080" cy="369332"/>
-                  </a:xfrm>
-                  <a:prstGeom prst="rect">
-                    <a:avLst/>
-                  </a:prstGeom>
-                  <a:noFill/>
-                </p:spPr>
-                <p:txBody>
-                  <a:bodyPr wrap="square">
-                    <a:spAutoFit/>
-                  </a:bodyPr>
-                  <a:lstStyle/>
-                  <a:p>
-                    <a:pPr/>
-                    <a14:m>
-                      <m:oMathPara xmlns:m="http://schemas.openxmlformats.org/officeDocument/2006/math">
-                        <m:oMathParaPr>
-                          <m:jc m:val="centerGroup"/>
-                        </m:oMathParaPr>
-                        <m:oMath xmlns:m="http://schemas.openxmlformats.org/officeDocument/2006/math">
-                          <m:sSup>
-                            <m:sSupPr>
-                              <m:ctrlPr>
-                                <a:rPr lang="en-US" altLang="zh-CN" i="1" smtClean="0">
-                                  <a:latin typeface="Cambria Math" panose="02040503050406030204" pitchFamily="18" charset="0"/>
-                                </a:rPr>
-                              </m:ctrlPr>
-                            </m:sSupPr>
-                            <m:e>
-                              <m:r>
-                                <a:rPr lang="en-US" altLang="zh-CN" i="1" smtClean="0">
-                                  <a:latin typeface="Cambria Math" panose="02040503050406030204" pitchFamily="18" charset="0"/>
-                                  <a:ea typeface="Cambria Math" panose="02040503050406030204" pitchFamily="18" charset="0"/>
-                                </a:rPr>
-                                <m:t>ℝ</m:t>
-                              </m:r>
-                            </m:e>
-                            <m:sup>
-                              <m:r>
-                                <a:rPr lang="en-US" altLang="zh-CN" b="0" i="1" smtClean="0">
-                                  <a:latin typeface="Cambria Math" panose="02040503050406030204" pitchFamily="18" charset="0"/>
-                                </a:rPr>
-                                <m:t>𝑛</m:t>
-                              </m:r>
-                            </m:sup>
-                          </m:sSup>
-                        </m:oMath>
-                      </m:oMathPara>
-                    </a14:m>
-                    <a:endParaRPr lang="zh-CN" altLang="en-US" dirty="0"/>
-                  </a:p>
-                </p:txBody>
-              </p:sp>
-            </mc:Choice>
-            <mc:Fallback xmlns="">
-              <p:sp>
-                <p:nvSpPr>
-                  <p:cNvPr id="21" name="文本框 20">
-                    <a:extLst>
-                      <a:ext uri="{FF2B5EF4-FFF2-40B4-BE49-F238E27FC236}">
-                        <a16:creationId xmlns:a16="http://schemas.microsoft.com/office/drawing/2014/main" id="{142DE628-1538-49AA-8334-5E28419B8944}"/>
-                      </a:ext>
-                    </a:extLst>
-                  </p:cNvPr>
-                  <p:cNvSpPr txBox="1">
-                    <a:spLocks noRot="1" noChangeAspect="1" noMove="1" noResize="1" noEditPoints="1" noAdjustHandles="1" noChangeArrowheads="1" noChangeShapeType="1" noTextEdit="1"/>
-                  </p:cNvSpPr>
-                  <p:nvPr/>
-                </p:nvSpPr>
-                <p:spPr>
-                  <a:xfrm>
-                    <a:off x="2861293" y="2975882"/>
-                    <a:ext cx="640080" cy="369332"/>
-                  </a:xfrm>
-                  <a:prstGeom prst="rect">
-                    <a:avLst/>
-                  </a:prstGeom>
-                  <a:blipFill>
-                    <a:blip r:embed="rId6"/>
+                    <a:blip r:embed="rId17"/>
                     <a:stretch>
                       <a:fillRect/>
                     </a:stretch>
@@ -4752,1007 +6737,14 @@
             </mc:Fallback>
           </mc:AlternateContent>
         </p:grpSp>
-        <p:grpSp>
-          <p:nvGrpSpPr>
-            <p:cNvPr id="26" name="组合 25">
-              <a:extLst>
-                <a:ext uri="{FF2B5EF4-FFF2-40B4-BE49-F238E27FC236}">
-                  <a16:creationId xmlns:a16="http://schemas.microsoft.com/office/drawing/2014/main" id="{8891BA5F-D91D-444B-80F0-1CDAE2E65C53}"/>
-                </a:ext>
-              </a:extLst>
-            </p:cNvPr>
-            <p:cNvGrpSpPr/>
-            <p:nvPr/>
-          </p:nvGrpSpPr>
-          <p:grpSpPr>
-            <a:xfrm>
-              <a:off x="6658386" y="683552"/>
-              <a:ext cx="3217768" cy="4549441"/>
-              <a:chOff x="7737782" y="770763"/>
-              <a:chExt cx="3217768" cy="4549441"/>
-            </a:xfrm>
-          </p:grpSpPr>
-          <p:grpSp>
-            <p:nvGrpSpPr>
-              <p:cNvPr id="6" name="组合 5">
-                <a:extLst>
-                  <a:ext uri="{FF2B5EF4-FFF2-40B4-BE49-F238E27FC236}">
-                    <a16:creationId xmlns:a16="http://schemas.microsoft.com/office/drawing/2014/main" id="{F55CA479-8AA6-4DF4-9119-3C86B6536619}"/>
-                  </a:ext>
-                </a:extLst>
-              </p:cNvPr>
-              <p:cNvGrpSpPr/>
-              <p:nvPr/>
-            </p:nvGrpSpPr>
-            <p:grpSpPr>
-              <a:xfrm>
-                <a:off x="7737782" y="1242857"/>
-                <a:ext cx="2160164" cy="4077347"/>
-                <a:chOff x="1306502" y="974633"/>
-                <a:chExt cx="2160164" cy="4077347"/>
-              </a:xfrm>
-              <a:noFill/>
-            </p:grpSpPr>
-            <p:sp>
-              <p:nvSpPr>
-                <p:cNvPr id="4" name="矩形 3">
-                  <a:extLst>
-                    <a:ext uri="{FF2B5EF4-FFF2-40B4-BE49-F238E27FC236}">
-                      <a16:creationId xmlns:a16="http://schemas.microsoft.com/office/drawing/2014/main" id="{164D67CD-EA06-4B71-B6D0-B0204E30FA91}"/>
-                    </a:ext>
-                  </a:extLst>
-                </p:cNvPr>
-                <p:cNvSpPr/>
-                <p:nvPr/>
-              </p:nvSpPr>
-              <p:spPr>
-                <a:xfrm rot="1984938">
-                  <a:off x="1306502" y="974633"/>
-                  <a:ext cx="2160164" cy="1309158"/>
-                </a:xfrm>
-                <a:prstGeom prst="rect">
-                  <a:avLst/>
-                </a:prstGeom>
-                <a:grpFill/>
-                <a:ln>
-                  <a:solidFill>
-                    <a:schemeClr val="tx1"/>
-                  </a:solidFill>
-                </a:ln>
-              </p:spPr>
-              <p:style>
-                <a:lnRef idx="2">
-                  <a:schemeClr val="accent1">
-                    <a:shade val="50000"/>
-                  </a:schemeClr>
-                </a:lnRef>
-                <a:fillRef idx="1">
-                  <a:schemeClr val="accent1"/>
-                </a:fillRef>
-                <a:effectRef idx="0">
-                  <a:schemeClr val="accent1"/>
-                </a:effectRef>
-                <a:fontRef idx="minor">
-                  <a:schemeClr val="lt1"/>
-                </a:fontRef>
-              </p:style>
-              <p:txBody>
-                <a:bodyPr rtlCol="0" anchor="ctr"/>
-                <a:lstStyle/>
-                <a:p>
-                  <a:pPr algn="ctr"/>
-                  <a:endParaRPr lang="zh-CN" altLang="en-US"/>
-                </a:p>
-              </p:txBody>
-            </p:sp>
-            <p:sp>
-              <p:nvSpPr>
-                <p:cNvPr id="5" name="矩形 4">
-                  <a:extLst>
-                    <a:ext uri="{FF2B5EF4-FFF2-40B4-BE49-F238E27FC236}">
-                      <a16:creationId xmlns:a16="http://schemas.microsoft.com/office/drawing/2014/main" id="{62B39971-FC4F-4481-AF93-2AFA3D929A19}"/>
-                    </a:ext>
-                  </a:extLst>
-                </p:cNvPr>
-                <p:cNvSpPr/>
-                <p:nvPr/>
-              </p:nvSpPr>
-              <p:spPr>
-                <a:xfrm rot="1993353">
-                  <a:off x="2252800" y="2891198"/>
-                  <a:ext cx="1085224" cy="2160782"/>
-                </a:xfrm>
-                <a:prstGeom prst="rect">
-                  <a:avLst/>
-                </a:prstGeom>
-                <a:grpFill/>
-                <a:ln>
-                  <a:solidFill>
-                    <a:schemeClr val="tx1"/>
-                  </a:solidFill>
-                </a:ln>
-              </p:spPr>
-              <p:style>
-                <a:lnRef idx="2">
-                  <a:schemeClr val="accent1">
-                    <a:shade val="50000"/>
-                  </a:schemeClr>
-                </a:lnRef>
-                <a:fillRef idx="1">
-                  <a:schemeClr val="accent1"/>
-                </a:fillRef>
-                <a:effectRef idx="0">
-                  <a:schemeClr val="accent1"/>
-                </a:effectRef>
-                <a:fontRef idx="minor">
-                  <a:schemeClr val="lt1"/>
-                </a:fontRef>
-              </p:style>
-              <p:txBody>
-                <a:bodyPr rtlCol="0" anchor="ctr"/>
-                <a:lstStyle/>
-                <a:p>
-                  <a:pPr algn="ctr"/>
-                  <a:endParaRPr lang="zh-CN" altLang="en-US"/>
-                </a:p>
-              </p:txBody>
-            </p:sp>
-          </p:grpSp>
-          <p:sp>
-            <p:nvSpPr>
-              <p:cNvPr id="11" name="文本框 10">
-                <a:extLst>
-                  <a:ext uri="{FF2B5EF4-FFF2-40B4-BE49-F238E27FC236}">
-                    <a16:creationId xmlns:a16="http://schemas.microsoft.com/office/drawing/2014/main" id="{1AC3F992-E43E-4985-AE40-45E4965C85CD}"/>
-                  </a:ext>
-                </a:extLst>
-              </p:cNvPr>
-              <p:cNvSpPr txBox="1"/>
-              <p:nvPr/>
-            </p:nvSpPr>
-            <p:spPr>
-              <a:xfrm>
-                <a:off x="7802605" y="1500471"/>
-                <a:ext cx="1612555" cy="369332"/>
-              </a:xfrm>
-              <a:prstGeom prst="rect">
-                <a:avLst/>
-              </a:prstGeom>
-              <a:noFill/>
-            </p:spPr>
-            <p:txBody>
-              <a:bodyPr wrap="square" rtlCol="0">
-                <a:spAutoFit/>
-              </a:bodyPr>
-              <a:lstStyle/>
-              <a:p>
-                <a:pPr algn="ctr"/>
-                <a:r>
-                  <a:rPr lang="en-US" altLang="zh-CN" dirty="0">
-                    <a:latin typeface="Times New Roman" panose="02020603050405020304" pitchFamily="18" charset="0"/>
-                    <a:cs typeface="Times New Roman" panose="02020603050405020304" pitchFamily="18" charset="0"/>
-                  </a:rPr>
-                  <a:t>Column Space</a:t>
-                </a:r>
-                <a:endParaRPr lang="zh-CN" altLang="en-US" dirty="0">
-                  <a:latin typeface="Times New Roman" panose="02020603050405020304" pitchFamily="18" charset="0"/>
-                  <a:cs typeface="Times New Roman" panose="02020603050405020304" pitchFamily="18" charset="0"/>
-                </a:endParaRPr>
-              </a:p>
-            </p:txBody>
-          </p:sp>
-          <p:sp>
-            <p:nvSpPr>
-              <p:cNvPr id="13" name="文本框 12">
-                <a:extLst>
-                  <a:ext uri="{FF2B5EF4-FFF2-40B4-BE49-F238E27FC236}">
-                    <a16:creationId xmlns:a16="http://schemas.microsoft.com/office/drawing/2014/main" id="{7D220A4E-2DAD-4D57-A3EB-E41077E9F93F}"/>
-                  </a:ext>
-                </a:extLst>
-              </p:cNvPr>
-              <p:cNvSpPr txBox="1"/>
-              <p:nvPr/>
-            </p:nvSpPr>
-            <p:spPr>
-              <a:xfrm>
-                <a:off x="8511191" y="3547315"/>
-                <a:ext cx="1761361" cy="646331"/>
-              </a:xfrm>
-              <a:prstGeom prst="rect">
-                <a:avLst/>
-              </a:prstGeom>
-              <a:noFill/>
-            </p:spPr>
-            <p:txBody>
-              <a:bodyPr wrap="square" rtlCol="0">
-                <a:spAutoFit/>
-              </a:bodyPr>
-              <a:lstStyle/>
-              <a:p>
-                <a:pPr algn="ctr"/>
-                <a:r>
-                  <a:rPr lang="en-US" altLang="zh-CN" dirty="0">
-                    <a:latin typeface="Times New Roman" panose="02020603050405020304" pitchFamily="18" charset="0"/>
-                    <a:cs typeface="Times New Roman" panose="02020603050405020304" pitchFamily="18" charset="0"/>
-                  </a:rPr>
-                  <a:t>Left</a:t>
-                </a:r>
-              </a:p>
-              <a:p>
-                <a:pPr algn="ctr"/>
-                <a:r>
-                  <a:rPr lang="en-US" altLang="zh-CN" dirty="0" err="1">
-                    <a:latin typeface="Times New Roman" panose="02020603050405020304" pitchFamily="18" charset="0"/>
-                    <a:cs typeface="Times New Roman" panose="02020603050405020304" pitchFamily="18" charset="0"/>
-                  </a:rPr>
-                  <a:t>Nullspace</a:t>
-                </a:r>
-                <a:endParaRPr lang="zh-CN" altLang="en-US" dirty="0">
-                  <a:latin typeface="Times New Roman" panose="02020603050405020304" pitchFamily="18" charset="0"/>
-                  <a:cs typeface="Times New Roman" panose="02020603050405020304" pitchFamily="18" charset="0"/>
-                </a:endParaRPr>
-              </a:p>
-            </p:txBody>
-          </p:sp>
-          <mc:AlternateContent xmlns:mc="http://schemas.openxmlformats.org/markup-compatibility/2006">
-            <mc:Choice xmlns:a14="http://schemas.microsoft.com/office/drawing/2010/main" Requires="a14">
-              <p:sp>
-                <p:nvSpPr>
-                  <p:cNvPr id="16" name="文本框 15">
-                    <a:extLst>
-                      <a:ext uri="{FF2B5EF4-FFF2-40B4-BE49-F238E27FC236}">
-                        <a16:creationId xmlns:a16="http://schemas.microsoft.com/office/drawing/2014/main" id="{52A9FBD6-011C-46E0-A9EF-B53C3F9AD453}"/>
-                      </a:ext>
-                    </a:extLst>
-                  </p:cNvPr>
-                  <p:cNvSpPr txBox="1"/>
-                  <p:nvPr/>
-                </p:nvSpPr>
-                <p:spPr>
-                  <a:xfrm>
-                    <a:off x="8608883" y="2021733"/>
-                    <a:ext cx="1163576" cy="369332"/>
-                  </a:xfrm>
-                  <a:prstGeom prst="rect">
-                    <a:avLst/>
-                  </a:prstGeom>
-                  <a:noFill/>
-                </p:spPr>
-                <p:txBody>
-                  <a:bodyPr wrap="square" rtlCol="0">
-                    <a:spAutoFit/>
-                  </a:bodyPr>
-                  <a:lstStyle/>
-                  <a:p>
-                    <a:pPr/>
-                    <a14:m>
-                      <m:oMathPara xmlns:m="http://schemas.openxmlformats.org/officeDocument/2006/math">
-                        <m:oMathParaPr>
-                          <m:jc m:val="centerGroup"/>
-                        </m:oMathParaPr>
-                        <m:oMath xmlns:m="http://schemas.openxmlformats.org/officeDocument/2006/math">
-                          <m:r>
-                            <a:rPr lang="en-US" altLang="zh-CN" b="1" i="1" smtClean="0">
-                              <a:latin typeface="Cambria Math" panose="02040503050406030204" pitchFamily="18" charset="0"/>
-                              <a:cs typeface="Times New Roman" panose="02020603050405020304" pitchFamily="18" charset="0"/>
-                            </a:rPr>
-                            <m:t>𝑨𝒙</m:t>
-                          </m:r>
-                        </m:oMath>
-                      </m:oMathPara>
-                    </a14:m>
-                    <a:endParaRPr lang="zh-CN" altLang="en-US" b="1" dirty="0">
-                      <a:latin typeface="Times New Roman" panose="02020603050405020304" pitchFamily="18" charset="0"/>
-                      <a:cs typeface="Times New Roman" panose="02020603050405020304" pitchFamily="18" charset="0"/>
-                    </a:endParaRPr>
-                  </a:p>
-                </p:txBody>
-              </p:sp>
-            </mc:Choice>
-            <mc:Fallback>
-              <p:sp>
-                <p:nvSpPr>
-                  <p:cNvPr id="16" name="文本框 15">
-                    <a:extLst>
-                      <a:ext uri="{FF2B5EF4-FFF2-40B4-BE49-F238E27FC236}">
-                        <a16:creationId xmlns:a16="http://schemas.microsoft.com/office/drawing/2014/main" id="{52A9FBD6-011C-46E0-A9EF-B53C3F9AD453}"/>
-                      </a:ext>
-                    </a:extLst>
-                  </p:cNvPr>
-                  <p:cNvSpPr txBox="1">
-                    <a:spLocks noRot="1" noChangeAspect="1" noMove="1" noResize="1" noEditPoints="1" noAdjustHandles="1" noChangeArrowheads="1" noChangeShapeType="1" noTextEdit="1"/>
-                  </p:cNvSpPr>
-                  <p:nvPr/>
-                </p:nvSpPr>
-                <p:spPr>
-                  <a:xfrm>
-                    <a:off x="8608883" y="2021733"/>
-                    <a:ext cx="1163576" cy="369332"/>
-                  </a:xfrm>
-                  <a:prstGeom prst="rect">
-                    <a:avLst/>
-                  </a:prstGeom>
-                  <a:blipFill>
-                    <a:blip r:embed="rId7"/>
-                    <a:stretch>
-                      <a:fillRect/>
-                    </a:stretch>
-                  </a:blipFill>
-                </p:spPr>
-                <p:txBody>
-                  <a:bodyPr/>
-                  <a:lstStyle/>
-                  <a:p>
-                    <a:r>
-                      <a:rPr lang="zh-CN" altLang="en-US">
-                        <a:noFill/>
-                      </a:rPr>
-                      <a:t> </a:t>
-                    </a:r>
-                  </a:p>
-                </p:txBody>
-              </p:sp>
-            </mc:Fallback>
-          </mc:AlternateContent>
-          <mc:AlternateContent xmlns:mc="http://schemas.openxmlformats.org/markup-compatibility/2006" xmlns:a14="http://schemas.microsoft.com/office/drawing/2010/main">
-            <mc:Choice Requires="a14">
-              <p:sp>
-                <p:nvSpPr>
-                  <p:cNvPr id="17" name="文本框 16">
-                    <a:extLst>
-                      <a:ext uri="{FF2B5EF4-FFF2-40B4-BE49-F238E27FC236}">
-                        <a16:creationId xmlns:a16="http://schemas.microsoft.com/office/drawing/2014/main" id="{D761B6BA-3D1C-4C07-B304-69DDEBB0280E}"/>
-                      </a:ext>
-                    </a:extLst>
-                  </p:cNvPr>
-                  <p:cNvSpPr txBox="1"/>
-                  <p:nvPr/>
-                </p:nvSpPr>
-                <p:spPr>
-                  <a:xfrm>
-                    <a:off x="8352091" y="4369932"/>
-                    <a:ext cx="1322832" cy="369332"/>
-                  </a:xfrm>
-                  <a:prstGeom prst="rect">
-                    <a:avLst/>
-                  </a:prstGeom>
-                  <a:noFill/>
-                </p:spPr>
-                <p:txBody>
-                  <a:bodyPr wrap="square" rtlCol="0">
-                    <a:spAutoFit/>
-                  </a:bodyPr>
-                  <a:lstStyle/>
-                  <a:p>
-                    <a:pPr/>
-                    <a14:m>
-                      <m:oMathPara xmlns:m="http://schemas.openxmlformats.org/officeDocument/2006/math">
-                        <m:oMathParaPr>
-                          <m:jc m:val="centerGroup"/>
-                        </m:oMathParaPr>
-                        <m:oMath xmlns:m="http://schemas.openxmlformats.org/officeDocument/2006/math">
-                          <m:sSup>
-                            <m:sSupPr>
-                              <m:ctrlPr>
-                                <a:rPr lang="en-US" altLang="zh-CN" i="1" smtClean="0">
-                                  <a:latin typeface="Cambria Math" panose="02040503050406030204" pitchFamily="18" charset="0"/>
-                                  <a:cs typeface="Times New Roman" panose="02020603050405020304" pitchFamily="18" charset="0"/>
-                                </a:rPr>
-                              </m:ctrlPr>
-                            </m:sSupPr>
-                            <m:e>
-                              <m:r>
-                                <a:rPr lang="en-US" altLang="zh-CN" b="1" i="1" smtClean="0">
-                                  <a:latin typeface="Cambria Math" panose="02040503050406030204" pitchFamily="18" charset="0"/>
-                                  <a:cs typeface="Times New Roman" panose="02020603050405020304" pitchFamily="18" charset="0"/>
-                                </a:rPr>
-                                <m:t>𝑨</m:t>
-                              </m:r>
-                            </m:e>
-                            <m:sup>
-                              <m:r>
-                                <a:rPr lang="en-US" altLang="zh-CN" b="0" i="1" smtClean="0">
-                                  <a:latin typeface="Cambria Math" panose="02040503050406030204" pitchFamily="18" charset="0"/>
-                                  <a:cs typeface="Times New Roman" panose="02020603050405020304" pitchFamily="18" charset="0"/>
-                                </a:rPr>
-                                <m:t>𝑇</m:t>
-                              </m:r>
-                            </m:sup>
-                          </m:sSup>
-                          <m:r>
-                            <a:rPr lang="en-US" altLang="zh-CN" b="1" i="1" smtClean="0">
-                              <a:latin typeface="Cambria Math" panose="02040503050406030204" pitchFamily="18" charset="0"/>
-                              <a:cs typeface="Times New Roman" panose="02020603050405020304" pitchFamily="18" charset="0"/>
-                            </a:rPr>
-                            <m:t>𝒚</m:t>
-                          </m:r>
-                          <m:r>
-                            <a:rPr lang="en-US" altLang="zh-CN" b="1" i="1" smtClean="0">
-                              <a:latin typeface="Cambria Math" panose="02040503050406030204" pitchFamily="18" charset="0"/>
-                              <a:cs typeface="Times New Roman" panose="02020603050405020304" pitchFamily="18" charset="0"/>
-                            </a:rPr>
-                            <m:t>=</m:t>
-                          </m:r>
-                          <m:r>
-                            <a:rPr lang="en-US" altLang="zh-CN" b="1" i="1" smtClean="0">
-                              <a:latin typeface="Cambria Math" panose="02040503050406030204" pitchFamily="18" charset="0"/>
-                              <a:cs typeface="Times New Roman" panose="02020603050405020304" pitchFamily="18" charset="0"/>
-                            </a:rPr>
-                            <m:t>𝟎</m:t>
-                          </m:r>
-                        </m:oMath>
-                      </m:oMathPara>
-                    </a14:m>
-                    <a:endParaRPr lang="zh-CN" altLang="en-US" dirty="0">
-                      <a:latin typeface="Times New Roman" panose="02020603050405020304" pitchFamily="18" charset="0"/>
-                      <a:cs typeface="Times New Roman" panose="02020603050405020304" pitchFamily="18" charset="0"/>
-                    </a:endParaRPr>
-                  </a:p>
-                </p:txBody>
-              </p:sp>
-            </mc:Choice>
-            <mc:Fallback xmlns="">
-              <p:sp>
-                <p:nvSpPr>
-                  <p:cNvPr id="17" name="文本框 16">
-                    <a:extLst>
-                      <a:ext uri="{FF2B5EF4-FFF2-40B4-BE49-F238E27FC236}">
-                        <a16:creationId xmlns:a16="http://schemas.microsoft.com/office/drawing/2014/main" id="{D761B6BA-3D1C-4C07-B304-69DDEBB0280E}"/>
-                      </a:ext>
-                    </a:extLst>
-                  </p:cNvPr>
-                  <p:cNvSpPr txBox="1">
-                    <a:spLocks noRot="1" noChangeAspect="1" noMove="1" noResize="1" noEditPoints="1" noAdjustHandles="1" noChangeArrowheads="1" noChangeShapeType="1" noTextEdit="1"/>
-                  </p:cNvSpPr>
-                  <p:nvPr/>
-                </p:nvSpPr>
-                <p:spPr>
-                  <a:xfrm>
-                    <a:off x="8352091" y="4369932"/>
-                    <a:ext cx="1322832" cy="369332"/>
-                  </a:xfrm>
-                  <a:prstGeom prst="rect">
-                    <a:avLst/>
-                  </a:prstGeom>
-                  <a:blipFill>
-                    <a:blip r:embed="rId8"/>
-                    <a:stretch>
-                      <a:fillRect b="-8333"/>
-                    </a:stretch>
-                  </a:blipFill>
-                </p:spPr>
-                <p:txBody>
-                  <a:bodyPr/>
-                  <a:lstStyle/>
-                  <a:p>
-                    <a:r>
-                      <a:rPr lang="zh-CN" altLang="en-US">
-                        <a:noFill/>
-                      </a:rPr>
-                      <a:t> </a:t>
-                    </a:r>
-                  </a:p>
-                </p:txBody>
-              </p:sp>
-            </mc:Fallback>
-          </mc:AlternateContent>
-          <mc:AlternateContent xmlns:mc="http://schemas.openxmlformats.org/markup-compatibility/2006" xmlns:a14="http://schemas.microsoft.com/office/drawing/2010/main">
-            <mc:Choice Requires="a14">
-              <p:sp>
-                <p:nvSpPr>
-                  <p:cNvPr id="22" name="文本框 21">
-                    <a:extLst>
-                      <a:ext uri="{FF2B5EF4-FFF2-40B4-BE49-F238E27FC236}">
-                        <a16:creationId xmlns:a16="http://schemas.microsoft.com/office/drawing/2014/main" id="{AC548336-5769-4D87-9185-59A48B6B4A06}"/>
-                      </a:ext>
-                    </a:extLst>
-                  </p:cNvPr>
-                  <p:cNvSpPr txBox="1"/>
-                  <p:nvPr/>
-                </p:nvSpPr>
-                <p:spPr>
-                  <a:xfrm>
-                    <a:off x="9632472" y="2754266"/>
-                    <a:ext cx="640080" cy="369332"/>
-                  </a:xfrm>
-                  <a:prstGeom prst="rect">
-                    <a:avLst/>
-                  </a:prstGeom>
-                  <a:noFill/>
-                </p:spPr>
-                <p:txBody>
-                  <a:bodyPr wrap="square">
-                    <a:spAutoFit/>
-                  </a:bodyPr>
-                  <a:lstStyle/>
-                  <a:p>
-                    <a:pPr/>
-                    <a14:m>
-                      <m:oMathPara xmlns:m="http://schemas.openxmlformats.org/officeDocument/2006/math">
-                        <m:oMathParaPr>
-                          <m:jc m:val="centerGroup"/>
-                        </m:oMathParaPr>
-                        <m:oMath xmlns:m="http://schemas.openxmlformats.org/officeDocument/2006/math">
-                          <m:sSup>
-                            <m:sSupPr>
-                              <m:ctrlPr>
-                                <a:rPr lang="en-US" altLang="zh-CN" i="1" smtClean="0">
-                                  <a:latin typeface="Cambria Math" panose="02040503050406030204" pitchFamily="18" charset="0"/>
-                                </a:rPr>
-                              </m:ctrlPr>
-                            </m:sSupPr>
-                            <m:e>
-                              <m:r>
-                                <a:rPr lang="en-US" altLang="zh-CN" i="1" smtClean="0">
-                                  <a:latin typeface="Cambria Math" panose="02040503050406030204" pitchFamily="18" charset="0"/>
-                                  <a:ea typeface="Cambria Math" panose="02040503050406030204" pitchFamily="18" charset="0"/>
-                                </a:rPr>
-                                <m:t>ℝ</m:t>
-                              </m:r>
-                            </m:e>
-                            <m:sup>
-                              <m:r>
-                                <a:rPr lang="en-US" altLang="zh-CN" b="0" i="1" smtClean="0">
-                                  <a:latin typeface="Cambria Math" panose="02040503050406030204" pitchFamily="18" charset="0"/>
-                                </a:rPr>
-                                <m:t>𝑚</m:t>
-                              </m:r>
-                            </m:sup>
-                          </m:sSup>
-                        </m:oMath>
-                      </m:oMathPara>
-                    </a14:m>
-                    <a:endParaRPr lang="zh-CN" altLang="en-US" dirty="0"/>
-                  </a:p>
-                </p:txBody>
-              </p:sp>
-            </mc:Choice>
-            <mc:Fallback xmlns="">
-              <p:sp>
-                <p:nvSpPr>
-                  <p:cNvPr id="22" name="文本框 21">
-                    <a:extLst>
-                      <a:ext uri="{FF2B5EF4-FFF2-40B4-BE49-F238E27FC236}">
-                        <a16:creationId xmlns:a16="http://schemas.microsoft.com/office/drawing/2014/main" id="{AC548336-5769-4D87-9185-59A48B6B4A06}"/>
-                      </a:ext>
-                    </a:extLst>
-                  </p:cNvPr>
-                  <p:cNvSpPr txBox="1">
-                    <a:spLocks noRot="1" noChangeAspect="1" noMove="1" noResize="1" noEditPoints="1" noAdjustHandles="1" noChangeArrowheads="1" noChangeShapeType="1" noTextEdit="1"/>
-                  </p:cNvSpPr>
-                  <p:nvPr/>
-                </p:nvSpPr>
-                <p:spPr>
-                  <a:xfrm>
-                    <a:off x="9632472" y="2754266"/>
-                    <a:ext cx="640080" cy="369332"/>
-                  </a:xfrm>
-                  <a:prstGeom prst="rect">
-                    <a:avLst/>
-                  </a:prstGeom>
-                  <a:blipFill>
-                    <a:blip r:embed="rId9"/>
-                    <a:stretch>
-                      <a:fillRect/>
-                    </a:stretch>
-                  </a:blipFill>
-                </p:spPr>
-                <p:txBody>
-                  <a:bodyPr/>
-                  <a:lstStyle/>
-                  <a:p>
-                    <a:r>
-                      <a:rPr lang="zh-CN" altLang="en-US">
-                        <a:noFill/>
-                      </a:rPr>
-                      <a:t> </a:t>
-                    </a:r>
-                  </a:p>
-                </p:txBody>
-              </p:sp>
-            </mc:Fallback>
-          </mc:AlternateContent>
-          <mc:AlternateContent xmlns:mc="http://schemas.openxmlformats.org/markup-compatibility/2006" xmlns:a14="http://schemas.microsoft.com/office/drawing/2010/main">
-            <mc:Choice Requires="a14">
-              <p:sp>
-                <p:nvSpPr>
-                  <p:cNvPr id="24" name="文本框 23">
-                    <a:extLst>
-                      <a:ext uri="{FF2B5EF4-FFF2-40B4-BE49-F238E27FC236}">
-                        <a16:creationId xmlns:a16="http://schemas.microsoft.com/office/drawing/2014/main" id="{88309453-6B5D-427E-849C-EE7B9EB5C06C}"/>
-                      </a:ext>
-                    </a:extLst>
-                  </p:cNvPr>
-                  <p:cNvSpPr txBox="1"/>
-                  <p:nvPr/>
-                </p:nvSpPr>
-                <p:spPr>
-                  <a:xfrm>
-                    <a:off x="9226692" y="770763"/>
-                    <a:ext cx="1322832" cy="646331"/>
-                  </a:xfrm>
-                  <a:prstGeom prst="rect">
-                    <a:avLst/>
-                  </a:prstGeom>
-                  <a:noFill/>
-                </p:spPr>
-                <p:txBody>
-                  <a:bodyPr wrap="square" rtlCol="0">
-                    <a:spAutoFit/>
-                  </a:bodyPr>
-                  <a:lstStyle/>
-                  <a:p>
-                    <a:pPr/>
-                    <a14:m>
-                      <m:oMathPara xmlns:m="http://schemas.openxmlformats.org/officeDocument/2006/math">
-                        <m:oMathParaPr>
-                          <m:jc m:val="centerGroup"/>
-                        </m:oMathParaPr>
-                        <m:oMath xmlns:m="http://schemas.openxmlformats.org/officeDocument/2006/math">
-                          <m:r>
-                            <a:rPr lang="en-US" altLang="zh-CN" b="1" i="1" smtClean="0">
-                              <a:latin typeface="Cambria Math" panose="02040503050406030204" pitchFamily="18" charset="0"/>
-                              <a:cs typeface="Times New Roman" panose="02020603050405020304" pitchFamily="18" charset="0"/>
-                            </a:rPr>
-                            <m:t>𝑪</m:t>
-                          </m:r>
-                          <m:d>
-                            <m:dPr>
-                              <m:ctrlPr>
-                                <a:rPr lang="en-US" altLang="zh-CN" b="0" i="1" smtClean="0">
-                                  <a:latin typeface="Cambria Math" panose="02040503050406030204" pitchFamily="18" charset="0"/>
-                                  <a:cs typeface="Times New Roman" panose="02020603050405020304" pitchFamily="18" charset="0"/>
-                                </a:rPr>
-                              </m:ctrlPr>
-                            </m:dPr>
-                            <m:e>
-                              <m:r>
-                                <a:rPr lang="en-US" altLang="zh-CN" b="1" i="1" smtClean="0">
-                                  <a:latin typeface="Cambria Math" panose="02040503050406030204" pitchFamily="18" charset="0"/>
-                                  <a:cs typeface="Times New Roman" panose="02020603050405020304" pitchFamily="18" charset="0"/>
-                                </a:rPr>
-                                <m:t>𝑨</m:t>
-                              </m:r>
-                            </m:e>
-                          </m:d>
-                        </m:oMath>
-                      </m:oMathPara>
-                    </a14:m>
-                    <a:endParaRPr lang="en-US" altLang="zh-CN" b="0" dirty="0">
-                      <a:latin typeface="Times New Roman" panose="02020603050405020304" pitchFamily="18" charset="0"/>
-                      <a:cs typeface="Times New Roman" panose="02020603050405020304" pitchFamily="18" charset="0"/>
-                    </a:endParaRPr>
-                  </a:p>
-                  <a:p>
-                    <a:pPr/>
-                    <a14:m>
-                      <m:oMathPara xmlns:m="http://schemas.openxmlformats.org/officeDocument/2006/math">
-                        <m:oMathParaPr>
-                          <m:jc m:val="centerGroup"/>
-                        </m:oMathParaPr>
-                        <m:oMath xmlns:m="http://schemas.openxmlformats.org/officeDocument/2006/math">
-                          <m:r>
-                            <a:rPr lang="en-US" altLang="zh-CN" b="0" i="1" smtClean="0">
-                              <a:latin typeface="Cambria Math" panose="02040503050406030204" pitchFamily="18" charset="0"/>
-                              <a:cs typeface="Times New Roman" panose="02020603050405020304" pitchFamily="18" charset="0"/>
-                            </a:rPr>
-                            <m:t>𝑑𝑖𝑚</m:t>
-                          </m:r>
-                          <m:r>
-                            <a:rPr lang="en-US" altLang="zh-CN" i="1" dirty="0" smtClean="0">
-                              <a:latin typeface="Cambria Math" panose="02040503050406030204" pitchFamily="18" charset="0"/>
-                              <a:cs typeface="Times New Roman" panose="02020603050405020304" pitchFamily="18" charset="0"/>
-                            </a:rPr>
-                            <m:t>=</m:t>
-                          </m:r>
-                          <m:r>
-                            <a:rPr lang="en-US" altLang="zh-CN" i="1" dirty="0" smtClean="0">
-                              <a:latin typeface="Cambria Math" panose="02040503050406030204" pitchFamily="18" charset="0"/>
-                              <a:cs typeface="Times New Roman" panose="02020603050405020304" pitchFamily="18" charset="0"/>
-                            </a:rPr>
-                            <m:t>𝑟</m:t>
-                          </m:r>
-                        </m:oMath>
-                      </m:oMathPara>
-                    </a14:m>
-                    <a:endParaRPr lang="zh-CN" altLang="en-US" dirty="0">
-                      <a:latin typeface="Times New Roman" panose="02020603050405020304" pitchFamily="18" charset="0"/>
-                      <a:cs typeface="Times New Roman" panose="02020603050405020304" pitchFamily="18" charset="0"/>
-                    </a:endParaRPr>
-                  </a:p>
-                </p:txBody>
-              </p:sp>
-            </mc:Choice>
-            <mc:Fallback xmlns="">
-              <p:sp>
-                <p:nvSpPr>
-                  <p:cNvPr id="24" name="文本框 23">
-                    <a:extLst>
-                      <a:ext uri="{FF2B5EF4-FFF2-40B4-BE49-F238E27FC236}">
-                        <a16:creationId xmlns:a16="http://schemas.microsoft.com/office/drawing/2014/main" id="{88309453-6B5D-427E-849C-EE7B9EB5C06C}"/>
-                      </a:ext>
-                    </a:extLst>
-                  </p:cNvPr>
-                  <p:cNvSpPr txBox="1">
-                    <a:spLocks noRot="1" noChangeAspect="1" noMove="1" noResize="1" noEditPoints="1" noAdjustHandles="1" noChangeArrowheads="1" noChangeShapeType="1" noTextEdit="1"/>
-                  </p:cNvSpPr>
-                  <p:nvPr/>
-                </p:nvSpPr>
-                <p:spPr>
-                  <a:xfrm>
-                    <a:off x="9226692" y="770763"/>
-                    <a:ext cx="1322832" cy="646331"/>
-                  </a:xfrm>
-                  <a:prstGeom prst="rect">
-                    <a:avLst/>
-                  </a:prstGeom>
-                  <a:blipFill>
-                    <a:blip r:embed="rId10"/>
-                    <a:stretch>
-                      <a:fillRect/>
-                    </a:stretch>
-                  </a:blipFill>
-                </p:spPr>
-                <p:txBody>
-                  <a:bodyPr/>
-                  <a:lstStyle/>
-                  <a:p>
-                    <a:r>
-                      <a:rPr lang="zh-CN" altLang="en-US">
-                        <a:noFill/>
-                      </a:rPr>
-                      <a:t> </a:t>
-                    </a:r>
-                  </a:p>
-                </p:txBody>
-              </p:sp>
-            </mc:Fallback>
-          </mc:AlternateContent>
-          <mc:AlternateContent xmlns:mc="http://schemas.openxmlformats.org/markup-compatibility/2006" xmlns:a14="http://schemas.microsoft.com/office/drawing/2010/main">
-            <mc:Choice Requires="a14">
-              <p:sp>
-                <p:nvSpPr>
-                  <p:cNvPr id="25" name="文本框 24">
-                    <a:extLst>
-                      <a:ext uri="{FF2B5EF4-FFF2-40B4-BE49-F238E27FC236}">
-                        <a16:creationId xmlns:a16="http://schemas.microsoft.com/office/drawing/2014/main" id="{49394427-74F6-4E33-8FCD-FF3CC97BEE7A}"/>
-                      </a:ext>
-                    </a:extLst>
-                  </p:cNvPr>
-                  <p:cNvSpPr txBox="1"/>
-                  <p:nvPr/>
-                </p:nvSpPr>
-                <p:spPr>
-                  <a:xfrm>
-                    <a:off x="9480889" y="4612712"/>
-                    <a:ext cx="1474661" cy="646331"/>
-                  </a:xfrm>
-                  <a:prstGeom prst="rect">
-                    <a:avLst/>
-                  </a:prstGeom>
-                  <a:noFill/>
-                </p:spPr>
-                <p:txBody>
-                  <a:bodyPr wrap="square" rtlCol="0">
-                    <a:spAutoFit/>
-                  </a:bodyPr>
-                  <a:lstStyle/>
-                  <a:p>
-                    <a:pPr/>
-                    <a14:m>
-                      <m:oMathPara xmlns:m="http://schemas.openxmlformats.org/officeDocument/2006/math">
-                        <m:oMathParaPr>
-                          <m:jc m:val="centerGroup"/>
-                        </m:oMathParaPr>
-                        <m:oMath xmlns:m="http://schemas.openxmlformats.org/officeDocument/2006/math">
-                          <m:r>
-                            <a:rPr lang="en-US" altLang="zh-CN" b="1" i="1" smtClean="0">
-                              <a:latin typeface="Cambria Math" panose="02040503050406030204" pitchFamily="18" charset="0"/>
-                              <a:cs typeface="Times New Roman" panose="02020603050405020304" pitchFamily="18" charset="0"/>
-                            </a:rPr>
-                            <m:t>𝑵</m:t>
-                          </m:r>
-                          <m:d>
-                            <m:dPr>
-                              <m:ctrlPr>
-                                <a:rPr lang="en-US" altLang="zh-CN" b="0" i="1" smtClean="0">
-                                  <a:latin typeface="Cambria Math" panose="02040503050406030204" pitchFamily="18" charset="0"/>
-                                  <a:cs typeface="Times New Roman" panose="02020603050405020304" pitchFamily="18" charset="0"/>
-                                </a:rPr>
-                              </m:ctrlPr>
-                            </m:dPr>
-                            <m:e>
-                              <m:sSup>
-                                <m:sSupPr>
-                                  <m:ctrlPr>
-                                    <a:rPr lang="en-US" altLang="zh-CN" i="1" smtClean="0">
-                                      <a:latin typeface="Cambria Math" panose="02040503050406030204" pitchFamily="18" charset="0"/>
-                                      <a:cs typeface="Times New Roman" panose="02020603050405020304" pitchFamily="18" charset="0"/>
-                                    </a:rPr>
-                                  </m:ctrlPr>
-                                </m:sSupPr>
-                                <m:e>
-                                  <m:r>
-                                    <a:rPr lang="en-US" altLang="zh-CN" b="1" i="1" smtClean="0">
-                                      <a:latin typeface="Cambria Math" panose="02040503050406030204" pitchFamily="18" charset="0"/>
-                                      <a:cs typeface="Times New Roman" panose="02020603050405020304" pitchFamily="18" charset="0"/>
-                                    </a:rPr>
-                                    <m:t>𝑨</m:t>
-                                  </m:r>
-                                </m:e>
-                                <m:sup>
-                                  <m:r>
-                                    <a:rPr lang="en-US" altLang="zh-CN" b="0" i="1" smtClean="0">
-                                      <a:latin typeface="Cambria Math" panose="02040503050406030204" pitchFamily="18" charset="0"/>
-                                      <a:cs typeface="Times New Roman" panose="02020603050405020304" pitchFamily="18" charset="0"/>
-                                    </a:rPr>
-                                    <m:t>𝑇</m:t>
-                                  </m:r>
-                                </m:sup>
-                              </m:sSup>
-                            </m:e>
-                          </m:d>
-                        </m:oMath>
-                      </m:oMathPara>
-                    </a14:m>
-                    <a:endParaRPr lang="en-US" altLang="zh-CN" b="0" dirty="0">
-                      <a:latin typeface="Times New Roman" panose="02020603050405020304" pitchFamily="18" charset="0"/>
-                      <a:cs typeface="Times New Roman" panose="02020603050405020304" pitchFamily="18" charset="0"/>
-                    </a:endParaRPr>
-                  </a:p>
-                  <a:p>
-                    <a:pPr/>
-                    <a14:m>
-                      <m:oMathPara xmlns:m="http://schemas.openxmlformats.org/officeDocument/2006/math">
-                        <m:oMathParaPr>
-                          <m:jc m:val="centerGroup"/>
-                        </m:oMathParaPr>
-                        <m:oMath xmlns:m="http://schemas.openxmlformats.org/officeDocument/2006/math">
-                          <m:r>
-                            <a:rPr lang="en-US" altLang="zh-CN" b="0" i="1" smtClean="0">
-                              <a:latin typeface="Cambria Math" panose="02040503050406030204" pitchFamily="18" charset="0"/>
-                              <a:cs typeface="Times New Roman" panose="02020603050405020304" pitchFamily="18" charset="0"/>
-                            </a:rPr>
-                            <m:t>𝑑𝑖𝑚</m:t>
-                          </m:r>
-                          <m:r>
-                            <a:rPr lang="en-US" altLang="zh-CN" i="1" dirty="0" smtClean="0">
-                              <a:latin typeface="Cambria Math" panose="02040503050406030204" pitchFamily="18" charset="0"/>
-                              <a:cs typeface="Times New Roman" panose="02020603050405020304" pitchFamily="18" charset="0"/>
-                            </a:rPr>
-                            <m:t>=</m:t>
-                          </m:r>
-                          <m:r>
-                            <a:rPr lang="en-US" altLang="zh-CN" b="0" i="1" dirty="0" smtClean="0">
-                              <a:latin typeface="Cambria Math" panose="02040503050406030204" pitchFamily="18" charset="0"/>
-                              <a:cs typeface="Times New Roman" panose="02020603050405020304" pitchFamily="18" charset="0"/>
-                            </a:rPr>
-                            <m:t>𝑚</m:t>
-                          </m:r>
-                          <m:r>
-                            <a:rPr lang="en-US" altLang="zh-CN" b="0" i="1" dirty="0" smtClean="0">
-                              <a:latin typeface="Cambria Math" panose="02040503050406030204" pitchFamily="18" charset="0"/>
-                              <a:cs typeface="Times New Roman" panose="02020603050405020304" pitchFamily="18" charset="0"/>
-                            </a:rPr>
-                            <m:t>−</m:t>
-                          </m:r>
-                          <m:r>
-                            <a:rPr lang="en-US" altLang="zh-CN" i="1" dirty="0" smtClean="0">
-                              <a:latin typeface="Cambria Math" panose="02040503050406030204" pitchFamily="18" charset="0"/>
-                              <a:cs typeface="Times New Roman" panose="02020603050405020304" pitchFamily="18" charset="0"/>
-                            </a:rPr>
-                            <m:t>𝑟</m:t>
-                          </m:r>
-                        </m:oMath>
-                      </m:oMathPara>
-                    </a14:m>
-                    <a:endParaRPr lang="zh-CN" altLang="en-US" dirty="0">
-                      <a:latin typeface="Times New Roman" panose="02020603050405020304" pitchFamily="18" charset="0"/>
-                      <a:cs typeface="Times New Roman" panose="02020603050405020304" pitchFamily="18" charset="0"/>
-                    </a:endParaRPr>
-                  </a:p>
-                </p:txBody>
-              </p:sp>
-            </mc:Choice>
-            <mc:Fallback xmlns="">
-              <p:sp>
-                <p:nvSpPr>
-                  <p:cNvPr id="25" name="文本框 24">
-                    <a:extLst>
-                      <a:ext uri="{FF2B5EF4-FFF2-40B4-BE49-F238E27FC236}">
-                        <a16:creationId xmlns:a16="http://schemas.microsoft.com/office/drawing/2014/main" id="{49394427-74F6-4E33-8FCD-FF3CC97BEE7A}"/>
-                      </a:ext>
-                    </a:extLst>
-                  </p:cNvPr>
-                  <p:cNvSpPr txBox="1">
-                    <a:spLocks noRot="1" noChangeAspect="1" noMove="1" noResize="1" noEditPoints="1" noAdjustHandles="1" noChangeArrowheads="1" noChangeShapeType="1" noTextEdit="1"/>
-                  </p:cNvSpPr>
-                  <p:nvPr/>
-                </p:nvSpPr>
-                <p:spPr>
-                  <a:xfrm>
-                    <a:off x="9480889" y="4612712"/>
-                    <a:ext cx="1474661" cy="646331"/>
-                  </a:xfrm>
-                  <a:prstGeom prst="rect">
-                    <a:avLst/>
-                  </a:prstGeom>
-                  <a:blipFill>
-                    <a:blip r:embed="rId11"/>
-                    <a:stretch>
-                      <a:fillRect/>
-                    </a:stretch>
-                  </a:blipFill>
-                </p:spPr>
-                <p:txBody>
-                  <a:bodyPr/>
-                  <a:lstStyle/>
-                  <a:p>
-                    <a:r>
-                      <a:rPr lang="zh-CN" altLang="en-US">
-                        <a:noFill/>
-                      </a:rPr>
-                      <a:t> </a:t>
-                    </a:r>
-                  </a:p>
-                </p:txBody>
-              </p:sp>
-            </mc:Fallback>
-          </mc:AlternateContent>
-        </p:grpSp>
-        <p:cxnSp>
-          <p:nvCxnSpPr>
-            <p:cNvPr id="28" name="直接箭头连接符 27">
-              <a:extLst>
-                <a:ext uri="{FF2B5EF4-FFF2-40B4-BE49-F238E27FC236}">
-                  <a16:creationId xmlns:a16="http://schemas.microsoft.com/office/drawing/2014/main" id="{116EBE5A-23A1-4341-89EE-D84B55A61A62}"/>
-                </a:ext>
-              </a:extLst>
-            </p:cNvPr>
-            <p:cNvCxnSpPr>
-              <a:cxnSpLocks/>
-              <a:endCxn id="16" idx="1"/>
-            </p:cNvCxnSpPr>
-            <p:nvPr/>
-          </p:nvCxnSpPr>
-          <p:spPr>
-            <a:xfrm flipV="1">
-              <a:off x="4612883" y="2119188"/>
-              <a:ext cx="2916604" cy="888258"/>
-            </a:xfrm>
-            <a:prstGeom prst="straightConnector1">
-              <a:avLst/>
-            </a:prstGeom>
-            <a:ln w="19050">
-              <a:solidFill>
-                <a:srgbClr val="C00000"/>
-              </a:solidFill>
-              <a:tailEnd type="triangle" w="lg" len="lg"/>
-            </a:ln>
-          </p:spPr>
-          <p:style>
-            <a:lnRef idx="1">
-              <a:schemeClr val="accent1"/>
-            </a:lnRef>
-            <a:fillRef idx="0">
-              <a:schemeClr val="accent1"/>
-            </a:fillRef>
-            <a:effectRef idx="0">
-              <a:schemeClr val="accent1"/>
-            </a:effectRef>
-            <a:fontRef idx="minor">
-              <a:schemeClr val="tx1"/>
-            </a:fontRef>
-          </p:style>
-        </p:cxnSp>
         <mc:AlternateContent xmlns:mc="http://schemas.openxmlformats.org/markup-compatibility/2006">
           <mc:Choice xmlns:a14="http://schemas.microsoft.com/office/drawing/2010/main" Requires="a14">
             <p:sp>
               <p:nvSpPr>
-                <p:cNvPr id="30" name="文本框 29">
+                <p:cNvPr id="36" name="文本框 35">
                   <a:extLst>
                     <a:ext uri="{FF2B5EF4-FFF2-40B4-BE49-F238E27FC236}">
-                      <a16:creationId xmlns:a16="http://schemas.microsoft.com/office/drawing/2014/main" id="{D7F9CD67-AC56-44E5-85D2-0C15DC8451A7}"/>
+                      <a16:creationId xmlns:a16="http://schemas.microsoft.com/office/drawing/2014/main" id="{6A5FA42F-B86E-40C4-8C8D-5A0B4D12D2AD}"/>
                     </a:ext>
                   </a:extLst>
                 </p:cNvPr>
@@ -5761,222 +6753,7 @@
               </p:nvSpPr>
               <p:spPr>
                 <a:xfrm>
-                  <a:off x="4720978" y="2957532"/>
-                  <a:ext cx="1437191" cy="369332"/>
-                </a:xfrm>
-                <a:prstGeom prst="rect">
-                  <a:avLst/>
-                </a:prstGeom>
-                <a:noFill/>
-              </p:spPr>
-              <p:txBody>
-                <a:bodyPr wrap="square" rtlCol="0">
-                  <a:spAutoFit/>
-                </a:bodyPr>
-                <a:lstStyle/>
-                <a:p>
-                  <a:pPr/>
-                  <a14:m>
-                    <m:oMathPara xmlns:m="http://schemas.openxmlformats.org/officeDocument/2006/math">
-                      <m:oMathParaPr>
-                        <m:jc m:val="centerGroup"/>
-                      </m:oMathParaPr>
-                      <m:oMath xmlns:m="http://schemas.openxmlformats.org/officeDocument/2006/math">
-                        <m:r>
-                          <a:rPr lang="en-US" altLang="zh-CN" b="1" i="1" smtClean="0">
-                            <a:latin typeface="Cambria Math" panose="02040503050406030204" pitchFamily="18" charset="0"/>
-                            <a:cs typeface="Times New Roman" panose="02020603050405020304" pitchFamily="18" charset="0"/>
-                          </a:rPr>
-                          <m:t>𝒙</m:t>
-                        </m:r>
-                        <m:r>
-                          <a:rPr lang="en-US" altLang="zh-CN" b="1" i="1" smtClean="0">
-                            <a:latin typeface="Cambria Math" panose="02040503050406030204" pitchFamily="18" charset="0"/>
-                            <a:cs typeface="Times New Roman" panose="02020603050405020304" pitchFamily="18" charset="0"/>
-                          </a:rPr>
-                          <m:t>=</m:t>
-                        </m:r>
-                        <m:sSub>
-                          <m:sSubPr>
-                            <m:ctrlPr>
-                              <a:rPr lang="en-US" altLang="zh-CN" b="1" i="1" smtClean="0">
-                                <a:latin typeface="Cambria Math" panose="02040503050406030204" pitchFamily="18" charset="0"/>
-                                <a:cs typeface="Times New Roman" panose="02020603050405020304" pitchFamily="18" charset="0"/>
-                              </a:rPr>
-                            </m:ctrlPr>
-                          </m:sSubPr>
-                          <m:e>
-                            <m:r>
-                              <a:rPr lang="en-US" altLang="zh-CN" b="1" i="1">
-                                <a:latin typeface="Cambria Math" panose="02040503050406030204" pitchFamily="18" charset="0"/>
-                                <a:cs typeface="Times New Roman" panose="02020603050405020304" pitchFamily="18" charset="0"/>
-                              </a:rPr>
-                              <m:t>𝒙</m:t>
-                            </m:r>
-                          </m:e>
-                          <m:sub>
-                            <m:r>
-                              <a:rPr lang="en-US" altLang="zh-CN" i="1">
-                                <a:latin typeface="Cambria Math" panose="02040503050406030204" pitchFamily="18" charset="0"/>
-                                <a:cs typeface="Times New Roman" panose="02020603050405020304" pitchFamily="18" charset="0"/>
-                              </a:rPr>
-                              <m:t>𝑟</m:t>
-                            </m:r>
-                          </m:sub>
-                        </m:sSub>
-                        <m:r>
-                          <a:rPr lang="en-US" altLang="zh-CN" b="1" i="1" smtClean="0">
-                            <a:latin typeface="Cambria Math" panose="02040503050406030204" pitchFamily="18" charset="0"/>
-                            <a:cs typeface="Times New Roman" panose="02020603050405020304" pitchFamily="18" charset="0"/>
-                          </a:rPr>
-                          <m:t>+</m:t>
-                        </m:r>
-                        <m:sSub>
-                          <m:sSubPr>
-                            <m:ctrlPr>
-                              <a:rPr lang="en-US" altLang="zh-CN" b="1" i="1" smtClean="0">
-                                <a:latin typeface="Cambria Math" panose="02040503050406030204" pitchFamily="18" charset="0"/>
-                                <a:cs typeface="Times New Roman" panose="02020603050405020304" pitchFamily="18" charset="0"/>
-                              </a:rPr>
-                            </m:ctrlPr>
-                          </m:sSubPr>
-                          <m:e>
-                            <m:r>
-                              <a:rPr lang="en-US" altLang="zh-CN" b="1" i="1" smtClean="0">
-                                <a:latin typeface="Cambria Math" panose="02040503050406030204" pitchFamily="18" charset="0"/>
-                                <a:cs typeface="Times New Roman" panose="02020603050405020304" pitchFamily="18" charset="0"/>
-                              </a:rPr>
-                              <m:t>𝒙</m:t>
-                            </m:r>
-                          </m:e>
-                          <m:sub>
-                            <m:r>
-                              <a:rPr lang="en-US" altLang="zh-CN" b="0" i="1" smtClean="0">
-                                <a:latin typeface="Cambria Math" panose="02040503050406030204" pitchFamily="18" charset="0"/>
-                                <a:cs typeface="Times New Roman" panose="02020603050405020304" pitchFamily="18" charset="0"/>
-                              </a:rPr>
-                              <m:t>𝑛</m:t>
-                            </m:r>
-                          </m:sub>
-                        </m:sSub>
-                      </m:oMath>
-                    </m:oMathPara>
-                  </a14:m>
-                  <a:endParaRPr lang="zh-CN" altLang="en-US" b="1" dirty="0">
-                    <a:latin typeface="Times New Roman" panose="02020603050405020304" pitchFamily="18" charset="0"/>
-                    <a:cs typeface="Times New Roman" panose="02020603050405020304" pitchFamily="18" charset="0"/>
-                  </a:endParaRPr>
-                </a:p>
-              </p:txBody>
-            </p:sp>
-          </mc:Choice>
-          <mc:Fallback>
-            <p:sp>
-              <p:nvSpPr>
-                <p:cNvPr id="30" name="文本框 29">
-                  <a:extLst>
-                    <a:ext uri="{FF2B5EF4-FFF2-40B4-BE49-F238E27FC236}">
-                      <a16:creationId xmlns:a16="http://schemas.microsoft.com/office/drawing/2014/main" id="{D7F9CD67-AC56-44E5-85D2-0C15DC8451A7}"/>
-                    </a:ext>
-                  </a:extLst>
-                </p:cNvPr>
-                <p:cNvSpPr txBox="1">
-                  <a:spLocks noRot="1" noChangeAspect="1" noMove="1" noResize="1" noEditPoints="1" noAdjustHandles="1" noChangeArrowheads="1" noChangeShapeType="1" noTextEdit="1"/>
-                </p:cNvSpPr>
-                <p:nvPr/>
-              </p:nvSpPr>
-              <p:spPr>
-                <a:xfrm>
-                  <a:off x="4720978" y="2957532"/>
-                  <a:ext cx="1437191" cy="369332"/>
-                </a:xfrm>
-                <a:prstGeom prst="rect">
-                  <a:avLst/>
-                </a:prstGeom>
-                <a:blipFill>
-                  <a:blip r:embed="rId12"/>
-                  <a:stretch>
-                    <a:fillRect/>
-                  </a:stretch>
-                </a:blipFill>
-              </p:spPr>
-              <p:txBody>
-                <a:bodyPr/>
-                <a:lstStyle/>
-                <a:p>
-                  <a:r>
-                    <a:rPr lang="zh-CN" altLang="en-US">
-                      <a:noFill/>
-                    </a:rPr>
-                    <a:t> </a:t>
-                  </a:r>
-                </a:p>
-              </p:txBody>
-            </p:sp>
-          </mc:Fallback>
-        </mc:AlternateContent>
-        <p:cxnSp>
-          <p:nvCxnSpPr>
-            <p:cNvPr id="3" name="直接箭头连接符 2">
-              <a:extLst>
-                <a:ext uri="{FF2B5EF4-FFF2-40B4-BE49-F238E27FC236}">
-                  <a16:creationId xmlns:a16="http://schemas.microsoft.com/office/drawing/2014/main" id="{6C081B57-D65C-4EEF-8315-AB16D0179DFE}"/>
-                </a:ext>
-              </a:extLst>
-            </p:cNvPr>
-            <p:cNvCxnSpPr>
-              <a:cxnSpLocks/>
-              <a:endCxn id="16" idx="1"/>
-            </p:cNvCxnSpPr>
-            <p:nvPr/>
-          </p:nvCxnSpPr>
-          <p:spPr>
-            <a:xfrm flipV="1">
-              <a:off x="3849882" y="2119188"/>
-              <a:ext cx="3679605" cy="74323"/>
-            </a:xfrm>
-            <a:prstGeom prst="straightConnector1">
-              <a:avLst/>
-            </a:prstGeom>
-            <a:ln w="19050">
-              <a:solidFill>
-                <a:srgbClr val="C00000"/>
-              </a:solidFill>
-              <a:tailEnd type="triangle" w="lg" len="lg"/>
-            </a:ln>
-          </p:spPr>
-          <p:style>
-            <a:lnRef idx="1">
-              <a:schemeClr val="accent1"/>
-            </a:lnRef>
-            <a:fillRef idx="0">
-              <a:schemeClr val="accent1"/>
-            </a:fillRef>
-            <a:effectRef idx="0">
-              <a:schemeClr val="accent1"/>
-            </a:effectRef>
-            <a:fontRef idx="minor">
-              <a:schemeClr val="tx1"/>
-            </a:fontRef>
-          </p:style>
-        </p:cxnSp>
-        <mc:AlternateContent xmlns:mc="http://schemas.openxmlformats.org/markup-compatibility/2006">
-          <mc:Choice xmlns:a14="http://schemas.microsoft.com/office/drawing/2010/main" Requires="a14">
-            <p:sp>
-              <p:nvSpPr>
-                <p:cNvPr id="29" name="文本框 28">
-                  <a:extLst>
-                    <a:ext uri="{FF2B5EF4-FFF2-40B4-BE49-F238E27FC236}">
-                      <a16:creationId xmlns:a16="http://schemas.microsoft.com/office/drawing/2014/main" id="{C366A0DC-9E2B-4261-A3BC-51F7A25314C5}"/>
-                    </a:ext>
-                  </a:extLst>
-                </p:cNvPr>
-                <p:cNvSpPr txBox="1"/>
-                <p:nvPr/>
-              </p:nvSpPr>
-              <p:spPr>
-                <a:xfrm>
-                  <a:off x="5022900" y="1764580"/>
+                  <a:off x="4596216" y="2393326"/>
                   <a:ext cx="1322832" cy="369332"/>
                 </a:xfrm>
                 <a:prstGeom prst="rect">
@@ -6002,36 +6779,8 @@
                             <a:latin typeface="Cambria Math" panose="02040503050406030204" pitchFamily="18" charset="0"/>
                             <a:cs typeface="Times New Roman" panose="02020603050405020304" pitchFamily="18" charset="0"/>
                           </a:rPr>
-                          <m:t>𝑨</m:t>
+                          <m:t>𝑨𝒙</m:t>
                         </m:r>
-                        <m:sSub>
-                          <m:sSubPr>
-                            <m:ctrlPr>
-                              <a:rPr lang="en-US" altLang="zh-CN" b="1" i="1" smtClean="0">
-                                <a:latin typeface="Cambria Math" panose="02040503050406030204" pitchFamily="18" charset="0"/>
-                                <a:cs typeface="Times New Roman" panose="02020603050405020304" pitchFamily="18" charset="0"/>
-                              </a:rPr>
-                            </m:ctrlPr>
-                          </m:sSubPr>
-                          <m:e>
-                            <m:r>
-                              <a:rPr lang="en-US" altLang="zh-CN" b="1" i="1" smtClean="0">
-                                <a:latin typeface="Cambria Math" panose="02040503050406030204" pitchFamily="18" charset="0"/>
-                                <a:cs typeface="Times New Roman" panose="02020603050405020304" pitchFamily="18" charset="0"/>
-                              </a:rPr>
-                              <m:t>𝒙</m:t>
-                            </m:r>
-                          </m:e>
-                          <m:sub>
-                            <m:r>
-                              <a:rPr lang="en-US" altLang="zh-CN" b="0" i="1" smtClean="0">
-                                <a:latin typeface="Cambria Math" panose="02040503050406030204" pitchFamily="18" charset="0"/>
-                                <a:cs typeface="Times New Roman" panose="02020603050405020304" pitchFamily="18" charset="0"/>
-                              </a:rPr>
-                              <m:t>𝑟</m:t>
-                            </m:r>
-                          </m:sub>
-                        </m:sSub>
                         <m:r>
                           <a:rPr lang="en-US" altLang="zh-CN" b="1" i="1" smtClean="0">
                             <a:latin typeface="Cambria Math" panose="02040503050406030204" pitchFamily="18" charset="0"/>
@@ -6060,10 +6809,10 @@
           <mc:Fallback>
             <p:sp>
               <p:nvSpPr>
-                <p:cNvPr id="29" name="文本框 28">
+                <p:cNvPr id="36" name="文本框 35">
                   <a:extLst>
                     <a:ext uri="{FF2B5EF4-FFF2-40B4-BE49-F238E27FC236}">
-                      <a16:creationId xmlns:a16="http://schemas.microsoft.com/office/drawing/2014/main" id="{C366A0DC-9E2B-4261-A3BC-51F7A25314C5}"/>
+                      <a16:creationId xmlns:a16="http://schemas.microsoft.com/office/drawing/2014/main" id="{6A5FA42F-B86E-40C4-8C8D-5A0B4D12D2AD}"/>
                     </a:ext>
                   </a:extLst>
                 </p:cNvPr>
@@ -6074,625 +6823,14 @@
               </p:nvSpPr>
               <p:spPr>
                 <a:xfrm>
-                  <a:off x="5022900" y="1764580"/>
+                  <a:off x="4596216" y="2393326"/>
                   <a:ext cx="1322832" cy="369332"/>
                 </a:xfrm>
                 <a:prstGeom prst="rect">
                   <a:avLst/>
                 </a:prstGeom>
                 <a:blipFill>
-                  <a:blip r:embed="rId13"/>
-                  <a:stretch>
-                    <a:fillRect/>
-                  </a:stretch>
-                </a:blipFill>
-              </p:spPr>
-              <p:txBody>
-                <a:bodyPr/>
-                <a:lstStyle/>
-                <a:p>
-                  <a:r>
-                    <a:rPr lang="zh-CN" altLang="en-US">
-                      <a:noFill/>
-                    </a:rPr>
-                    <a:t> </a:t>
-                  </a:r>
-                </a:p>
-              </p:txBody>
-            </p:sp>
-          </mc:Fallback>
-        </mc:AlternateContent>
-        <mc:AlternateContent xmlns:mc="http://schemas.openxmlformats.org/markup-compatibility/2006">
-          <mc:Choice xmlns:a14="http://schemas.microsoft.com/office/drawing/2010/main" Requires="a14">
-            <p:sp>
-              <p:nvSpPr>
-                <p:cNvPr id="32" name="文本框 31">
-                  <a:extLst>
-                    <a:ext uri="{FF2B5EF4-FFF2-40B4-BE49-F238E27FC236}">
-                      <a16:creationId xmlns:a16="http://schemas.microsoft.com/office/drawing/2014/main" id="{6888B957-D61D-4613-9071-CFECD45579DE}"/>
-                    </a:ext>
-                  </a:extLst>
-                </p:cNvPr>
-                <p:cNvSpPr txBox="1"/>
-                <p:nvPr/>
-              </p:nvSpPr>
-              <p:spPr>
-                <a:xfrm>
-                  <a:off x="3426499" y="2011818"/>
-                  <a:ext cx="384048" cy="369332"/>
-                </a:xfrm>
-                <a:prstGeom prst="rect">
-                  <a:avLst/>
-                </a:prstGeom>
-                <a:noFill/>
-              </p:spPr>
-              <p:txBody>
-                <a:bodyPr wrap="square">
-                  <a:spAutoFit/>
-                </a:bodyPr>
-                <a:lstStyle/>
-                <a:p>
-                  <a:pPr/>
-                  <a14:m>
-                    <m:oMathPara xmlns:m="http://schemas.openxmlformats.org/officeDocument/2006/math">
-                      <m:oMathParaPr>
-                        <m:jc m:val="centerGroup"/>
-                      </m:oMathParaPr>
-                      <m:oMath xmlns:m="http://schemas.openxmlformats.org/officeDocument/2006/math">
-                        <m:sSub>
-                          <m:sSubPr>
-                            <m:ctrlPr>
-                              <a:rPr lang="en-US" altLang="zh-CN" b="1" i="1" smtClean="0">
-                                <a:latin typeface="Cambria Math" panose="02040503050406030204" pitchFamily="18" charset="0"/>
-                                <a:cs typeface="Times New Roman" panose="02020603050405020304" pitchFamily="18" charset="0"/>
-                              </a:rPr>
-                            </m:ctrlPr>
-                          </m:sSubPr>
-                          <m:e>
-                            <m:r>
-                              <a:rPr lang="en-US" altLang="zh-CN" b="1" i="1" smtClean="0">
-                                <a:latin typeface="Cambria Math" panose="02040503050406030204" pitchFamily="18" charset="0"/>
-                                <a:cs typeface="Times New Roman" panose="02020603050405020304" pitchFamily="18" charset="0"/>
-                              </a:rPr>
-                              <m:t>𝒙</m:t>
-                            </m:r>
-                          </m:e>
-                          <m:sub>
-                            <m:r>
-                              <a:rPr lang="en-US" altLang="zh-CN" b="0" i="1" smtClean="0">
-                                <a:latin typeface="Cambria Math" panose="02040503050406030204" pitchFamily="18" charset="0"/>
-                                <a:cs typeface="Times New Roman" panose="02020603050405020304" pitchFamily="18" charset="0"/>
-                              </a:rPr>
-                              <m:t>𝑟</m:t>
-                            </m:r>
-                          </m:sub>
-                        </m:sSub>
-                      </m:oMath>
-                    </m:oMathPara>
-                  </a14:m>
-                  <a:endParaRPr lang="zh-CN" altLang="en-US" dirty="0"/>
-                </a:p>
-              </p:txBody>
-            </p:sp>
-          </mc:Choice>
-          <mc:Fallback>
-            <p:sp>
-              <p:nvSpPr>
-                <p:cNvPr id="32" name="文本框 31">
-                  <a:extLst>
-                    <a:ext uri="{FF2B5EF4-FFF2-40B4-BE49-F238E27FC236}">
-                      <a16:creationId xmlns:a16="http://schemas.microsoft.com/office/drawing/2014/main" id="{6888B957-D61D-4613-9071-CFECD45579DE}"/>
-                    </a:ext>
-                  </a:extLst>
-                </p:cNvPr>
-                <p:cNvSpPr txBox="1">
-                  <a:spLocks noRot="1" noChangeAspect="1" noMove="1" noResize="1" noEditPoints="1" noAdjustHandles="1" noChangeArrowheads="1" noChangeShapeType="1" noTextEdit="1"/>
-                </p:cNvSpPr>
-                <p:nvPr/>
-              </p:nvSpPr>
-              <p:spPr>
-                <a:xfrm>
-                  <a:off x="3426499" y="2011818"/>
-                  <a:ext cx="384048" cy="369332"/>
-                </a:xfrm>
-                <a:prstGeom prst="rect">
-                  <a:avLst/>
-                </a:prstGeom>
-                <a:blipFill>
-                  <a:blip r:embed="rId14"/>
-                  <a:stretch>
-                    <a:fillRect/>
-                  </a:stretch>
-                </a:blipFill>
-              </p:spPr>
-              <p:txBody>
-                <a:bodyPr/>
-                <a:lstStyle/>
-                <a:p>
-                  <a:r>
-                    <a:rPr lang="zh-CN" altLang="en-US">
-                      <a:noFill/>
-                    </a:rPr>
-                    <a:t> </a:t>
-                  </a:r>
-                </a:p>
-              </p:txBody>
-            </p:sp>
-          </mc:Fallback>
-        </mc:AlternateContent>
-        <mc:AlternateContent xmlns:mc="http://schemas.openxmlformats.org/markup-compatibility/2006">
-          <mc:Choice xmlns:a14="http://schemas.microsoft.com/office/drawing/2010/main" Requires="a14">
-            <p:sp>
-              <p:nvSpPr>
-                <p:cNvPr id="34" name="文本框 33">
-                  <a:extLst>
-                    <a:ext uri="{FF2B5EF4-FFF2-40B4-BE49-F238E27FC236}">
-                      <a16:creationId xmlns:a16="http://schemas.microsoft.com/office/drawing/2014/main" id="{F23C545C-E17B-4548-953B-24C8CF01ABF9}"/>
-                    </a:ext>
-                  </a:extLst>
-                </p:cNvPr>
-                <p:cNvSpPr txBox="1"/>
-                <p:nvPr/>
-              </p:nvSpPr>
-              <p:spPr>
-                <a:xfrm>
-                  <a:off x="7467914" y="1867430"/>
-                  <a:ext cx="384048" cy="369332"/>
-                </a:xfrm>
-                <a:prstGeom prst="rect">
-                  <a:avLst/>
-                </a:prstGeom>
-                <a:noFill/>
-              </p:spPr>
-              <p:txBody>
-                <a:bodyPr wrap="square">
-                  <a:spAutoFit/>
-                </a:bodyPr>
-                <a:lstStyle/>
-                <a:p>
-                  <a:pPr/>
-                  <a14:m>
-                    <m:oMathPara xmlns:m="http://schemas.openxmlformats.org/officeDocument/2006/math">
-                      <m:oMathParaPr>
-                        <m:jc m:val="centerGroup"/>
-                      </m:oMathParaPr>
-                      <m:oMath xmlns:m="http://schemas.openxmlformats.org/officeDocument/2006/math">
-                        <m:r>
-                          <a:rPr lang="en-US" altLang="zh-CN" b="0" i="1" smtClean="0">
-                            <a:latin typeface="Cambria Math" panose="02040503050406030204" pitchFamily="18" charset="0"/>
-                            <a:cs typeface="Times New Roman" panose="02020603050405020304" pitchFamily="18" charset="0"/>
-                          </a:rPr>
-                          <m:t>𝑏</m:t>
-                        </m:r>
-                      </m:oMath>
-                    </m:oMathPara>
-                  </a14:m>
-                  <a:endParaRPr lang="zh-CN" altLang="en-US" dirty="0"/>
-                </a:p>
-              </p:txBody>
-            </p:sp>
-          </mc:Choice>
-          <mc:Fallback>
-            <p:sp>
-              <p:nvSpPr>
-                <p:cNvPr id="34" name="文本框 33">
-                  <a:extLst>
-                    <a:ext uri="{FF2B5EF4-FFF2-40B4-BE49-F238E27FC236}">
-                      <a16:creationId xmlns:a16="http://schemas.microsoft.com/office/drawing/2014/main" id="{F23C545C-E17B-4548-953B-24C8CF01ABF9}"/>
-                    </a:ext>
-                  </a:extLst>
-                </p:cNvPr>
-                <p:cNvSpPr txBox="1">
-                  <a:spLocks noRot="1" noChangeAspect="1" noMove="1" noResize="1" noEditPoints="1" noAdjustHandles="1" noChangeArrowheads="1" noChangeShapeType="1" noTextEdit="1"/>
-                </p:cNvSpPr>
-                <p:nvPr/>
-              </p:nvSpPr>
-              <p:spPr>
-                <a:xfrm>
-                  <a:off x="7467914" y="1867430"/>
-                  <a:ext cx="384048" cy="369332"/>
-                </a:xfrm>
-                <a:prstGeom prst="rect">
-                  <a:avLst/>
-                </a:prstGeom>
-                <a:blipFill>
-                  <a:blip r:embed="rId15"/>
-                  <a:stretch>
-                    <a:fillRect/>
-                  </a:stretch>
-                </a:blipFill>
-              </p:spPr>
-              <p:txBody>
-                <a:bodyPr/>
-                <a:lstStyle/>
-                <a:p>
-                  <a:r>
-                    <a:rPr lang="zh-CN" altLang="en-US">
-                      <a:noFill/>
-                    </a:rPr>
-                    <a:t> </a:t>
-                  </a:r>
-                </a:p>
-              </p:txBody>
-            </p:sp>
-          </mc:Fallback>
-        </mc:AlternateContent>
-        <p:cxnSp>
-          <p:nvCxnSpPr>
-            <p:cNvPr id="40" name="直接箭头连接符 39">
-              <a:extLst>
-                <a:ext uri="{FF2B5EF4-FFF2-40B4-BE49-F238E27FC236}">
-                  <a16:creationId xmlns:a16="http://schemas.microsoft.com/office/drawing/2014/main" id="{06F25198-FAD5-421E-9FAC-63EDC702E4FB}"/>
-                </a:ext>
-              </a:extLst>
-            </p:cNvPr>
-            <p:cNvCxnSpPr>
-              <a:cxnSpLocks/>
-            </p:cNvCxnSpPr>
-            <p:nvPr/>
-          </p:nvCxnSpPr>
-          <p:spPr>
-            <a:xfrm>
-              <a:off x="3818893" y="2196484"/>
-              <a:ext cx="793990" cy="813817"/>
-            </a:xfrm>
-            <a:prstGeom prst="straightConnector1">
-              <a:avLst/>
-            </a:prstGeom>
-            <a:ln w="19050">
-              <a:solidFill>
-                <a:srgbClr val="C00000"/>
-              </a:solidFill>
-              <a:prstDash val="dash"/>
-              <a:tailEnd type="triangle" w="lg" len="lg"/>
-            </a:ln>
-          </p:spPr>
-          <p:style>
-            <a:lnRef idx="1">
-              <a:schemeClr val="accent1"/>
-            </a:lnRef>
-            <a:fillRef idx="0">
-              <a:schemeClr val="accent1"/>
-            </a:fillRef>
-            <a:effectRef idx="0">
-              <a:schemeClr val="accent1"/>
-            </a:effectRef>
-            <a:fontRef idx="minor">
-              <a:schemeClr val="tx1"/>
-            </a:fontRef>
-          </p:style>
-        </p:cxnSp>
-        <p:cxnSp>
-          <p:nvCxnSpPr>
-            <p:cNvPr id="43" name="直接箭头连接符 42">
-              <a:extLst>
-                <a:ext uri="{FF2B5EF4-FFF2-40B4-BE49-F238E27FC236}">
-                  <a16:creationId xmlns:a16="http://schemas.microsoft.com/office/drawing/2014/main" id="{C4D40FF7-D15F-423B-8684-94240646B667}"/>
-                </a:ext>
-              </a:extLst>
-            </p:cNvPr>
-            <p:cNvCxnSpPr>
-              <a:cxnSpLocks/>
-              <a:stCxn id="46" idx="0"/>
-            </p:cNvCxnSpPr>
-            <p:nvPr/>
-          </p:nvCxnSpPr>
-          <p:spPr>
-            <a:xfrm flipV="1">
-              <a:off x="4159742" y="3018410"/>
-              <a:ext cx="453141" cy="994807"/>
-            </a:xfrm>
-            <a:prstGeom prst="straightConnector1">
-              <a:avLst/>
-            </a:prstGeom>
-            <a:ln w="19050">
-              <a:solidFill>
-                <a:srgbClr val="C00000"/>
-              </a:solidFill>
-              <a:prstDash val="dash"/>
-              <a:tailEnd type="triangle" w="lg" len="lg"/>
-            </a:ln>
-          </p:spPr>
-          <p:style>
-            <a:lnRef idx="1">
-              <a:schemeClr val="accent1"/>
-            </a:lnRef>
-            <a:fillRef idx="0">
-              <a:schemeClr val="accent1"/>
-            </a:fillRef>
-            <a:effectRef idx="0">
-              <a:schemeClr val="accent1"/>
-            </a:effectRef>
-            <a:fontRef idx="minor">
-              <a:schemeClr val="tx1"/>
-            </a:fontRef>
-          </p:style>
-        </p:cxnSp>
-        <mc:AlternateContent xmlns:mc="http://schemas.openxmlformats.org/markup-compatibility/2006">
-          <mc:Choice xmlns:a14="http://schemas.microsoft.com/office/drawing/2010/main" Requires="a14">
-            <p:sp>
-              <p:nvSpPr>
-                <p:cNvPr id="46" name="文本框 45">
-                  <a:extLst>
-                    <a:ext uri="{FF2B5EF4-FFF2-40B4-BE49-F238E27FC236}">
-                      <a16:creationId xmlns:a16="http://schemas.microsoft.com/office/drawing/2014/main" id="{00ABE643-4E10-4EB2-BF02-A88AEB4C7F97}"/>
-                    </a:ext>
-                  </a:extLst>
-                </p:cNvPr>
-                <p:cNvSpPr txBox="1"/>
-                <p:nvPr/>
-              </p:nvSpPr>
-              <p:spPr>
-                <a:xfrm>
-                  <a:off x="3947782" y="4013217"/>
-                  <a:ext cx="423919" cy="369332"/>
-                </a:xfrm>
-                <a:prstGeom prst="rect">
-                  <a:avLst/>
-                </a:prstGeom>
-                <a:noFill/>
-              </p:spPr>
-              <p:txBody>
-                <a:bodyPr wrap="square">
-                  <a:spAutoFit/>
-                </a:bodyPr>
-                <a:lstStyle/>
-                <a:p>
-                  <a:pPr/>
-                  <a14:m>
-                    <m:oMathPara xmlns:m="http://schemas.openxmlformats.org/officeDocument/2006/math">
-                      <m:oMathParaPr>
-                        <m:jc m:val="centerGroup"/>
-                      </m:oMathParaPr>
-                      <m:oMath xmlns:m="http://schemas.openxmlformats.org/officeDocument/2006/math">
-                        <m:sSub>
-                          <m:sSubPr>
-                            <m:ctrlPr>
-                              <a:rPr lang="en-US" altLang="zh-CN" b="1" i="1" smtClean="0">
-                                <a:latin typeface="Cambria Math" panose="02040503050406030204" pitchFamily="18" charset="0"/>
-                                <a:cs typeface="Times New Roman" panose="02020603050405020304" pitchFamily="18" charset="0"/>
-                              </a:rPr>
-                            </m:ctrlPr>
-                          </m:sSubPr>
-                          <m:e>
-                            <m:r>
-                              <a:rPr lang="en-US" altLang="zh-CN" b="1" i="1" smtClean="0">
-                                <a:latin typeface="Cambria Math" panose="02040503050406030204" pitchFamily="18" charset="0"/>
-                                <a:cs typeface="Times New Roman" panose="02020603050405020304" pitchFamily="18" charset="0"/>
-                              </a:rPr>
-                              <m:t>𝒙</m:t>
-                            </m:r>
-                          </m:e>
-                          <m:sub>
-                            <m:r>
-                              <a:rPr lang="en-US" altLang="zh-CN" b="0" i="1" smtClean="0">
-                                <a:latin typeface="Cambria Math" panose="02040503050406030204" pitchFamily="18" charset="0"/>
-                                <a:cs typeface="Times New Roman" panose="02020603050405020304" pitchFamily="18" charset="0"/>
-                              </a:rPr>
-                              <m:t>𝑛</m:t>
-                            </m:r>
-                          </m:sub>
-                        </m:sSub>
-                      </m:oMath>
-                    </m:oMathPara>
-                  </a14:m>
-                  <a:endParaRPr lang="zh-CN" altLang="en-US" dirty="0"/>
-                </a:p>
-              </p:txBody>
-            </p:sp>
-          </mc:Choice>
-          <mc:Fallback>
-            <p:sp>
-              <p:nvSpPr>
-                <p:cNvPr id="46" name="文本框 45">
-                  <a:extLst>
-                    <a:ext uri="{FF2B5EF4-FFF2-40B4-BE49-F238E27FC236}">
-                      <a16:creationId xmlns:a16="http://schemas.microsoft.com/office/drawing/2014/main" id="{00ABE643-4E10-4EB2-BF02-A88AEB4C7F97}"/>
-                    </a:ext>
-                  </a:extLst>
-                </p:cNvPr>
-                <p:cNvSpPr txBox="1">
-                  <a:spLocks noRot="1" noChangeAspect="1" noMove="1" noResize="1" noEditPoints="1" noAdjustHandles="1" noChangeArrowheads="1" noChangeShapeType="1" noTextEdit="1"/>
-                </p:cNvSpPr>
-                <p:nvPr/>
-              </p:nvSpPr>
-              <p:spPr>
-                <a:xfrm>
-                  <a:off x="3947782" y="4013217"/>
-                  <a:ext cx="423919" cy="369332"/>
-                </a:xfrm>
-                <a:prstGeom prst="rect">
-                  <a:avLst/>
-                </a:prstGeom>
-                <a:blipFill>
-                  <a:blip r:embed="rId16"/>
-                  <a:stretch>
-                    <a:fillRect/>
-                  </a:stretch>
-                </a:blipFill>
-              </p:spPr>
-              <p:txBody>
-                <a:bodyPr/>
-                <a:lstStyle/>
-                <a:p>
-                  <a:r>
-                    <a:rPr lang="zh-CN" altLang="en-US">
-                      <a:noFill/>
-                    </a:rPr>
-                    <a:t> </a:t>
-                  </a:r>
-                </a:p>
-              </p:txBody>
-            </p:sp>
-          </mc:Fallback>
-        </mc:AlternateContent>
-        <p:cxnSp>
-          <p:nvCxnSpPr>
-            <p:cNvPr id="48" name="直接箭头连接符 47">
-              <a:extLst>
-                <a:ext uri="{FF2B5EF4-FFF2-40B4-BE49-F238E27FC236}">
-                  <a16:creationId xmlns:a16="http://schemas.microsoft.com/office/drawing/2014/main" id="{187740DE-02D1-4FDB-BFBC-939421E2BD09}"/>
-                </a:ext>
-              </a:extLst>
-            </p:cNvPr>
-            <p:cNvCxnSpPr>
-              <a:cxnSpLocks/>
-              <a:stCxn id="46" idx="0"/>
-            </p:cNvCxnSpPr>
-            <p:nvPr/>
-          </p:nvCxnSpPr>
-          <p:spPr>
-            <a:xfrm flipV="1">
-              <a:off x="4159742" y="2962473"/>
-              <a:ext cx="4090564" cy="1050744"/>
-            </a:xfrm>
-            <a:prstGeom prst="straightConnector1">
-              <a:avLst/>
-            </a:prstGeom>
-            <a:ln w="19050">
-              <a:solidFill>
-                <a:srgbClr val="C00000"/>
-              </a:solidFill>
-              <a:tailEnd type="triangle" w="lg" len="lg"/>
-            </a:ln>
-          </p:spPr>
-          <p:style>
-            <a:lnRef idx="1">
-              <a:schemeClr val="accent1"/>
-            </a:lnRef>
-            <a:fillRef idx="0">
-              <a:schemeClr val="accent1"/>
-            </a:fillRef>
-            <a:effectRef idx="0">
-              <a:schemeClr val="accent1"/>
-            </a:effectRef>
-            <a:fontRef idx="minor">
-              <a:schemeClr val="tx1"/>
-            </a:fontRef>
-          </p:style>
-        </p:cxnSp>
-        <mc:AlternateContent xmlns:mc="http://schemas.openxmlformats.org/markup-compatibility/2006">
-          <mc:Choice xmlns:a14="http://schemas.microsoft.com/office/drawing/2010/main" Requires="a14">
-            <p:sp>
-              <p:nvSpPr>
-                <p:cNvPr id="78" name="文本框 77">
-                  <a:extLst>
-                    <a:ext uri="{FF2B5EF4-FFF2-40B4-BE49-F238E27FC236}">
-                      <a16:creationId xmlns:a16="http://schemas.microsoft.com/office/drawing/2014/main" id="{C6C42422-C072-4CCC-894F-49B5AE6B01A7}"/>
-                    </a:ext>
-                  </a:extLst>
-                </p:cNvPr>
-                <p:cNvSpPr txBox="1"/>
-                <p:nvPr/>
-              </p:nvSpPr>
-              <p:spPr>
-                <a:xfrm>
-                  <a:off x="5235424" y="3682624"/>
-                  <a:ext cx="1322832" cy="369332"/>
-                </a:xfrm>
-                <a:prstGeom prst="rect">
-                  <a:avLst/>
-                </a:prstGeom>
-                <a:noFill/>
-              </p:spPr>
-              <p:txBody>
-                <a:bodyPr wrap="square" rtlCol="0">
-                  <a:spAutoFit/>
-                </a:bodyPr>
-                <a:lstStyle/>
-                <a:p>
-                  <a:pPr/>
-                  <a14:m>
-                    <m:oMathPara xmlns:m="http://schemas.openxmlformats.org/officeDocument/2006/math">
-                      <m:oMathParaPr>
-                        <m:jc m:val="centerGroup"/>
-                      </m:oMathParaPr>
-                      <m:oMath xmlns:m="http://schemas.openxmlformats.org/officeDocument/2006/math">
-                        <m:r>
-                          <a:rPr lang="en-US" altLang="zh-CN" b="1" i="1" smtClean="0">
-                            <a:latin typeface="Cambria Math" panose="02040503050406030204" pitchFamily="18" charset="0"/>
-                            <a:cs typeface="Times New Roman" panose="02020603050405020304" pitchFamily="18" charset="0"/>
-                          </a:rPr>
-                          <m:t>𝑨</m:t>
-                        </m:r>
-                        <m:sSub>
-                          <m:sSubPr>
-                            <m:ctrlPr>
-                              <a:rPr lang="en-US" altLang="zh-CN" b="1" i="1" smtClean="0">
-                                <a:latin typeface="Cambria Math" panose="02040503050406030204" pitchFamily="18" charset="0"/>
-                                <a:cs typeface="Times New Roman" panose="02020603050405020304" pitchFamily="18" charset="0"/>
-                              </a:rPr>
-                            </m:ctrlPr>
-                          </m:sSubPr>
-                          <m:e>
-                            <m:r>
-                              <a:rPr lang="en-US" altLang="zh-CN" b="1" i="1" smtClean="0">
-                                <a:latin typeface="Cambria Math" panose="02040503050406030204" pitchFamily="18" charset="0"/>
-                                <a:cs typeface="Times New Roman" panose="02020603050405020304" pitchFamily="18" charset="0"/>
-                              </a:rPr>
-                              <m:t>𝒙</m:t>
-                            </m:r>
-                          </m:e>
-                          <m:sub>
-                            <m:r>
-                              <a:rPr lang="en-US" altLang="zh-CN" b="0" i="1" smtClean="0">
-                                <a:latin typeface="Cambria Math" panose="02040503050406030204" pitchFamily="18" charset="0"/>
-                                <a:cs typeface="Times New Roman" panose="02020603050405020304" pitchFamily="18" charset="0"/>
-                              </a:rPr>
-                              <m:t>𝑛</m:t>
-                            </m:r>
-                          </m:sub>
-                        </m:sSub>
-                        <m:r>
-                          <a:rPr lang="en-US" altLang="zh-CN" b="1" i="1" smtClean="0">
-                            <a:latin typeface="Cambria Math" panose="02040503050406030204" pitchFamily="18" charset="0"/>
-                            <a:cs typeface="Times New Roman" panose="02020603050405020304" pitchFamily="18" charset="0"/>
-                          </a:rPr>
-                          <m:t>=</m:t>
-                        </m:r>
-                        <m:r>
-                          <a:rPr lang="en-US" altLang="zh-CN" b="1" i="1" smtClean="0">
-                            <a:latin typeface="Cambria Math" panose="02040503050406030204" pitchFamily="18" charset="0"/>
-                            <a:cs typeface="Times New Roman" panose="02020603050405020304" pitchFamily="18" charset="0"/>
-                          </a:rPr>
-                          <m:t>𝟎</m:t>
-                        </m:r>
-                      </m:oMath>
-                    </m:oMathPara>
-                  </a14:m>
-                  <a:endParaRPr lang="zh-CN" altLang="en-US" b="1" dirty="0">
-                    <a:latin typeface="Times New Roman" panose="02020603050405020304" pitchFamily="18" charset="0"/>
-                    <a:cs typeface="Times New Roman" panose="02020603050405020304" pitchFamily="18" charset="0"/>
-                  </a:endParaRPr>
-                </a:p>
-              </p:txBody>
-            </p:sp>
-          </mc:Choice>
-          <mc:Fallback>
-            <p:sp>
-              <p:nvSpPr>
-                <p:cNvPr id="78" name="文本框 77">
-                  <a:extLst>
-                    <a:ext uri="{FF2B5EF4-FFF2-40B4-BE49-F238E27FC236}">
-                      <a16:creationId xmlns:a16="http://schemas.microsoft.com/office/drawing/2014/main" id="{C6C42422-C072-4CCC-894F-49B5AE6B01A7}"/>
-                    </a:ext>
-                  </a:extLst>
-                </p:cNvPr>
-                <p:cNvSpPr txBox="1">
-                  <a:spLocks noRot="1" noChangeAspect="1" noMove="1" noResize="1" noEditPoints="1" noAdjustHandles="1" noChangeArrowheads="1" noChangeShapeType="1" noTextEdit="1"/>
-                </p:cNvSpPr>
-                <p:nvPr/>
-              </p:nvSpPr>
-              <p:spPr>
-                <a:xfrm>
-                  <a:off x="5235424" y="3682624"/>
-                  <a:ext cx="1322832" cy="369332"/>
-                </a:xfrm>
-                <a:prstGeom prst="rect">
-                  <a:avLst/>
-                </a:prstGeom>
-                <a:blipFill>
-                  <a:blip r:embed="rId17"/>
+                  <a:blip r:embed="rId18"/>
                   <a:stretch>
                     <a:fillRect/>
                   </a:stretch>
@@ -6718,6 +6856,1074 @@
     <p:extLst>
       <p:ext uri="{BB962C8B-B14F-4D97-AF65-F5344CB8AC3E}">
         <p14:creationId xmlns:p14="http://schemas.microsoft.com/office/powerpoint/2010/main" val="439136227"/>
+      </p:ext>
+    </p:extLst>
+  </p:cSld>
+  <p:clrMapOvr>
+    <a:masterClrMapping/>
+  </p:clrMapOvr>
+</p:sld>
+</file>
+
+<file path=ppt/slides/slide3.xml><?xml version="1.0" encoding="utf-8"?>
+<p:sld xmlns:a="http://schemas.openxmlformats.org/drawingml/2006/main" xmlns:r="http://schemas.openxmlformats.org/officeDocument/2006/relationships" xmlns:p="http://schemas.openxmlformats.org/presentationml/2006/main">
+  <p:cSld>
+    <p:spTree>
+      <p:nvGrpSpPr>
+        <p:cNvPr id="1" name=""/>
+        <p:cNvGrpSpPr/>
+        <p:nvPr/>
+      </p:nvGrpSpPr>
+      <p:grpSpPr>
+        <a:xfrm>
+          <a:off x="0" y="0"/>
+          <a:ext cx="0" cy="0"/>
+          <a:chOff x="0" y="0"/>
+          <a:chExt cx="0" cy="0"/>
+        </a:xfrm>
+      </p:grpSpPr>
+      <p:pic>
+        <p:nvPicPr>
+          <p:cNvPr id="5" name="图片 4">
+            <a:extLst>
+              <a:ext uri="{FF2B5EF4-FFF2-40B4-BE49-F238E27FC236}">
+                <a16:creationId xmlns:a16="http://schemas.microsoft.com/office/drawing/2014/main" id="{B2FEEAD5-21F4-42FB-B3AD-9FA60D52EE2E}"/>
+              </a:ext>
+            </a:extLst>
+          </p:cNvPr>
+          <p:cNvPicPr>
+            <a:picLocks noChangeAspect="1"/>
+          </p:cNvPicPr>
+          <p:nvPr/>
+        </p:nvPicPr>
+        <p:blipFill>
+          <a:blip r:embed="rId2">
+            <a:extLst>
+              <a:ext uri="{28A0092B-C50C-407E-A947-70E740481C1C}">
+                <a14:useLocalDpi xmlns:a14="http://schemas.microsoft.com/office/drawing/2010/main" val="0"/>
+              </a:ext>
+            </a:extLst>
+          </a:blip>
+          <a:srcRect/>
+          <a:stretch/>
+        </p:blipFill>
+        <p:spPr>
+          <a:xfrm>
+            <a:off x="3359634" y="1272353"/>
+            <a:ext cx="5472730" cy="4313294"/>
+          </a:xfrm>
+          <a:prstGeom prst="rect">
+            <a:avLst/>
+          </a:prstGeom>
+        </p:spPr>
+      </p:pic>
+    </p:spTree>
+    <p:extLst>
+      <p:ext uri="{BB962C8B-B14F-4D97-AF65-F5344CB8AC3E}">
+        <p14:creationId xmlns:p14="http://schemas.microsoft.com/office/powerpoint/2010/main" val="1939119410"/>
+      </p:ext>
+    </p:extLst>
+  </p:cSld>
+  <p:clrMapOvr>
+    <a:masterClrMapping/>
+  </p:clrMapOvr>
+</p:sld>
+</file>
+
+<file path=ppt/slides/slide4.xml><?xml version="1.0" encoding="utf-8"?>
+<p:sld xmlns:a="http://schemas.openxmlformats.org/drawingml/2006/main" xmlns:r="http://schemas.openxmlformats.org/officeDocument/2006/relationships" xmlns:p="http://schemas.openxmlformats.org/presentationml/2006/main">
+  <p:cSld>
+    <p:spTree>
+      <p:nvGrpSpPr>
+        <p:cNvPr id="1" name=""/>
+        <p:cNvGrpSpPr/>
+        <p:nvPr/>
+      </p:nvGrpSpPr>
+      <p:grpSpPr>
+        <a:xfrm>
+          <a:off x="0" y="0"/>
+          <a:ext cx="0" cy="0"/>
+          <a:chOff x="0" y="0"/>
+          <a:chExt cx="0" cy="0"/>
+        </a:xfrm>
+      </p:grpSpPr>
+      <p:sp>
+        <p:nvSpPr>
+          <p:cNvPr id="3" name="平行四边形 2">
+            <a:extLst>
+              <a:ext uri="{FF2B5EF4-FFF2-40B4-BE49-F238E27FC236}">
+                <a16:creationId xmlns:a16="http://schemas.microsoft.com/office/drawing/2014/main" id="{DC9CC84B-91C0-41C0-B35F-641DDFAD92F7}"/>
+              </a:ext>
+            </a:extLst>
+          </p:cNvPr>
+          <p:cNvSpPr/>
+          <p:nvPr/>
+        </p:nvSpPr>
+        <p:spPr>
+          <a:xfrm rot="21200256">
+            <a:off x="2200607" y="2124354"/>
+            <a:ext cx="5526058" cy="2055823"/>
+          </a:xfrm>
+          <a:prstGeom prst="parallelogram">
+            <a:avLst/>
+          </a:prstGeom>
+          <a:noFill/>
+          <a:ln w="12700">
+            <a:solidFill>
+              <a:schemeClr val="tx1"/>
+            </a:solidFill>
+          </a:ln>
+        </p:spPr>
+        <p:style>
+          <a:lnRef idx="2">
+            <a:schemeClr val="accent1">
+              <a:shade val="50000"/>
+            </a:schemeClr>
+          </a:lnRef>
+          <a:fillRef idx="1">
+            <a:schemeClr val="accent1"/>
+          </a:fillRef>
+          <a:effectRef idx="0">
+            <a:schemeClr val="accent1"/>
+          </a:effectRef>
+          <a:fontRef idx="minor">
+            <a:schemeClr val="lt1"/>
+          </a:fontRef>
+        </p:style>
+        <p:txBody>
+          <a:bodyPr rtlCol="0" anchor="ctr"/>
+          <a:lstStyle/>
+          <a:p>
+            <a:pPr algn="ctr"/>
+            <a:endParaRPr lang="zh-CN" altLang="en-US"/>
+          </a:p>
+        </p:txBody>
+      </p:sp>
+      <p:cxnSp>
+        <p:nvCxnSpPr>
+          <p:cNvPr id="5" name="直接箭头连接符 4">
+            <a:extLst>
+              <a:ext uri="{FF2B5EF4-FFF2-40B4-BE49-F238E27FC236}">
+                <a16:creationId xmlns:a16="http://schemas.microsoft.com/office/drawing/2014/main" id="{27A39A25-EB69-4287-948A-BFD791E97E9E}"/>
+              </a:ext>
+            </a:extLst>
+          </p:cNvPr>
+          <p:cNvCxnSpPr>
+            <a:cxnSpLocks/>
+          </p:cNvCxnSpPr>
+          <p:nvPr/>
+        </p:nvCxnSpPr>
+        <p:spPr>
+          <a:xfrm flipV="1">
+            <a:off x="3905980" y="3112559"/>
+            <a:ext cx="1616996" cy="163150"/>
+          </a:xfrm>
+          <a:prstGeom prst="straightConnector1">
+            <a:avLst/>
+          </a:prstGeom>
+          <a:ln w="19050">
+            <a:solidFill>
+              <a:schemeClr val="tx1"/>
+            </a:solidFill>
+            <a:tailEnd type="triangle" w="lg" len="lg"/>
+          </a:ln>
+        </p:spPr>
+        <p:style>
+          <a:lnRef idx="1">
+            <a:schemeClr val="accent1"/>
+          </a:lnRef>
+          <a:fillRef idx="0">
+            <a:schemeClr val="accent1"/>
+          </a:fillRef>
+          <a:effectRef idx="0">
+            <a:schemeClr val="accent1"/>
+          </a:effectRef>
+          <a:fontRef idx="minor">
+            <a:schemeClr val="tx1"/>
+          </a:fontRef>
+        </p:style>
+      </p:cxnSp>
+      <p:cxnSp>
+        <p:nvCxnSpPr>
+          <p:cNvPr id="7" name="直接箭头连接符 6">
+            <a:extLst>
+              <a:ext uri="{FF2B5EF4-FFF2-40B4-BE49-F238E27FC236}">
+                <a16:creationId xmlns:a16="http://schemas.microsoft.com/office/drawing/2014/main" id="{0C491005-AFB3-430B-A3A3-6FB061D39CFF}"/>
+              </a:ext>
+            </a:extLst>
+          </p:cNvPr>
+          <p:cNvCxnSpPr>
+            <a:cxnSpLocks/>
+          </p:cNvCxnSpPr>
+          <p:nvPr/>
+        </p:nvCxnSpPr>
+        <p:spPr>
+          <a:xfrm flipV="1">
+            <a:off x="3905980" y="1591056"/>
+            <a:ext cx="1495076" cy="1684653"/>
+          </a:xfrm>
+          <a:prstGeom prst="straightConnector1">
+            <a:avLst/>
+          </a:prstGeom>
+          <a:ln w="19050">
+            <a:solidFill>
+              <a:schemeClr val="tx1"/>
+            </a:solidFill>
+            <a:tailEnd type="triangle" w="lg" len="lg"/>
+          </a:ln>
+        </p:spPr>
+        <p:style>
+          <a:lnRef idx="1">
+            <a:schemeClr val="accent1"/>
+          </a:lnRef>
+          <a:fillRef idx="0">
+            <a:schemeClr val="accent1"/>
+          </a:fillRef>
+          <a:effectRef idx="0">
+            <a:schemeClr val="accent1"/>
+          </a:effectRef>
+          <a:fontRef idx="minor">
+            <a:schemeClr val="tx1"/>
+          </a:fontRef>
+        </p:style>
+      </p:cxnSp>
+      <p:cxnSp>
+        <p:nvCxnSpPr>
+          <p:cNvPr id="10" name="直接箭头连接符 9">
+            <a:extLst>
+              <a:ext uri="{FF2B5EF4-FFF2-40B4-BE49-F238E27FC236}">
+                <a16:creationId xmlns:a16="http://schemas.microsoft.com/office/drawing/2014/main" id="{C8C3F366-A123-4FA5-9928-C15417AA8E22}"/>
+              </a:ext>
+            </a:extLst>
+          </p:cNvPr>
+          <p:cNvCxnSpPr>
+            <a:cxnSpLocks/>
+          </p:cNvCxnSpPr>
+          <p:nvPr/>
+        </p:nvCxnSpPr>
+        <p:spPr>
+          <a:xfrm>
+            <a:off x="5401056" y="1591056"/>
+            <a:ext cx="121920" cy="1521503"/>
+          </a:xfrm>
+          <a:prstGeom prst="straightConnector1">
+            <a:avLst/>
+          </a:prstGeom>
+          <a:ln w="19050">
+            <a:solidFill>
+              <a:schemeClr val="tx1"/>
+            </a:solidFill>
+            <a:tailEnd type="triangle" w="lg" len="lg"/>
+          </a:ln>
+        </p:spPr>
+        <p:style>
+          <a:lnRef idx="1">
+            <a:schemeClr val="accent1"/>
+          </a:lnRef>
+          <a:fillRef idx="0">
+            <a:schemeClr val="accent1"/>
+          </a:fillRef>
+          <a:effectRef idx="0">
+            <a:schemeClr val="accent1"/>
+          </a:effectRef>
+          <a:fontRef idx="minor">
+            <a:schemeClr val="tx1"/>
+          </a:fontRef>
+        </p:style>
+      </p:cxnSp>
+      <p:grpSp>
+        <p:nvGrpSpPr>
+          <p:cNvPr id="22" name="组合 21">
+            <a:extLst>
+              <a:ext uri="{FF2B5EF4-FFF2-40B4-BE49-F238E27FC236}">
+                <a16:creationId xmlns:a16="http://schemas.microsoft.com/office/drawing/2014/main" id="{F87AD68E-5976-4179-986D-2E36CD00F654}"/>
+              </a:ext>
+            </a:extLst>
+          </p:cNvPr>
+          <p:cNvGrpSpPr/>
+          <p:nvPr/>
+        </p:nvGrpSpPr>
+        <p:grpSpPr>
+          <a:xfrm>
+            <a:off x="2893951" y="3621881"/>
+            <a:ext cx="542195" cy="413449"/>
+            <a:chOff x="2872519" y="3829049"/>
+            <a:chExt cx="542195" cy="413449"/>
+          </a:xfrm>
+        </p:grpSpPr>
+        <p:cxnSp>
+          <p:nvCxnSpPr>
+            <p:cNvPr id="15" name="直接箭头连接符 14">
+              <a:extLst>
+                <a:ext uri="{FF2B5EF4-FFF2-40B4-BE49-F238E27FC236}">
+                  <a16:creationId xmlns:a16="http://schemas.microsoft.com/office/drawing/2014/main" id="{5CCEBEC0-EDB8-4036-BE27-2C03081B2DD4}"/>
+                </a:ext>
+              </a:extLst>
+            </p:cNvPr>
+            <p:cNvCxnSpPr>
+              <a:cxnSpLocks/>
+            </p:cNvCxnSpPr>
+            <p:nvPr/>
+          </p:nvCxnSpPr>
+          <p:spPr>
+            <a:xfrm flipV="1">
+              <a:off x="2872519" y="4186237"/>
+              <a:ext cx="542195" cy="56259"/>
+            </a:xfrm>
+            <a:prstGeom prst="straightConnector1">
+              <a:avLst/>
+            </a:prstGeom>
+            <a:ln w="19050">
+              <a:solidFill>
+                <a:schemeClr val="tx1"/>
+              </a:solidFill>
+              <a:tailEnd type="triangle"/>
+            </a:ln>
+          </p:spPr>
+          <p:style>
+            <a:lnRef idx="1">
+              <a:schemeClr val="accent1"/>
+            </a:lnRef>
+            <a:fillRef idx="0">
+              <a:schemeClr val="accent1"/>
+            </a:fillRef>
+            <a:effectRef idx="0">
+              <a:schemeClr val="accent1"/>
+            </a:effectRef>
+            <a:fontRef idx="minor">
+              <a:schemeClr val="tx1"/>
+            </a:fontRef>
+          </p:style>
+        </p:cxnSp>
+        <p:cxnSp>
+          <p:nvCxnSpPr>
+            <p:cNvPr id="19" name="直接箭头连接符 18">
+              <a:extLst>
+                <a:ext uri="{FF2B5EF4-FFF2-40B4-BE49-F238E27FC236}">
+                  <a16:creationId xmlns:a16="http://schemas.microsoft.com/office/drawing/2014/main" id="{541BF895-9130-43A0-AF4A-37FC72D8CAF0}"/>
+                </a:ext>
+              </a:extLst>
+            </p:cNvPr>
+            <p:cNvCxnSpPr>
+              <a:cxnSpLocks/>
+            </p:cNvCxnSpPr>
+            <p:nvPr/>
+          </p:nvCxnSpPr>
+          <p:spPr>
+            <a:xfrm flipV="1">
+              <a:off x="2872519" y="3829049"/>
+              <a:ext cx="63562" cy="413449"/>
+            </a:xfrm>
+            <a:prstGeom prst="straightConnector1">
+              <a:avLst/>
+            </a:prstGeom>
+            <a:ln w="19050">
+              <a:solidFill>
+                <a:schemeClr val="tx1"/>
+              </a:solidFill>
+              <a:tailEnd type="triangle"/>
+            </a:ln>
+          </p:spPr>
+          <p:style>
+            <a:lnRef idx="1">
+              <a:schemeClr val="accent1"/>
+            </a:lnRef>
+            <a:fillRef idx="0">
+              <a:schemeClr val="accent1"/>
+            </a:fillRef>
+            <a:effectRef idx="0">
+              <a:schemeClr val="accent1"/>
+            </a:effectRef>
+            <a:fontRef idx="minor">
+              <a:schemeClr val="tx1"/>
+            </a:fontRef>
+          </p:style>
+        </p:cxnSp>
+      </p:grpSp>
+      <mc:AlternateContent xmlns:mc="http://schemas.openxmlformats.org/markup-compatibility/2006" xmlns:a14="http://schemas.microsoft.com/office/drawing/2010/main">
+        <mc:Choice Requires="a14">
+          <p:sp>
+            <p:nvSpPr>
+              <p:cNvPr id="25" name="文本框 24">
+                <a:extLst>
+                  <a:ext uri="{FF2B5EF4-FFF2-40B4-BE49-F238E27FC236}">
+                    <a16:creationId xmlns:a16="http://schemas.microsoft.com/office/drawing/2014/main" id="{F5079D8F-8CE8-4B1C-9CB8-A5F2FD800D58}"/>
+                  </a:ext>
+                </a:extLst>
+              </p:cNvPr>
+              <p:cNvSpPr txBox="1"/>
+              <p:nvPr/>
+            </p:nvSpPr>
+            <p:spPr>
+              <a:xfrm>
+                <a:off x="3436146" y="3794403"/>
+                <a:ext cx="407194" cy="369332"/>
+              </a:xfrm>
+              <a:prstGeom prst="rect">
+                <a:avLst/>
+              </a:prstGeom>
+              <a:noFill/>
+            </p:spPr>
+            <p:txBody>
+              <a:bodyPr wrap="square" rtlCol="0">
+                <a:spAutoFit/>
+              </a:bodyPr>
+              <a:lstStyle/>
+              <a:p>
+                <a:pPr/>
+                <a14:m>
+                  <m:oMathPara xmlns:m="http://schemas.openxmlformats.org/officeDocument/2006/math">
+                    <m:oMathParaPr>
+                      <m:jc m:val="centerGroup"/>
+                    </m:oMathParaPr>
+                    <m:oMath xmlns:m="http://schemas.openxmlformats.org/officeDocument/2006/math">
+                      <m:sSub>
+                        <m:sSubPr>
+                          <m:ctrlPr>
+                            <a:rPr lang="en-US" altLang="zh-CN" i="1" smtClean="0">
+                              <a:latin typeface="Cambria Math" panose="02040503050406030204" pitchFamily="18" charset="0"/>
+                            </a:rPr>
+                          </m:ctrlPr>
+                        </m:sSubPr>
+                        <m:e>
+                          <m:r>
+                            <a:rPr lang="en-US" altLang="zh-CN" b="1" i="1" smtClean="0">
+                              <a:latin typeface="Cambria Math" panose="02040503050406030204" pitchFamily="18" charset="0"/>
+                            </a:rPr>
+                            <m:t>𝒂</m:t>
+                          </m:r>
+                        </m:e>
+                        <m:sub>
+                          <m:r>
+                            <a:rPr lang="en-US" altLang="zh-CN" i="1">
+                              <a:latin typeface="Cambria Math" panose="02040503050406030204" pitchFamily="18" charset="0"/>
+                            </a:rPr>
+                            <m:t>1</m:t>
+                          </m:r>
+                        </m:sub>
+                      </m:sSub>
+                    </m:oMath>
+                  </m:oMathPara>
+                </a14:m>
+                <a:endParaRPr lang="zh-CN" altLang="en-US" dirty="0"/>
+              </a:p>
+            </p:txBody>
+          </p:sp>
+        </mc:Choice>
+        <mc:Fallback xmlns="">
+          <p:sp>
+            <p:nvSpPr>
+              <p:cNvPr id="25" name="文本框 24">
+                <a:extLst>
+                  <a:ext uri="{FF2B5EF4-FFF2-40B4-BE49-F238E27FC236}">
+                    <a16:creationId xmlns:a16="http://schemas.microsoft.com/office/drawing/2014/main" id="{F5079D8F-8CE8-4B1C-9CB8-A5F2FD800D58}"/>
+                  </a:ext>
+                </a:extLst>
+              </p:cNvPr>
+              <p:cNvSpPr txBox="1">
+                <a:spLocks noRot="1" noChangeAspect="1" noMove="1" noResize="1" noEditPoints="1" noAdjustHandles="1" noChangeArrowheads="1" noChangeShapeType="1" noTextEdit="1"/>
+              </p:cNvSpPr>
+              <p:nvPr/>
+            </p:nvSpPr>
+            <p:spPr>
+              <a:xfrm>
+                <a:off x="3436146" y="3794403"/>
+                <a:ext cx="407194" cy="369332"/>
+              </a:xfrm>
+              <a:prstGeom prst="rect">
+                <a:avLst/>
+              </a:prstGeom>
+              <a:blipFill>
+                <a:blip r:embed="rId2"/>
+                <a:stretch>
+                  <a:fillRect/>
+                </a:stretch>
+              </a:blipFill>
+            </p:spPr>
+            <p:txBody>
+              <a:bodyPr/>
+              <a:lstStyle/>
+              <a:p>
+                <a:r>
+                  <a:rPr lang="zh-CN" altLang="en-US">
+                    <a:noFill/>
+                  </a:rPr>
+                  <a:t> </a:t>
+                </a:r>
+              </a:p>
+            </p:txBody>
+          </p:sp>
+        </mc:Fallback>
+      </mc:AlternateContent>
+      <mc:AlternateContent xmlns:mc="http://schemas.openxmlformats.org/markup-compatibility/2006" xmlns:a14="http://schemas.microsoft.com/office/drawing/2010/main">
+        <mc:Choice Requires="a14">
+          <p:sp>
+            <p:nvSpPr>
+              <p:cNvPr id="26" name="文本框 25">
+                <a:extLst>
+                  <a:ext uri="{FF2B5EF4-FFF2-40B4-BE49-F238E27FC236}">
+                    <a16:creationId xmlns:a16="http://schemas.microsoft.com/office/drawing/2014/main" id="{73862216-8D1A-47F5-A832-F63056696001}"/>
+                  </a:ext>
+                </a:extLst>
+              </p:cNvPr>
+              <p:cNvSpPr txBox="1"/>
+              <p:nvPr/>
+            </p:nvSpPr>
+            <p:spPr>
+              <a:xfrm>
+                <a:off x="2753916" y="3246477"/>
+                <a:ext cx="407194" cy="369332"/>
+              </a:xfrm>
+              <a:prstGeom prst="rect">
+                <a:avLst/>
+              </a:prstGeom>
+              <a:noFill/>
+            </p:spPr>
+            <p:txBody>
+              <a:bodyPr wrap="square" rtlCol="0">
+                <a:spAutoFit/>
+              </a:bodyPr>
+              <a:lstStyle/>
+              <a:p>
+                <a:pPr/>
+                <a14:m>
+                  <m:oMathPara xmlns:m="http://schemas.openxmlformats.org/officeDocument/2006/math">
+                    <m:oMathParaPr>
+                      <m:jc m:val="centerGroup"/>
+                    </m:oMathParaPr>
+                    <m:oMath xmlns:m="http://schemas.openxmlformats.org/officeDocument/2006/math">
+                      <m:sSub>
+                        <m:sSubPr>
+                          <m:ctrlPr>
+                            <a:rPr lang="en-US" altLang="zh-CN" i="1" smtClean="0">
+                              <a:latin typeface="Cambria Math" panose="02040503050406030204" pitchFamily="18" charset="0"/>
+                            </a:rPr>
+                          </m:ctrlPr>
+                        </m:sSubPr>
+                        <m:e>
+                          <m:r>
+                            <a:rPr lang="en-US" altLang="zh-CN" b="1" i="1" smtClean="0">
+                              <a:latin typeface="Cambria Math" panose="02040503050406030204" pitchFamily="18" charset="0"/>
+                            </a:rPr>
+                            <m:t>𝒂</m:t>
+                          </m:r>
+                        </m:e>
+                        <m:sub>
+                          <m:r>
+                            <a:rPr lang="en-US" altLang="zh-CN" b="0" i="1" smtClean="0">
+                              <a:latin typeface="Cambria Math" panose="02040503050406030204" pitchFamily="18" charset="0"/>
+                            </a:rPr>
+                            <m:t>2</m:t>
+                          </m:r>
+                        </m:sub>
+                      </m:sSub>
+                    </m:oMath>
+                  </m:oMathPara>
+                </a14:m>
+                <a:endParaRPr lang="zh-CN" altLang="en-US" dirty="0"/>
+              </a:p>
+            </p:txBody>
+          </p:sp>
+        </mc:Choice>
+        <mc:Fallback xmlns="">
+          <p:sp>
+            <p:nvSpPr>
+              <p:cNvPr id="26" name="文本框 25">
+                <a:extLst>
+                  <a:ext uri="{FF2B5EF4-FFF2-40B4-BE49-F238E27FC236}">
+                    <a16:creationId xmlns:a16="http://schemas.microsoft.com/office/drawing/2014/main" id="{73862216-8D1A-47F5-A832-F63056696001}"/>
+                  </a:ext>
+                </a:extLst>
+              </p:cNvPr>
+              <p:cNvSpPr txBox="1">
+                <a:spLocks noRot="1" noChangeAspect="1" noMove="1" noResize="1" noEditPoints="1" noAdjustHandles="1" noChangeArrowheads="1" noChangeShapeType="1" noTextEdit="1"/>
+              </p:cNvSpPr>
+              <p:nvPr/>
+            </p:nvSpPr>
+            <p:spPr>
+              <a:xfrm>
+                <a:off x="2753916" y="3246477"/>
+                <a:ext cx="407194" cy="369332"/>
+              </a:xfrm>
+              <a:prstGeom prst="rect">
+                <a:avLst/>
+              </a:prstGeom>
+              <a:blipFill>
+                <a:blip r:embed="rId3"/>
+                <a:stretch>
+                  <a:fillRect/>
+                </a:stretch>
+              </a:blipFill>
+            </p:spPr>
+            <p:txBody>
+              <a:bodyPr/>
+              <a:lstStyle/>
+              <a:p>
+                <a:r>
+                  <a:rPr lang="zh-CN" altLang="en-US">
+                    <a:noFill/>
+                  </a:rPr>
+                  <a:t> </a:t>
+                </a:r>
+              </a:p>
+            </p:txBody>
+          </p:sp>
+        </mc:Fallback>
+      </mc:AlternateContent>
+      <mc:AlternateContent xmlns:mc="http://schemas.openxmlformats.org/markup-compatibility/2006" xmlns:a14="http://schemas.microsoft.com/office/drawing/2010/main">
+        <mc:Choice Requires="a14">
+          <p:sp>
+            <p:nvSpPr>
+              <p:cNvPr id="27" name="文本框 26">
+                <a:extLst>
+                  <a:ext uri="{FF2B5EF4-FFF2-40B4-BE49-F238E27FC236}">
+                    <a16:creationId xmlns:a16="http://schemas.microsoft.com/office/drawing/2014/main" id="{598DC618-9F8E-4815-B3BA-9C9DE3713553}"/>
+                  </a:ext>
+                </a:extLst>
+              </p:cNvPr>
+              <p:cNvSpPr txBox="1"/>
+              <p:nvPr/>
+            </p:nvSpPr>
+            <p:spPr>
+              <a:xfrm>
+                <a:off x="4760039" y="1516228"/>
+                <a:ext cx="407194" cy="369332"/>
+              </a:xfrm>
+              <a:prstGeom prst="rect">
+                <a:avLst/>
+              </a:prstGeom>
+              <a:noFill/>
+            </p:spPr>
+            <p:txBody>
+              <a:bodyPr wrap="square" rtlCol="0">
+                <a:spAutoFit/>
+              </a:bodyPr>
+              <a:lstStyle/>
+              <a:p>
+                <a:pPr/>
+                <a14:m>
+                  <m:oMathPara xmlns:m="http://schemas.openxmlformats.org/officeDocument/2006/math">
+                    <m:oMathParaPr>
+                      <m:jc m:val="centerGroup"/>
+                    </m:oMathParaPr>
+                    <m:oMath xmlns:m="http://schemas.openxmlformats.org/officeDocument/2006/math">
+                      <m:r>
+                        <a:rPr lang="en-US" altLang="zh-CN" b="1" i="1" smtClean="0">
+                          <a:latin typeface="Cambria Math" panose="02040503050406030204" pitchFamily="18" charset="0"/>
+                        </a:rPr>
+                        <m:t>𝒃</m:t>
+                      </m:r>
+                    </m:oMath>
+                  </m:oMathPara>
+                </a14:m>
+                <a:endParaRPr lang="zh-CN" altLang="en-US" b="1" dirty="0"/>
+              </a:p>
+            </p:txBody>
+          </p:sp>
+        </mc:Choice>
+        <mc:Fallback xmlns="">
+          <p:sp>
+            <p:nvSpPr>
+              <p:cNvPr id="27" name="文本框 26">
+                <a:extLst>
+                  <a:ext uri="{FF2B5EF4-FFF2-40B4-BE49-F238E27FC236}">
+                    <a16:creationId xmlns:a16="http://schemas.microsoft.com/office/drawing/2014/main" id="{598DC618-9F8E-4815-B3BA-9C9DE3713553}"/>
+                  </a:ext>
+                </a:extLst>
+              </p:cNvPr>
+              <p:cNvSpPr txBox="1">
+                <a:spLocks noRot="1" noChangeAspect="1" noMove="1" noResize="1" noEditPoints="1" noAdjustHandles="1" noChangeArrowheads="1" noChangeShapeType="1" noTextEdit="1"/>
+              </p:cNvSpPr>
+              <p:nvPr/>
+            </p:nvSpPr>
+            <p:spPr>
+              <a:xfrm>
+                <a:off x="4760039" y="1516228"/>
+                <a:ext cx="407194" cy="369332"/>
+              </a:xfrm>
+              <a:prstGeom prst="rect">
+                <a:avLst/>
+              </a:prstGeom>
+              <a:blipFill>
+                <a:blip r:embed="rId4"/>
+                <a:stretch>
+                  <a:fillRect/>
+                </a:stretch>
+              </a:blipFill>
+            </p:spPr>
+            <p:txBody>
+              <a:bodyPr/>
+              <a:lstStyle/>
+              <a:p>
+                <a:r>
+                  <a:rPr lang="zh-CN" altLang="en-US">
+                    <a:noFill/>
+                  </a:rPr>
+                  <a:t> </a:t>
+                </a:r>
+              </a:p>
+            </p:txBody>
+          </p:sp>
+        </mc:Fallback>
+      </mc:AlternateContent>
+      <mc:AlternateContent xmlns:mc="http://schemas.openxmlformats.org/markup-compatibility/2006" xmlns:a14="http://schemas.microsoft.com/office/drawing/2010/main">
+        <mc:Choice Requires="a14">
+          <p:sp>
+            <p:nvSpPr>
+              <p:cNvPr id="30" name="文本框 29">
+                <a:extLst>
+                  <a:ext uri="{FF2B5EF4-FFF2-40B4-BE49-F238E27FC236}">
+                    <a16:creationId xmlns:a16="http://schemas.microsoft.com/office/drawing/2014/main" id="{B9526D98-5DEB-499B-8401-A1943362D9C3}"/>
+                  </a:ext>
+                </a:extLst>
+              </p:cNvPr>
+              <p:cNvSpPr txBox="1"/>
+              <p:nvPr/>
+            </p:nvSpPr>
+            <p:spPr>
+              <a:xfrm>
+                <a:off x="4714478" y="3246477"/>
+                <a:ext cx="407194" cy="369332"/>
+              </a:xfrm>
+              <a:prstGeom prst="rect">
+                <a:avLst/>
+              </a:prstGeom>
+              <a:noFill/>
+            </p:spPr>
+            <p:txBody>
+              <a:bodyPr wrap="square" rtlCol="0">
+                <a:spAutoFit/>
+              </a:bodyPr>
+              <a:lstStyle/>
+              <a:p>
+                <a:pPr/>
+                <a14:m>
+                  <m:oMathPara xmlns:m="http://schemas.openxmlformats.org/officeDocument/2006/math">
+                    <m:oMathParaPr>
+                      <m:jc m:val="centerGroup"/>
+                    </m:oMathParaPr>
+                    <m:oMath xmlns:m="http://schemas.openxmlformats.org/officeDocument/2006/math">
+                      <m:r>
+                        <a:rPr lang="en-US" altLang="zh-CN" b="1" i="1" smtClean="0">
+                          <a:latin typeface="Cambria Math" panose="02040503050406030204" pitchFamily="18" charset="0"/>
+                        </a:rPr>
+                        <m:t>𝒑</m:t>
+                      </m:r>
+                    </m:oMath>
+                  </m:oMathPara>
+                </a14:m>
+                <a:endParaRPr lang="zh-CN" altLang="en-US" b="1" dirty="0"/>
+              </a:p>
+            </p:txBody>
+          </p:sp>
+        </mc:Choice>
+        <mc:Fallback xmlns="">
+          <p:sp>
+            <p:nvSpPr>
+              <p:cNvPr id="30" name="文本框 29">
+                <a:extLst>
+                  <a:ext uri="{FF2B5EF4-FFF2-40B4-BE49-F238E27FC236}">
+                    <a16:creationId xmlns:a16="http://schemas.microsoft.com/office/drawing/2014/main" id="{B9526D98-5DEB-499B-8401-A1943362D9C3}"/>
+                  </a:ext>
+                </a:extLst>
+              </p:cNvPr>
+              <p:cNvSpPr txBox="1">
+                <a:spLocks noRot="1" noChangeAspect="1" noMove="1" noResize="1" noEditPoints="1" noAdjustHandles="1" noChangeArrowheads="1" noChangeShapeType="1" noTextEdit="1"/>
+              </p:cNvSpPr>
+              <p:nvPr/>
+            </p:nvSpPr>
+            <p:spPr>
+              <a:xfrm>
+                <a:off x="4714478" y="3246477"/>
+                <a:ext cx="407194" cy="369332"/>
+              </a:xfrm>
+              <a:prstGeom prst="rect">
+                <a:avLst/>
+              </a:prstGeom>
+              <a:blipFill>
+                <a:blip r:embed="rId5"/>
+                <a:stretch>
+                  <a:fillRect b="-6667"/>
+                </a:stretch>
+              </a:blipFill>
+            </p:spPr>
+            <p:txBody>
+              <a:bodyPr/>
+              <a:lstStyle/>
+              <a:p>
+                <a:r>
+                  <a:rPr lang="zh-CN" altLang="en-US">
+                    <a:noFill/>
+                  </a:rPr>
+                  <a:t> </a:t>
+                </a:r>
+              </a:p>
+            </p:txBody>
+          </p:sp>
+        </mc:Fallback>
+      </mc:AlternateContent>
+      <mc:AlternateContent xmlns:mc="http://schemas.openxmlformats.org/markup-compatibility/2006" xmlns:a14="http://schemas.microsoft.com/office/drawing/2010/main">
+        <mc:Choice Requires="a14">
+          <p:sp>
+            <p:nvSpPr>
+              <p:cNvPr id="13" name="文本框 12">
+                <a:extLst>
+                  <a:ext uri="{FF2B5EF4-FFF2-40B4-BE49-F238E27FC236}">
+                    <a16:creationId xmlns:a16="http://schemas.microsoft.com/office/drawing/2014/main" id="{33D51B36-68D0-4622-909B-574ED99861EB}"/>
+                  </a:ext>
+                </a:extLst>
+              </p:cNvPr>
+              <p:cNvSpPr txBox="1"/>
+              <p:nvPr/>
+            </p:nvSpPr>
+            <p:spPr>
+              <a:xfrm>
+                <a:off x="5462016" y="2167141"/>
+                <a:ext cx="407194" cy="369332"/>
+              </a:xfrm>
+              <a:prstGeom prst="rect">
+                <a:avLst/>
+              </a:prstGeom>
+              <a:noFill/>
+            </p:spPr>
+            <p:txBody>
+              <a:bodyPr wrap="square" rtlCol="0">
+                <a:spAutoFit/>
+              </a:bodyPr>
+              <a:lstStyle/>
+              <a:p>
+                <a:pPr/>
+                <a14:m>
+                  <m:oMathPara xmlns:m="http://schemas.openxmlformats.org/officeDocument/2006/math">
+                    <m:oMathParaPr>
+                      <m:jc m:val="centerGroup"/>
+                    </m:oMathParaPr>
+                    <m:oMath xmlns:m="http://schemas.openxmlformats.org/officeDocument/2006/math">
+                      <m:r>
+                        <a:rPr lang="en-US" altLang="zh-CN" b="1" i="1" smtClean="0">
+                          <a:latin typeface="Cambria Math" panose="02040503050406030204" pitchFamily="18" charset="0"/>
+                        </a:rPr>
+                        <m:t>𝒆</m:t>
+                      </m:r>
+                    </m:oMath>
+                  </m:oMathPara>
+                </a14:m>
+                <a:endParaRPr lang="zh-CN" altLang="en-US" b="1" dirty="0"/>
+              </a:p>
+            </p:txBody>
+          </p:sp>
+        </mc:Choice>
+        <mc:Fallback xmlns="">
+          <p:sp>
+            <p:nvSpPr>
+              <p:cNvPr id="13" name="文本框 12">
+                <a:extLst>
+                  <a:ext uri="{FF2B5EF4-FFF2-40B4-BE49-F238E27FC236}">
+                    <a16:creationId xmlns:a16="http://schemas.microsoft.com/office/drawing/2014/main" id="{33D51B36-68D0-4622-909B-574ED99861EB}"/>
+                  </a:ext>
+                </a:extLst>
+              </p:cNvPr>
+              <p:cNvSpPr txBox="1">
+                <a:spLocks noRot="1" noChangeAspect="1" noMove="1" noResize="1" noEditPoints="1" noAdjustHandles="1" noChangeArrowheads="1" noChangeShapeType="1" noTextEdit="1"/>
+              </p:cNvSpPr>
+              <p:nvPr/>
+            </p:nvSpPr>
+            <p:spPr>
+              <a:xfrm>
+                <a:off x="5462016" y="2167141"/>
+                <a:ext cx="407194" cy="369332"/>
+              </a:xfrm>
+              <a:prstGeom prst="rect">
+                <a:avLst/>
+              </a:prstGeom>
+              <a:blipFill>
+                <a:blip r:embed="rId6"/>
+                <a:stretch>
+                  <a:fillRect/>
+                </a:stretch>
+              </a:blipFill>
+            </p:spPr>
+            <p:txBody>
+              <a:bodyPr/>
+              <a:lstStyle/>
+              <a:p>
+                <a:r>
+                  <a:rPr lang="zh-CN" altLang="en-US">
+                    <a:noFill/>
+                  </a:rPr>
+                  <a:t> </a:t>
+                </a:r>
+              </a:p>
+            </p:txBody>
+          </p:sp>
+        </mc:Fallback>
+      </mc:AlternateContent>
+      <mc:AlternateContent xmlns:mc="http://schemas.openxmlformats.org/markup-compatibility/2006" xmlns:a14="http://schemas.microsoft.com/office/drawing/2010/main">
+        <mc:Choice Requires="a14">
+          <p:sp>
+            <p:nvSpPr>
+              <p:cNvPr id="14" name="文本框 13">
+                <a:extLst>
+                  <a:ext uri="{FF2B5EF4-FFF2-40B4-BE49-F238E27FC236}">
+                    <a16:creationId xmlns:a16="http://schemas.microsoft.com/office/drawing/2014/main" id="{E2652FA5-39A5-4754-8830-45CD6DEEA7E0}"/>
+                  </a:ext>
+                </a:extLst>
+              </p:cNvPr>
+              <p:cNvSpPr txBox="1"/>
+              <p:nvPr/>
+            </p:nvSpPr>
+            <p:spPr>
+              <a:xfrm>
+                <a:off x="6587349" y="3194134"/>
+                <a:ext cx="407194" cy="523220"/>
+              </a:xfrm>
+              <a:prstGeom prst="rect">
+                <a:avLst/>
+              </a:prstGeom>
+              <a:noFill/>
+            </p:spPr>
+            <p:txBody>
+              <a:bodyPr wrap="square" rtlCol="0">
+                <a:spAutoFit/>
+              </a:bodyPr>
+              <a:lstStyle/>
+              <a:p>
+                <a:pPr/>
+                <a14:m>
+                  <m:oMathPara xmlns:m="http://schemas.openxmlformats.org/officeDocument/2006/math">
+                    <m:oMathParaPr>
+                      <m:jc m:val="centerGroup"/>
+                    </m:oMathParaPr>
+                    <m:oMath xmlns:m="http://schemas.openxmlformats.org/officeDocument/2006/math">
+                      <m:r>
+                        <a:rPr lang="en-US" altLang="zh-CN" sz="2800" b="1" i="1" smtClean="0">
+                          <a:latin typeface="Cambria Math" panose="02040503050406030204" pitchFamily="18" charset="0"/>
+                        </a:rPr>
+                        <m:t>𝑨</m:t>
+                      </m:r>
+                    </m:oMath>
+                  </m:oMathPara>
+                </a14:m>
+                <a:endParaRPr lang="zh-CN" altLang="en-US" b="1" dirty="0"/>
+              </a:p>
+            </p:txBody>
+          </p:sp>
+        </mc:Choice>
+        <mc:Fallback xmlns="">
+          <p:sp>
+            <p:nvSpPr>
+              <p:cNvPr id="14" name="文本框 13">
+                <a:extLst>
+                  <a:ext uri="{FF2B5EF4-FFF2-40B4-BE49-F238E27FC236}">
+                    <a16:creationId xmlns:a16="http://schemas.microsoft.com/office/drawing/2014/main" id="{E2652FA5-39A5-4754-8830-45CD6DEEA7E0}"/>
+                  </a:ext>
+                </a:extLst>
+              </p:cNvPr>
+              <p:cNvSpPr txBox="1">
+                <a:spLocks noRot="1" noChangeAspect="1" noMove="1" noResize="1" noEditPoints="1" noAdjustHandles="1" noChangeArrowheads="1" noChangeShapeType="1" noTextEdit="1"/>
+              </p:cNvSpPr>
+              <p:nvPr/>
+            </p:nvSpPr>
+            <p:spPr>
+              <a:xfrm>
+                <a:off x="6587349" y="3194134"/>
+                <a:ext cx="407194" cy="523220"/>
+              </a:xfrm>
+              <a:prstGeom prst="rect">
+                <a:avLst/>
+              </a:prstGeom>
+              <a:blipFill>
+                <a:blip r:embed="rId7"/>
+                <a:stretch>
+                  <a:fillRect/>
+                </a:stretch>
+              </a:blipFill>
+            </p:spPr>
+            <p:txBody>
+              <a:bodyPr/>
+              <a:lstStyle/>
+              <a:p>
+                <a:r>
+                  <a:rPr lang="zh-CN" altLang="en-US">
+                    <a:noFill/>
+                  </a:rPr>
+                  <a:t> </a:t>
+                </a:r>
+              </a:p>
+            </p:txBody>
+          </p:sp>
+        </mc:Fallback>
+      </mc:AlternateContent>
+    </p:spTree>
+    <p:extLst>
+      <p:ext uri="{BB962C8B-B14F-4D97-AF65-F5344CB8AC3E}">
+        <p14:creationId xmlns:p14="http://schemas.microsoft.com/office/powerpoint/2010/main" val="1978711242"/>
+      </p:ext>
+    </p:extLst>
+  </p:cSld>
+  <p:clrMapOvr>
+    <a:masterClrMapping/>
+  </p:clrMapOvr>
+</p:sld>
+</file>
+
+<file path=ppt/slides/slide5.xml><?xml version="1.0" encoding="utf-8"?>
+<p:sld xmlns:a="http://schemas.openxmlformats.org/drawingml/2006/main" xmlns:r="http://schemas.openxmlformats.org/officeDocument/2006/relationships" xmlns:p="http://schemas.openxmlformats.org/presentationml/2006/main">
+  <p:cSld>
+    <p:spTree>
+      <p:nvGrpSpPr>
+        <p:cNvPr id="1" name=""/>
+        <p:cNvGrpSpPr/>
+        <p:nvPr/>
+      </p:nvGrpSpPr>
+      <p:grpSpPr>
+        <a:xfrm>
+          <a:off x="0" y="0"/>
+          <a:ext cx="0" cy="0"/>
+          <a:chOff x="0" y="0"/>
+          <a:chExt cx="0" cy="0"/>
+        </a:xfrm>
+      </p:grpSpPr>
+      <p:pic>
+        <p:nvPicPr>
+          <p:cNvPr id="3" name="图片 2">
+            <a:extLst>
+              <a:ext uri="{FF2B5EF4-FFF2-40B4-BE49-F238E27FC236}">
+                <a16:creationId xmlns:a16="http://schemas.microsoft.com/office/drawing/2014/main" id="{50CF0B11-755B-43B5-A0F8-4C6B7D5859F9}"/>
+              </a:ext>
+            </a:extLst>
+          </p:cNvPr>
+          <p:cNvPicPr>
+            <a:picLocks noChangeAspect="1"/>
+          </p:cNvPicPr>
+          <p:nvPr/>
+        </p:nvPicPr>
+        <p:blipFill>
+          <a:blip r:embed="rId2">
+            <a:extLst>
+              <a:ext uri="{28A0092B-C50C-407E-A947-70E740481C1C}">
+                <a14:useLocalDpi xmlns:a14="http://schemas.microsoft.com/office/drawing/2010/main" val="0"/>
+              </a:ext>
+            </a:extLst>
+          </a:blip>
+          <a:stretch>
+            <a:fillRect/>
+          </a:stretch>
+        </p:blipFill>
+        <p:spPr>
+          <a:xfrm>
+            <a:off x="1820809" y="140685"/>
+            <a:ext cx="8550381" cy="6576630"/>
+          </a:xfrm>
+          <a:prstGeom prst="rect">
+            <a:avLst/>
+          </a:prstGeom>
+        </p:spPr>
+      </p:pic>
+    </p:spTree>
+    <p:extLst>
+      <p:ext uri="{BB962C8B-B14F-4D97-AF65-F5344CB8AC3E}">
+        <p14:creationId xmlns:p14="http://schemas.microsoft.com/office/powerpoint/2010/main" val="654327471"/>
       </p:ext>
     </p:extLst>
   </p:cSld>

--- a/figures/MIT-18.06.pptx
+++ b/figures/MIT-18.06.pptx
@@ -10,6 +10,7 @@
     <p:sldId id="258" r:id="rId4"/>
     <p:sldId id="259" r:id="rId5"/>
     <p:sldId id="260" r:id="rId6"/>
+    <p:sldId id="261" r:id="rId7"/>
   </p:sldIdLst>
   <p:sldSz cx="12192000" cy="6858000"/>
   <p:notesSz cx="6858000" cy="9144000"/>
@@ -274,7 +275,7 @@
           <a:p>
             <a:fld id="{E99580CA-37CF-4343-A9CD-2331FB018ECB}" type="datetimeFigureOut">
               <a:rPr lang="zh-CN" altLang="en-US" smtClean="0"/>
-              <a:t>2022/9/9</a:t>
+              <a:t>2022/9/19</a:t>
             </a:fld>
             <a:endParaRPr lang="zh-CN" altLang="en-US"/>
           </a:p>
@@ -472,7 +473,7 @@
           <a:p>
             <a:fld id="{E99580CA-37CF-4343-A9CD-2331FB018ECB}" type="datetimeFigureOut">
               <a:rPr lang="zh-CN" altLang="en-US" smtClean="0"/>
-              <a:t>2022/9/9</a:t>
+              <a:t>2022/9/19</a:t>
             </a:fld>
             <a:endParaRPr lang="zh-CN" altLang="en-US"/>
           </a:p>
@@ -680,7 +681,7 @@
           <a:p>
             <a:fld id="{E99580CA-37CF-4343-A9CD-2331FB018ECB}" type="datetimeFigureOut">
               <a:rPr lang="zh-CN" altLang="en-US" smtClean="0"/>
-              <a:t>2022/9/9</a:t>
+              <a:t>2022/9/19</a:t>
             </a:fld>
             <a:endParaRPr lang="zh-CN" altLang="en-US"/>
           </a:p>
@@ -878,7 +879,7 @@
           <a:p>
             <a:fld id="{E99580CA-37CF-4343-A9CD-2331FB018ECB}" type="datetimeFigureOut">
               <a:rPr lang="zh-CN" altLang="en-US" smtClean="0"/>
-              <a:t>2022/9/9</a:t>
+              <a:t>2022/9/19</a:t>
             </a:fld>
             <a:endParaRPr lang="zh-CN" altLang="en-US"/>
           </a:p>
@@ -1153,7 +1154,7 @@
           <a:p>
             <a:fld id="{E99580CA-37CF-4343-A9CD-2331FB018ECB}" type="datetimeFigureOut">
               <a:rPr lang="zh-CN" altLang="en-US" smtClean="0"/>
-              <a:t>2022/9/9</a:t>
+              <a:t>2022/9/19</a:t>
             </a:fld>
             <a:endParaRPr lang="zh-CN" altLang="en-US"/>
           </a:p>
@@ -1418,7 +1419,7 @@
           <a:p>
             <a:fld id="{E99580CA-37CF-4343-A9CD-2331FB018ECB}" type="datetimeFigureOut">
               <a:rPr lang="zh-CN" altLang="en-US" smtClean="0"/>
-              <a:t>2022/9/9</a:t>
+              <a:t>2022/9/19</a:t>
             </a:fld>
             <a:endParaRPr lang="zh-CN" altLang="en-US"/>
           </a:p>
@@ -1830,7 +1831,7 @@
           <a:p>
             <a:fld id="{E99580CA-37CF-4343-A9CD-2331FB018ECB}" type="datetimeFigureOut">
               <a:rPr lang="zh-CN" altLang="en-US" smtClean="0"/>
-              <a:t>2022/9/9</a:t>
+              <a:t>2022/9/19</a:t>
             </a:fld>
             <a:endParaRPr lang="zh-CN" altLang="en-US"/>
           </a:p>
@@ -1971,7 +1972,7 @@
           <a:p>
             <a:fld id="{E99580CA-37CF-4343-A9CD-2331FB018ECB}" type="datetimeFigureOut">
               <a:rPr lang="zh-CN" altLang="en-US" smtClean="0"/>
-              <a:t>2022/9/9</a:t>
+              <a:t>2022/9/19</a:t>
             </a:fld>
             <a:endParaRPr lang="zh-CN" altLang="en-US"/>
           </a:p>
@@ -2084,7 +2085,7 @@
           <a:p>
             <a:fld id="{E99580CA-37CF-4343-A9CD-2331FB018ECB}" type="datetimeFigureOut">
               <a:rPr lang="zh-CN" altLang="en-US" smtClean="0"/>
-              <a:t>2022/9/9</a:t>
+              <a:t>2022/9/19</a:t>
             </a:fld>
             <a:endParaRPr lang="zh-CN" altLang="en-US"/>
           </a:p>
@@ -2395,7 +2396,7 @@
           <a:p>
             <a:fld id="{E99580CA-37CF-4343-A9CD-2331FB018ECB}" type="datetimeFigureOut">
               <a:rPr lang="zh-CN" altLang="en-US" smtClean="0"/>
-              <a:t>2022/9/9</a:t>
+              <a:t>2022/9/19</a:t>
             </a:fld>
             <a:endParaRPr lang="zh-CN" altLang="en-US"/>
           </a:p>
@@ -2683,7 +2684,7 @@
           <a:p>
             <a:fld id="{E99580CA-37CF-4343-A9CD-2331FB018ECB}" type="datetimeFigureOut">
               <a:rPr lang="zh-CN" altLang="en-US" smtClean="0"/>
-              <a:t>2022/9/9</a:t>
+              <a:t>2022/9/19</a:t>
             </a:fld>
             <a:endParaRPr lang="zh-CN" altLang="en-US"/>
           </a:p>
@@ -2924,7 +2925,7 @@
           <a:p>
             <a:fld id="{E99580CA-37CF-4343-A9CD-2331FB018ECB}" type="datetimeFigureOut">
               <a:rPr lang="zh-CN" altLang="en-US" smtClean="0"/>
-              <a:t>2022/9/9</a:t>
+              <a:t>2022/9/19</a:t>
             </a:fld>
             <a:endParaRPr lang="zh-CN" altLang="en-US"/>
           </a:p>
@@ -6737,8 +6738,8 @@
             </mc:Fallback>
           </mc:AlternateContent>
         </p:grpSp>
-        <mc:AlternateContent xmlns:mc="http://schemas.openxmlformats.org/markup-compatibility/2006">
-          <mc:Choice xmlns:a14="http://schemas.microsoft.com/office/drawing/2010/main" Requires="a14">
+        <mc:AlternateContent xmlns:mc="http://schemas.openxmlformats.org/markup-compatibility/2006" xmlns:a14="http://schemas.microsoft.com/office/drawing/2010/main">
+          <mc:Choice Requires="a14">
             <p:sp>
               <p:nvSpPr>
                 <p:cNvPr id="36" name="文本框 35">
@@ -6806,7 +6807,7 @@
               </p:txBody>
             </p:sp>
           </mc:Choice>
-          <mc:Fallback>
+          <mc:Fallback xmlns="">
             <p:sp>
               <p:nvSpPr>
                 <p:cNvPr id="36" name="文本框 35">
@@ -7933,6 +7934,311 @@
 </p:sld>
 </file>
 
+<file path=ppt/slides/slide6.xml><?xml version="1.0" encoding="utf-8"?>
+<p:sld xmlns:a="http://schemas.openxmlformats.org/drawingml/2006/main" xmlns:r="http://schemas.openxmlformats.org/officeDocument/2006/relationships" xmlns:p="http://schemas.openxmlformats.org/presentationml/2006/main">
+  <p:cSld>
+    <p:spTree>
+      <p:nvGrpSpPr>
+        <p:cNvPr id="1" name=""/>
+        <p:cNvGrpSpPr/>
+        <p:nvPr/>
+      </p:nvGrpSpPr>
+      <p:grpSpPr>
+        <a:xfrm>
+          <a:off x="0" y="0"/>
+          <a:ext cx="0" cy="0"/>
+          <a:chOff x="0" y="0"/>
+          <a:chExt cx="0" cy="0"/>
+        </a:xfrm>
+      </p:grpSpPr>
+      <p:pic>
+        <p:nvPicPr>
+          <p:cNvPr id="3" name="图片 2">
+            <a:extLst>
+              <a:ext uri="{FF2B5EF4-FFF2-40B4-BE49-F238E27FC236}">
+                <a16:creationId xmlns:a16="http://schemas.microsoft.com/office/drawing/2014/main" id="{10163C8B-66EC-49F2-AA74-DC52D0004AB6}"/>
+              </a:ext>
+            </a:extLst>
+          </p:cNvPr>
+          <p:cNvPicPr>
+            <a:picLocks noChangeAspect="1"/>
+          </p:cNvPicPr>
+          <p:nvPr/>
+        </p:nvPicPr>
+        <p:blipFill>
+          <a:blip r:embed="rId2">
+            <a:extLst>
+              <a:ext uri="{28A0092B-C50C-407E-A947-70E740481C1C}">
+                <a14:useLocalDpi xmlns:a14="http://schemas.microsoft.com/office/drawing/2010/main" val="0"/>
+              </a:ext>
+            </a:extLst>
+          </a:blip>
+          <a:srcRect/>
+          <a:stretch/>
+        </p:blipFill>
+        <p:spPr>
+          <a:xfrm>
+            <a:off x="2918184" y="729968"/>
+            <a:ext cx="6355631" cy="5398062"/>
+          </a:xfrm>
+          <a:prstGeom prst="rect">
+            <a:avLst/>
+          </a:prstGeom>
+        </p:spPr>
+      </p:pic>
+      <mc:AlternateContent xmlns:mc="http://schemas.openxmlformats.org/markup-compatibility/2006">
+        <mc:Choice xmlns:a14="http://schemas.microsoft.com/office/drawing/2010/main" Requires="a14">
+          <p:sp>
+            <p:nvSpPr>
+              <p:cNvPr id="4" name="文本框 3">
+                <a:extLst>
+                  <a:ext uri="{FF2B5EF4-FFF2-40B4-BE49-F238E27FC236}">
+                    <a16:creationId xmlns:a16="http://schemas.microsoft.com/office/drawing/2014/main" id="{43CD972F-8E87-43C8-8C57-E672723AE41C}"/>
+                  </a:ext>
+                </a:extLst>
+              </p:cNvPr>
+              <p:cNvSpPr txBox="1"/>
+              <p:nvPr/>
+            </p:nvSpPr>
+            <p:spPr>
+              <a:xfrm>
+                <a:off x="6193536" y="729968"/>
+                <a:ext cx="981456" cy="369332"/>
+              </a:xfrm>
+              <a:prstGeom prst="rect">
+                <a:avLst/>
+              </a:prstGeom>
+              <a:noFill/>
+            </p:spPr>
+            <p:txBody>
+              <a:bodyPr wrap="square" rtlCol="0">
+                <a:spAutoFit/>
+              </a:bodyPr>
+              <a:lstStyle/>
+              <a:p>
+                <a:pPr algn="ctr"/>
+                <a14:m>
+                  <m:oMathPara xmlns:m="http://schemas.openxmlformats.org/officeDocument/2006/math">
+                    <m:oMathParaPr>
+                      <m:jc m:val="centerGroup"/>
+                    </m:oMathParaPr>
+                    <m:oMath xmlns:m="http://schemas.openxmlformats.org/officeDocument/2006/math">
+                      <m:r>
+                        <a:rPr lang="en-US" altLang="zh-CN" i="1" dirty="0" smtClean="0">
+                          <a:latin typeface="Cambria Math" panose="02040503050406030204" pitchFamily="18" charset="0"/>
+                        </a:rPr>
+                        <m:t>(</m:t>
+                      </m:r>
+                      <m:r>
+                        <a:rPr lang="en-US" altLang="zh-CN" i="1" dirty="0" err="1" smtClean="0">
+                          <a:latin typeface="Cambria Math" panose="02040503050406030204" pitchFamily="18" charset="0"/>
+                        </a:rPr>
+                        <m:t>𝑎</m:t>
+                      </m:r>
+                      <m:r>
+                        <a:rPr lang="en-US" altLang="zh-CN" i="1" dirty="0" err="1" smtClean="0">
+                          <a:latin typeface="Cambria Math" panose="02040503050406030204" pitchFamily="18" charset="0"/>
+                        </a:rPr>
+                        <m:t>,</m:t>
+                      </m:r>
+                      <m:r>
+                        <a:rPr lang="en-US" altLang="zh-CN" i="1" dirty="0" err="1" smtClean="0">
+                          <a:latin typeface="Cambria Math" panose="02040503050406030204" pitchFamily="18" charset="0"/>
+                        </a:rPr>
+                        <m:t>𝑏</m:t>
+                      </m:r>
+                      <m:r>
+                        <a:rPr lang="en-US" altLang="zh-CN" i="1" dirty="0" smtClean="0">
+                          <a:latin typeface="Cambria Math" panose="02040503050406030204" pitchFamily="18" charset="0"/>
+                        </a:rPr>
+                        <m:t>)</m:t>
+                      </m:r>
+                    </m:oMath>
+                  </m:oMathPara>
+                </a14:m>
+                <a:endParaRPr lang="zh-CN" altLang="en-US" dirty="0"/>
+              </a:p>
+            </p:txBody>
+          </p:sp>
+        </mc:Choice>
+        <mc:Fallback>
+          <p:sp>
+            <p:nvSpPr>
+              <p:cNvPr id="4" name="文本框 3">
+                <a:extLst>
+                  <a:ext uri="{FF2B5EF4-FFF2-40B4-BE49-F238E27FC236}">
+                    <a16:creationId xmlns:a16="http://schemas.microsoft.com/office/drawing/2014/main" id="{43CD972F-8E87-43C8-8C57-E672723AE41C}"/>
+                  </a:ext>
+                </a:extLst>
+              </p:cNvPr>
+              <p:cNvSpPr txBox="1">
+                <a:spLocks noRot="1" noChangeAspect="1" noMove="1" noResize="1" noEditPoints="1" noAdjustHandles="1" noChangeArrowheads="1" noChangeShapeType="1" noTextEdit="1"/>
+              </p:cNvSpPr>
+              <p:nvPr/>
+            </p:nvSpPr>
+            <p:spPr>
+              <a:xfrm>
+                <a:off x="6193536" y="729968"/>
+                <a:ext cx="981456" cy="369332"/>
+              </a:xfrm>
+              <a:prstGeom prst="rect">
+                <a:avLst/>
+              </a:prstGeom>
+              <a:blipFill>
+                <a:blip r:embed="rId3"/>
+                <a:stretch>
+                  <a:fillRect b="-13333"/>
+                </a:stretch>
+              </a:blipFill>
+            </p:spPr>
+            <p:txBody>
+              <a:bodyPr/>
+              <a:lstStyle/>
+              <a:p>
+                <a:r>
+                  <a:rPr lang="zh-CN" altLang="en-US">
+                    <a:noFill/>
+                  </a:rPr>
+                  <a:t> </a:t>
+                </a:r>
+              </a:p>
+            </p:txBody>
+          </p:sp>
+        </mc:Fallback>
+      </mc:AlternateContent>
+      <mc:AlternateContent xmlns:mc="http://schemas.openxmlformats.org/markup-compatibility/2006">
+        <mc:Choice xmlns:a14="http://schemas.microsoft.com/office/drawing/2010/main" Requires="a14">
+          <p:sp>
+            <p:nvSpPr>
+              <p:cNvPr id="5" name="文本框 4">
+                <a:extLst>
+                  <a:ext uri="{FF2B5EF4-FFF2-40B4-BE49-F238E27FC236}">
+                    <a16:creationId xmlns:a16="http://schemas.microsoft.com/office/drawing/2014/main" id="{F62181DE-46A3-4935-9F27-74AD64C843A7}"/>
+                  </a:ext>
+                </a:extLst>
+              </p:cNvPr>
+              <p:cNvSpPr txBox="1"/>
+              <p:nvPr/>
+            </p:nvSpPr>
+            <p:spPr>
+              <a:xfrm>
+                <a:off x="7741920" y="3520202"/>
+                <a:ext cx="981456" cy="369332"/>
+              </a:xfrm>
+              <a:prstGeom prst="rect">
+                <a:avLst/>
+              </a:prstGeom>
+              <a:noFill/>
+            </p:spPr>
+            <p:txBody>
+              <a:bodyPr wrap="square" rtlCol="0">
+                <a:spAutoFit/>
+              </a:bodyPr>
+              <a:lstStyle/>
+              <a:p>
+                <a:pPr algn="ctr"/>
+                <a14:m>
+                  <m:oMathPara xmlns:m="http://schemas.openxmlformats.org/officeDocument/2006/math">
+                    <m:oMathParaPr>
+                      <m:jc m:val="centerGroup"/>
+                    </m:oMathParaPr>
+                    <m:oMath xmlns:m="http://schemas.openxmlformats.org/officeDocument/2006/math">
+                      <m:r>
+                        <a:rPr lang="en-US" altLang="zh-CN" i="1" dirty="0" smtClean="0">
+                          <a:latin typeface="Cambria Math" panose="02040503050406030204" pitchFamily="18" charset="0"/>
+                        </a:rPr>
+                        <m:t>(</m:t>
+                      </m:r>
+                      <m:r>
+                        <a:rPr lang="en-US" altLang="zh-CN" b="0" i="1" dirty="0" smtClean="0">
+                          <a:latin typeface="Cambria Math" panose="02040503050406030204" pitchFamily="18" charset="0"/>
+                        </a:rPr>
+                        <m:t>𝑐</m:t>
+                      </m:r>
+                      <m:r>
+                        <a:rPr lang="en-US" altLang="zh-CN" i="1" dirty="0" err="1" smtClean="0">
+                          <a:latin typeface="Cambria Math" panose="02040503050406030204" pitchFamily="18" charset="0"/>
+                        </a:rPr>
+                        <m:t>,</m:t>
+                      </m:r>
+                      <m:r>
+                        <a:rPr lang="en-US" altLang="zh-CN" b="0" i="1" dirty="0" smtClean="0">
+                          <a:latin typeface="Cambria Math" panose="02040503050406030204" pitchFamily="18" charset="0"/>
+                        </a:rPr>
+                        <m:t>𝑑</m:t>
+                      </m:r>
+                      <m:r>
+                        <a:rPr lang="en-US" altLang="zh-CN" i="1" dirty="0" smtClean="0">
+                          <a:latin typeface="Cambria Math" panose="02040503050406030204" pitchFamily="18" charset="0"/>
+                        </a:rPr>
+                        <m:t>)</m:t>
+                      </m:r>
+                    </m:oMath>
+                  </m:oMathPara>
+                </a14:m>
+                <a:endParaRPr lang="zh-CN" altLang="en-US" dirty="0"/>
+              </a:p>
+            </p:txBody>
+          </p:sp>
+        </mc:Choice>
+        <mc:Fallback>
+          <p:sp>
+            <p:nvSpPr>
+              <p:cNvPr id="5" name="文本框 4">
+                <a:extLst>
+                  <a:ext uri="{FF2B5EF4-FFF2-40B4-BE49-F238E27FC236}">
+                    <a16:creationId xmlns:a16="http://schemas.microsoft.com/office/drawing/2014/main" id="{F62181DE-46A3-4935-9F27-74AD64C843A7}"/>
+                  </a:ext>
+                </a:extLst>
+              </p:cNvPr>
+              <p:cNvSpPr txBox="1">
+                <a:spLocks noRot="1" noChangeAspect="1" noMove="1" noResize="1" noEditPoints="1" noAdjustHandles="1" noChangeArrowheads="1" noChangeShapeType="1" noTextEdit="1"/>
+              </p:cNvSpPr>
+              <p:nvPr/>
+            </p:nvSpPr>
+            <p:spPr>
+              <a:xfrm>
+                <a:off x="7741920" y="3520202"/>
+                <a:ext cx="981456" cy="369332"/>
+              </a:xfrm>
+              <a:prstGeom prst="rect">
+                <a:avLst/>
+              </a:prstGeom>
+              <a:blipFill>
+                <a:blip r:embed="rId4"/>
+                <a:stretch>
+                  <a:fillRect b="-13115"/>
+                </a:stretch>
+              </a:blipFill>
+            </p:spPr>
+            <p:txBody>
+              <a:bodyPr/>
+              <a:lstStyle/>
+              <a:p>
+                <a:r>
+                  <a:rPr lang="zh-CN" altLang="en-US">
+                    <a:noFill/>
+                  </a:rPr>
+                  <a:t> </a:t>
+                </a:r>
+              </a:p>
+            </p:txBody>
+          </p:sp>
+        </mc:Fallback>
+      </mc:AlternateContent>
+    </p:spTree>
+    <p:extLst>
+      <p:ext uri="{BB962C8B-B14F-4D97-AF65-F5344CB8AC3E}">
+        <p14:creationId xmlns:p14="http://schemas.microsoft.com/office/powerpoint/2010/main" val="382085330"/>
+      </p:ext>
+    </p:extLst>
+  </p:cSld>
+  <p:clrMapOvr>
+    <a:masterClrMapping/>
+  </p:clrMapOvr>
+</p:sld>
+</file>
+
 <file path=ppt/theme/theme1.xml><?xml version="1.0" encoding="utf-8"?>
 <a:theme xmlns:a="http://schemas.openxmlformats.org/drawingml/2006/main" name="Office 主题​​">
   <a:themeElements>
